--- a/Presentations/LargeLanguageModels.pptx
+++ b/Presentations/LargeLanguageModels.pptx
@@ -8,8 +8,17 @@
     <p:sldId id="256" r:id="rId2"/>
     <p:sldId id="257" r:id="rId3"/>
     <p:sldId id="276" r:id="rId4"/>
-    <p:sldId id="277" r:id="rId5"/>
-    <p:sldId id="263" r:id="rId6"/>
+    <p:sldId id="283" r:id="rId5"/>
+    <p:sldId id="282" r:id="rId6"/>
+    <p:sldId id="278" r:id="rId7"/>
+    <p:sldId id="279" r:id="rId8"/>
+    <p:sldId id="284" r:id="rId9"/>
+    <p:sldId id="285" r:id="rId10"/>
+    <p:sldId id="286" r:id="rId11"/>
+    <p:sldId id="280" r:id="rId12"/>
+    <p:sldId id="281" r:id="rId13"/>
+    <p:sldId id="277" r:id="rId14"/>
+    <p:sldId id="263" r:id="rId15"/>
   </p:sldIdLst>
   <p:sldSz cx="9144000" cy="6858000" type="screen4x3"/>
   <p:notesSz cx="6858000" cy="9144000"/>
@@ -247,7 +256,7 @@
           <a:p>
             <a:fld id="{851C0E05-CD83-4F50-8310-1B8E117BF8A7}" type="datetimeFigureOut">
               <a:rPr lang="en-IN" smtClean="0"/>
-              <a:t>03-03-2024</a:t>
+              <a:t>04-09-2024</a:t>
             </a:fld>
             <a:endParaRPr lang="en-IN"/>
           </a:p>
@@ -417,7 +426,7 @@
           <a:p>
             <a:fld id="{851C0E05-CD83-4F50-8310-1B8E117BF8A7}" type="datetimeFigureOut">
               <a:rPr lang="en-IN" smtClean="0"/>
-              <a:t>03-03-2024</a:t>
+              <a:t>04-09-2024</a:t>
             </a:fld>
             <a:endParaRPr lang="en-IN"/>
           </a:p>
@@ -597,7 +606,7 @@
           <a:p>
             <a:fld id="{851C0E05-CD83-4F50-8310-1B8E117BF8A7}" type="datetimeFigureOut">
               <a:rPr lang="en-IN" smtClean="0"/>
-              <a:t>03-03-2024</a:t>
+              <a:t>04-09-2024</a:t>
             </a:fld>
             <a:endParaRPr lang="en-IN"/>
           </a:p>
@@ -767,7 +776,7 @@
           <a:p>
             <a:fld id="{851C0E05-CD83-4F50-8310-1B8E117BF8A7}" type="datetimeFigureOut">
               <a:rPr lang="en-IN" smtClean="0"/>
-              <a:t>03-03-2024</a:t>
+              <a:t>04-09-2024</a:t>
             </a:fld>
             <a:endParaRPr lang="en-IN"/>
           </a:p>
@@ -1011,7 +1020,7 @@
           <a:p>
             <a:fld id="{851C0E05-CD83-4F50-8310-1B8E117BF8A7}" type="datetimeFigureOut">
               <a:rPr lang="en-IN" smtClean="0"/>
-              <a:t>03-03-2024</a:t>
+              <a:t>04-09-2024</a:t>
             </a:fld>
             <a:endParaRPr lang="en-IN"/>
           </a:p>
@@ -1243,7 +1252,7 @@
           <a:p>
             <a:fld id="{851C0E05-CD83-4F50-8310-1B8E117BF8A7}" type="datetimeFigureOut">
               <a:rPr lang="en-IN" smtClean="0"/>
-              <a:t>03-03-2024</a:t>
+              <a:t>04-09-2024</a:t>
             </a:fld>
             <a:endParaRPr lang="en-IN"/>
           </a:p>
@@ -1610,7 +1619,7 @@
           <a:p>
             <a:fld id="{851C0E05-CD83-4F50-8310-1B8E117BF8A7}" type="datetimeFigureOut">
               <a:rPr lang="en-IN" smtClean="0"/>
-              <a:t>03-03-2024</a:t>
+              <a:t>04-09-2024</a:t>
             </a:fld>
             <a:endParaRPr lang="en-IN"/>
           </a:p>
@@ -1728,7 +1737,7 @@
           <a:p>
             <a:fld id="{851C0E05-CD83-4F50-8310-1B8E117BF8A7}" type="datetimeFigureOut">
               <a:rPr lang="en-IN" smtClean="0"/>
-              <a:t>03-03-2024</a:t>
+              <a:t>04-09-2024</a:t>
             </a:fld>
             <a:endParaRPr lang="en-IN"/>
           </a:p>
@@ -1823,7 +1832,7 @@
           <a:p>
             <a:fld id="{851C0E05-CD83-4F50-8310-1B8E117BF8A7}" type="datetimeFigureOut">
               <a:rPr lang="en-IN" smtClean="0"/>
-              <a:t>03-03-2024</a:t>
+              <a:t>04-09-2024</a:t>
             </a:fld>
             <a:endParaRPr lang="en-IN"/>
           </a:p>
@@ -2100,7 +2109,7 @@
           <a:p>
             <a:fld id="{851C0E05-CD83-4F50-8310-1B8E117BF8A7}" type="datetimeFigureOut">
               <a:rPr lang="en-IN" smtClean="0"/>
-              <a:t>03-03-2024</a:t>
+              <a:t>04-09-2024</a:t>
             </a:fld>
             <a:endParaRPr lang="en-IN"/>
           </a:p>
@@ -2357,7 +2366,7 @@
           <a:p>
             <a:fld id="{851C0E05-CD83-4F50-8310-1B8E117BF8A7}" type="datetimeFigureOut">
               <a:rPr lang="en-IN" smtClean="0"/>
-              <a:t>03-03-2024</a:t>
+              <a:t>04-09-2024</a:t>
             </a:fld>
             <a:endParaRPr lang="en-IN"/>
           </a:p>
@@ -2570,7 +2579,7 @@
           <a:p>
             <a:fld id="{851C0E05-CD83-4F50-8310-1B8E117BF8A7}" type="datetimeFigureOut">
               <a:rPr lang="en-IN" smtClean="0"/>
-              <a:t>03-03-2024</a:t>
+              <a:t>04-09-2024</a:t>
             </a:fld>
             <a:endParaRPr lang="en-IN"/>
           </a:p>
@@ -3021,23 +3030,25 @@
         </p:nvSpPr>
         <p:spPr/>
         <p:txBody>
-          <a:bodyPr/>
-          <a:lstStyle/>
-          <a:p>
-            <a:r>
-              <a:rPr lang="en-US" dirty="0"/>
+          <a:bodyPr>
+            <a:normAutofit lnSpcReduction="10000"/>
+          </a:bodyPr>
+          <a:lstStyle/>
+          <a:p>
+            <a:r>
+              <a:rPr lang="en-US" sz="3200" dirty="0"/>
               <a:t>Pritam Prakash Shete</a:t>
             </a:r>
           </a:p>
           <a:p>
             <a:r>
-              <a:rPr lang="en-US" dirty="0"/>
+              <a:rPr lang="en-US" sz="3200" dirty="0"/>
               <a:t>Computer Division, BARC </a:t>
             </a:r>
           </a:p>
           <a:p>
             <a:r>
-              <a:rPr lang="en-US" dirty="0"/>
+              <a:rPr lang="en-US" sz="3200" dirty="0"/>
               <a:t>Centre for Excellence in Basic Sciences</a:t>
             </a:r>
           </a:p>
@@ -3050,6 +3061,460 @@
     <p:extLst>
       <p:ext uri="{BB962C8B-B14F-4D97-AF65-F5344CB8AC3E}">
         <p14:creationId xmlns:p14="http://schemas.microsoft.com/office/powerpoint/2010/main" val="3681568088"/>
+      </p:ext>
+    </p:extLst>
+  </p:cSld>
+  <p:clrMapOvr>
+    <a:masterClrMapping/>
+  </p:clrMapOvr>
+</p:sld>
+</file>
+
+<file path=ppt/slides/slide10.xml><?xml version="1.0" encoding="utf-8"?>
+<p:sld xmlns:a="http://schemas.openxmlformats.org/drawingml/2006/main" xmlns:r="http://schemas.openxmlformats.org/officeDocument/2006/relationships" xmlns:p="http://schemas.openxmlformats.org/presentationml/2006/main">
+  <p:cSld>
+    <p:spTree>
+      <p:nvGrpSpPr>
+        <p:cNvPr id="1" name=""/>
+        <p:cNvGrpSpPr/>
+        <p:nvPr/>
+      </p:nvGrpSpPr>
+      <p:grpSpPr>
+        <a:xfrm>
+          <a:off x="0" y="0"/>
+          <a:ext cx="0" cy="0"/>
+          <a:chOff x="0" y="0"/>
+          <a:chExt cx="0" cy="0"/>
+        </a:xfrm>
+      </p:grpSpPr>
+      <p:sp>
+        <p:nvSpPr>
+          <p:cNvPr id="2" name="Title 1">
+            <a:extLst>
+              <a:ext uri="{FF2B5EF4-FFF2-40B4-BE49-F238E27FC236}">
+                <a16:creationId xmlns:a16="http://schemas.microsoft.com/office/drawing/2014/main" id="{49307CA3-D7F1-C65A-D158-B0049203C65E}"/>
+              </a:ext>
+            </a:extLst>
+          </p:cNvPr>
+          <p:cNvSpPr>
+            <a:spLocks noGrp="1"/>
+          </p:cNvSpPr>
+          <p:nvPr>
+            <p:ph type="title"/>
+          </p:nvPr>
+        </p:nvSpPr>
+        <p:spPr/>
+        <p:txBody>
+          <a:bodyPr/>
+          <a:lstStyle/>
+          <a:p>
+            <a:pPr algn="ctr"/>
+            <a:r>
+              <a:rPr lang="en-US" dirty="0"/>
+              <a:t>Few Shot Inference</a:t>
+            </a:r>
+            <a:endParaRPr lang="en-IN" dirty="0"/>
+          </a:p>
+        </p:txBody>
+      </p:sp>
+      <p:sp>
+        <p:nvSpPr>
+          <p:cNvPr id="3" name="Content Placeholder 2">
+            <a:extLst>
+              <a:ext uri="{FF2B5EF4-FFF2-40B4-BE49-F238E27FC236}">
+                <a16:creationId xmlns:a16="http://schemas.microsoft.com/office/drawing/2014/main" id="{370418D3-FFCC-9690-B262-C1FBDD1D7650}"/>
+              </a:ext>
+            </a:extLst>
+          </p:cNvPr>
+          <p:cNvSpPr>
+            <a:spLocks noGrp="1"/>
+          </p:cNvSpPr>
+          <p:nvPr>
+            <p:ph idx="1"/>
+          </p:nvPr>
+        </p:nvSpPr>
+        <p:spPr/>
+        <p:txBody>
+          <a:bodyPr/>
+          <a:lstStyle/>
+          <a:p>
+            <a:r>
+              <a:rPr lang="en-US" dirty="0"/>
+              <a:t>More than one examples in the Context Window</a:t>
+            </a:r>
+          </a:p>
+          <a:p>
+            <a:r>
+              <a:rPr lang="en-US" dirty="0"/>
+              <a:t>Less than five examples </a:t>
+            </a:r>
+            <a:endParaRPr lang="en-IN" dirty="0"/>
+          </a:p>
+          <a:p>
+            <a:endParaRPr lang="en-IN" dirty="0"/>
+          </a:p>
+        </p:txBody>
+      </p:sp>
+    </p:spTree>
+    <p:extLst>
+      <p:ext uri="{BB962C8B-B14F-4D97-AF65-F5344CB8AC3E}">
+        <p14:creationId xmlns:p14="http://schemas.microsoft.com/office/powerpoint/2010/main" val="232167889"/>
+      </p:ext>
+    </p:extLst>
+  </p:cSld>
+  <p:clrMapOvr>
+    <a:masterClrMapping/>
+  </p:clrMapOvr>
+</p:sld>
+</file>
+
+<file path=ppt/slides/slide11.xml><?xml version="1.0" encoding="utf-8"?>
+<p:sld xmlns:a="http://schemas.openxmlformats.org/drawingml/2006/main" xmlns:r="http://schemas.openxmlformats.org/officeDocument/2006/relationships" xmlns:p="http://schemas.openxmlformats.org/presentationml/2006/main">
+  <p:cSld>
+    <p:spTree>
+      <p:nvGrpSpPr>
+        <p:cNvPr id="1" name=""/>
+        <p:cNvGrpSpPr/>
+        <p:nvPr/>
+      </p:nvGrpSpPr>
+      <p:grpSpPr>
+        <a:xfrm>
+          <a:off x="0" y="0"/>
+          <a:ext cx="0" cy="0"/>
+          <a:chOff x="0" y="0"/>
+          <a:chExt cx="0" cy="0"/>
+        </a:xfrm>
+      </p:grpSpPr>
+      <p:sp>
+        <p:nvSpPr>
+          <p:cNvPr id="2" name="Title 1">
+            <a:extLst>
+              <a:ext uri="{FF2B5EF4-FFF2-40B4-BE49-F238E27FC236}">
+                <a16:creationId xmlns:a16="http://schemas.microsoft.com/office/drawing/2014/main" id="{49307CA3-D7F1-C65A-D158-B0049203C65E}"/>
+              </a:ext>
+            </a:extLst>
+          </p:cNvPr>
+          <p:cNvSpPr>
+            <a:spLocks noGrp="1"/>
+          </p:cNvSpPr>
+          <p:nvPr>
+            <p:ph type="title"/>
+          </p:nvPr>
+        </p:nvSpPr>
+        <p:spPr/>
+        <p:txBody>
+          <a:bodyPr/>
+          <a:lstStyle/>
+          <a:p>
+            <a:pPr algn="ctr"/>
+            <a:r>
+              <a:rPr lang="en-US" dirty="0"/>
+              <a:t>Instruction Fine Tuning</a:t>
+            </a:r>
+            <a:endParaRPr lang="en-IN" dirty="0"/>
+          </a:p>
+        </p:txBody>
+      </p:sp>
+      <p:sp>
+        <p:nvSpPr>
+          <p:cNvPr id="3" name="Content Placeholder 2">
+            <a:extLst>
+              <a:ext uri="{FF2B5EF4-FFF2-40B4-BE49-F238E27FC236}">
+                <a16:creationId xmlns:a16="http://schemas.microsoft.com/office/drawing/2014/main" id="{370418D3-FFCC-9690-B262-C1FBDD1D7650}"/>
+              </a:ext>
+            </a:extLst>
+          </p:cNvPr>
+          <p:cNvSpPr>
+            <a:spLocks noGrp="1"/>
+          </p:cNvSpPr>
+          <p:nvPr>
+            <p:ph idx="1"/>
+          </p:nvPr>
+        </p:nvSpPr>
+        <p:spPr/>
+        <p:txBody>
+          <a:bodyPr/>
+          <a:lstStyle/>
+          <a:p>
+            <a:endParaRPr lang="en-IN" dirty="0"/>
+          </a:p>
+        </p:txBody>
+      </p:sp>
+    </p:spTree>
+    <p:extLst>
+      <p:ext uri="{BB962C8B-B14F-4D97-AF65-F5344CB8AC3E}">
+        <p14:creationId xmlns:p14="http://schemas.microsoft.com/office/powerpoint/2010/main" val="4245410906"/>
+      </p:ext>
+    </p:extLst>
+  </p:cSld>
+  <p:clrMapOvr>
+    <a:masterClrMapping/>
+  </p:clrMapOvr>
+</p:sld>
+</file>
+
+<file path=ppt/slides/slide12.xml><?xml version="1.0" encoding="utf-8"?>
+<p:sld xmlns:a="http://schemas.openxmlformats.org/drawingml/2006/main" xmlns:r="http://schemas.openxmlformats.org/officeDocument/2006/relationships" xmlns:p="http://schemas.openxmlformats.org/presentationml/2006/main">
+  <p:cSld>
+    <p:spTree>
+      <p:nvGrpSpPr>
+        <p:cNvPr id="1" name=""/>
+        <p:cNvGrpSpPr/>
+        <p:nvPr/>
+      </p:nvGrpSpPr>
+      <p:grpSpPr>
+        <a:xfrm>
+          <a:off x="0" y="0"/>
+          <a:ext cx="0" cy="0"/>
+          <a:chOff x="0" y="0"/>
+          <a:chExt cx="0" cy="0"/>
+        </a:xfrm>
+      </p:grpSpPr>
+      <p:sp>
+        <p:nvSpPr>
+          <p:cNvPr id="2" name="Title 1">
+            <a:extLst>
+              <a:ext uri="{FF2B5EF4-FFF2-40B4-BE49-F238E27FC236}">
+                <a16:creationId xmlns:a16="http://schemas.microsoft.com/office/drawing/2014/main" id="{49307CA3-D7F1-C65A-D158-B0049203C65E}"/>
+              </a:ext>
+            </a:extLst>
+          </p:cNvPr>
+          <p:cNvSpPr>
+            <a:spLocks noGrp="1"/>
+          </p:cNvSpPr>
+          <p:nvPr>
+            <p:ph type="title"/>
+          </p:nvPr>
+        </p:nvSpPr>
+        <p:spPr/>
+        <p:txBody>
+          <a:bodyPr/>
+          <a:lstStyle/>
+          <a:p>
+            <a:pPr algn="ctr"/>
+            <a:r>
+              <a:rPr lang="en-US" dirty="0"/>
+              <a:t>Parameter Efficient Fine Tuning</a:t>
+            </a:r>
+            <a:endParaRPr lang="en-IN" dirty="0"/>
+          </a:p>
+        </p:txBody>
+      </p:sp>
+      <p:sp>
+        <p:nvSpPr>
+          <p:cNvPr id="3" name="Content Placeholder 2">
+            <a:extLst>
+              <a:ext uri="{FF2B5EF4-FFF2-40B4-BE49-F238E27FC236}">
+                <a16:creationId xmlns:a16="http://schemas.microsoft.com/office/drawing/2014/main" id="{370418D3-FFCC-9690-B262-C1FBDD1D7650}"/>
+              </a:ext>
+            </a:extLst>
+          </p:cNvPr>
+          <p:cNvSpPr>
+            <a:spLocks noGrp="1"/>
+          </p:cNvSpPr>
+          <p:nvPr>
+            <p:ph idx="1"/>
+          </p:nvPr>
+        </p:nvSpPr>
+        <p:spPr/>
+        <p:txBody>
+          <a:bodyPr/>
+          <a:lstStyle/>
+          <a:p>
+            <a:r>
+              <a:rPr lang="en-US" dirty="0"/>
+              <a:t>PEFT – Parameter Efficient Fine Tuning</a:t>
+            </a:r>
+          </a:p>
+          <a:p>
+            <a:endParaRPr lang="en-IN" dirty="0"/>
+          </a:p>
+        </p:txBody>
+      </p:sp>
+    </p:spTree>
+    <p:extLst>
+      <p:ext uri="{BB962C8B-B14F-4D97-AF65-F5344CB8AC3E}">
+        <p14:creationId xmlns:p14="http://schemas.microsoft.com/office/powerpoint/2010/main" val="2230455582"/>
+      </p:ext>
+    </p:extLst>
+  </p:cSld>
+  <p:clrMapOvr>
+    <a:masterClrMapping/>
+  </p:clrMapOvr>
+</p:sld>
+</file>
+
+<file path=ppt/slides/slide13.xml><?xml version="1.0" encoding="utf-8"?>
+<p:sld xmlns:a="http://schemas.openxmlformats.org/drawingml/2006/main" xmlns:r="http://schemas.openxmlformats.org/officeDocument/2006/relationships" xmlns:p="http://schemas.openxmlformats.org/presentationml/2006/main">
+  <p:cSld>
+    <p:spTree>
+      <p:nvGrpSpPr>
+        <p:cNvPr id="1" name=""/>
+        <p:cNvGrpSpPr/>
+        <p:nvPr/>
+      </p:nvGrpSpPr>
+      <p:grpSpPr>
+        <a:xfrm>
+          <a:off x="0" y="0"/>
+          <a:ext cx="0" cy="0"/>
+          <a:chOff x="0" y="0"/>
+          <a:chExt cx="0" cy="0"/>
+        </a:xfrm>
+      </p:grpSpPr>
+      <p:sp>
+        <p:nvSpPr>
+          <p:cNvPr id="2" name="Title 1">
+            <a:extLst>
+              <a:ext uri="{FF2B5EF4-FFF2-40B4-BE49-F238E27FC236}">
+                <a16:creationId xmlns:a16="http://schemas.microsoft.com/office/drawing/2014/main" id="{B440959B-5257-9D91-3B61-5C46F1F96D6B}"/>
+              </a:ext>
+            </a:extLst>
+          </p:cNvPr>
+          <p:cNvSpPr>
+            <a:spLocks noGrp="1"/>
+          </p:cNvSpPr>
+          <p:nvPr>
+            <p:ph type="title"/>
+          </p:nvPr>
+        </p:nvSpPr>
+        <p:spPr/>
+        <p:txBody>
+          <a:bodyPr/>
+          <a:lstStyle/>
+          <a:p>
+            <a:pPr algn="ctr"/>
+            <a:r>
+              <a:rPr lang="en-US" dirty="0"/>
+              <a:t>Conclusions</a:t>
+            </a:r>
+            <a:endParaRPr lang="en-IN" dirty="0"/>
+          </a:p>
+        </p:txBody>
+      </p:sp>
+      <p:sp>
+        <p:nvSpPr>
+          <p:cNvPr id="3" name="Content Placeholder 2">
+            <a:extLst>
+              <a:ext uri="{FF2B5EF4-FFF2-40B4-BE49-F238E27FC236}">
+                <a16:creationId xmlns:a16="http://schemas.microsoft.com/office/drawing/2014/main" id="{83AE5D9F-CE13-09AA-2234-6FF43C2EBB41}"/>
+              </a:ext>
+            </a:extLst>
+          </p:cNvPr>
+          <p:cNvSpPr>
+            <a:spLocks noGrp="1"/>
+          </p:cNvSpPr>
+          <p:nvPr>
+            <p:ph idx="1"/>
+          </p:nvPr>
+        </p:nvSpPr>
+        <p:spPr/>
+        <p:txBody>
+          <a:bodyPr/>
+          <a:lstStyle/>
+          <a:p>
+            <a:endParaRPr lang="en-IN"/>
+          </a:p>
+        </p:txBody>
+      </p:sp>
+    </p:spTree>
+    <p:extLst>
+      <p:ext uri="{BB962C8B-B14F-4D97-AF65-F5344CB8AC3E}">
+        <p14:creationId xmlns:p14="http://schemas.microsoft.com/office/powerpoint/2010/main" val="3691160634"/>
+      </p:ext>
+    </p:extLst>
+  </p:cSld>
+  <p:clrMapOvr>
+    <a:masterClrMapping/>
+  </p:clrMapOvr>
+</p:sld>
+</file>
+
+<file path=ppt/slides/slide14.xml><?xml version="1.0" encoding="utf-8"?>
+<p:sld xmlns:a="http://schemas.openxmlformats.org/drawingml/2006/main" xmlns:r="http://schemas.openxmlformats.org/officeDocument/2006/relationships" xmlns:p="http://schemas.openxmlformats.org/presentationml/2006/main">
+  <p:cSld>
+    <p:spTree>
+      <p:nvGrpSpPr>
+        <p:cNvPr id="1" name="">
+          <a:extLst>
+            <a:ext uri="{FF2B5EF4-FFF2-40B4-BE49-F238E27FC236}">
+              <a16:creationId xmlns:a16="http://schemas.microsoft.com/office/drawing/2014/main" id="{1C8AEA77-34B6-2B92-3032-E7DC917A66A5}"/>
+            </a:ext>
+          </a:extLst>
+        </p:cNvPr>
+        <p:cNvGrpSpPr/>
+        <p:nvPr/>
+      </p:nvGrpSpPr>
+      <p:grpSpPr>
+        <a:xfrm>
+          <a:off x="0" y="0"/>
+          <a:ext cx="0" cy="0"/>
+          <a:chOff x="0" y="0"/>
+          <a:chExt cx="0" cy="0"/>
+        </a:xfrm>
+      </p:grpSpPr>
+      <p:sp>
+        <p:nvSpPr>
+          <p:cNvPr id="2" name="Title 1">
+            <a:extLst>
+              <a:ext uri="{FF2B5EF4-FFF2-40B4-BE49-F238E27FC236}">
+                <a16:creationId xmlns:a16="http://schemas.microsoft.com/office/drawing/2014/main" id="{CD98F5DA-863D-D365-0F24-39A0C31B06D7}"/>
+              </a:ext>
+            </a:extLst>
+          </p:cNvPr>
+          <p:cNvSpPr>
+            <a:spLocks noGrp="1"/>
+          </p:cNvSpPr>
+          <p:nvPr>
+            <p:ph type="ctrTitle"/>
+          </p:nvPr>
+        </p:nvSpPr>
+        <p:spPr/>
+        <p:txBody>
+          <a:bodyPr/>
+          <a:lstStyle/>
+          <a:p>
+            <a:r>
+              <a:rPr lang="en-IN" dirty="0"/>
+              <a:t>Questions?</a:t>
+            </a:r>
+          </a:p>
+        </p:txBody>
+      </p:sp>
+      <p:sp>
+        <p:nvSpPr>
+          <p:cNvPr id="3" name="Subtitle 2">
+            <a:extLst>
+              <a:ext uri="{FF2B5EF4-FFF2-40B4-BE49-F238E27FC236}">
+                <a16:creationId xmlns:a16="http://schemas.microsoft.com/office/drawing/2014/main" id="{24AD7672-D577-74F5-F08E-C14B57789DE5}"/>
+              </a:ext>
+            </a:extLst>
+          </p:cNvPr>
+          <p:cNvSpPr>
+            <a:spLocks noGrp="1"/>
+          </p:cNvSpPr>
+          <p:nvPr>
+            <p:ph type="subTitle" idx="1"/>
+          </p:nvPr>
+        </p:nvSpPr>
+        <p:spPr/>
+        <p:txBody>
+          <a:bodyPr/>
+          <a:lstStyle/>
+          <a:p>
+            <a:r>
+              <a:rPr lang="en-US" dirty="0"/>
+              <a:t>Thank you</a:t>
+            </a:r>
+          </a:p>
+          <a:p>
+            <a:endParaRPr lang="en-IN" dirty="0"/>
+          </a:p>
+        </p:txBody>
+      </p:sp>
+    </p:spTree>
+    <p:extLst>
+      <p:ext uri="{BB962C8B-B14F-4D97-AF65-F5344CB8AC3E}">
+        <p14:creationId xmlns:p14="http://schemas.microsoft.com/office/powerpoint/2010/main" val="2420884258"/>
       </p:ext>
     </p:extLst>
   </p:cSld>
@@ -3127,12 +3592,39 @@
           <a:bodyPr/>
           <a:lstStyle/>
           <a:p>
-            <a:endParaRPr lang="en-US" dirty="0"/>
-          </a:p>
-          <a:p>
             <a:r>
               <a:rPr lang="en-US" dirty="0"/>
               <a:t>Applications</a:t>
+            </a:r>
+          </a:p>
+          <a:p>
+            <a:r>
+              <a:rPr lang="en-US" dirty="0"/>
+              <a:t>Foundation Models</a:t>
+            </a:r>
+          </a:p>
+          <a:p>
+            <a:r>
+              <a:rPr lang="en-US" dirty="0"/>
+              <a:t>Large Language Models</a:t>
+            </a:r>
+          </a:p>
+          <a:p>
+            <a:r>
+              <a:rPr lang="en-US" dirty="0"/>
+              <a:t>Prompt Engineering</a:t>
+            </a:r>
+          </a:p>
+          <a:p>
+            <a:r>
+              <a:rPr lang="en-US" dirty="0"/>
+              <a:t>In Context Learning</a:t>
+            </a:r>
+          </a:p>
+          <a:p>
+            <a:r>
+              <a:rPr lang="en-US" dirty="0"/>
+              <a:t>Parameter Efficient Fine Tuning</a:t>
             </a:r>
           </a:p>
           <a:p>
@@ -3270,7 +3762,7 @@
           <p:cNvPr id="2" name="Title 1">
             <a:extLst>
               <a:ext uri="{FF2B5EF4-FFF2-40B4-BE49-F238E27FC236}">
-                <a16:creationId xmlns:a16="http://schemas.microsoft.com/office/drawing/2014/main" id="{B440959B-5257-9D91-3B61-5C46F1F96D6B}"/>
+                <a16:creationId xmlns:a16="http://schemas.microsoft.com/office/drawing/2014/main" id="{49307CA3-D7F1-C65A-D158-B0049203C65E}"/>
               </a:ext>
             </a:extLst>
           </p:cNvPr>
@@ -3288,8 +3780,8 @@
           <a:p>
             <a:pPr algn="ctr"/>
             <a:r>
-              <a:rPr lang="en-US" dirty="0"/>
-              <a:t>Conclusions</a:t>
+              <a:rPr lang="en-US"/>
+              <a:t>Foundation Models</a:t>
             </a:r>
             <a:endParaRPr lang="en-IN" dirty="0"/>
           </a:p>
@@ -3300,7 +3792,7 @@
           <p:cNvPr id="3" name="Content Placeholder 2">
             <a:extLst>
               <a:ext uri="{FF2B5EF4-FFF2-40B4-BE49-F238E27FC236}">
-                <a16:creationId xmlns:a16="http://schemas.microsoft.com/office/drawing/2014/main" id="{83AE5D9F-CE13-09AA-2234-6FF43C2EBB41}"/>
+                <a16:creationId xmlns:a16="http://schemas.microsoft.com/office/drawing/2014/main" id="{370418D3-FFCC-9690-B262-C1FBDD1D7650}"/>
               </a:ext>
             </a:extLst>
           </p:cNvPr>
@@ -3323,7 +3815,7 @@
     </p:spTree>
     <p:extLst>
       <p:ext uri="{BB962C8B-B14F-4D97-AF65-F5344CB8AC3E}">
-        <p14:creationId xmlns:p14="http://schemas.microsoft.com/office/powerpoint/2010/main" val="3691160634"/>
+        <p14:creationId xmlns:p14="http://schemas.microsoft.com/office/powerpoint/2010/main" val="3697646160"/>
       </p:ext>
     </p:extLst>
   </p:cSld>
@@ -3338,13 +3830,7 @@
   <p:cSld>
     <p:spTree>
       <p:nvGrpSpPr>
-        <p:cNvPr id="1" name="">
-          <a:extLst>
-            <a:ext uri="{FF2B5EF4-FFF2-40B4-BE49-F238E27FC236}">
-              <a16:creationId xmlns:a16="http://schemas.microsoft.com/office/drawing/2014/main" id="{1C8AEA77-34B6-2B92-3032-E7DC917A66A5}"/>
-            </a:ext>
-          </a:extLst>
-        </p:cNvPr>
+        <p:cNvPr id="1" name=""/>
         <p:cNvGrpSpPr/>
         <p:nvPr/>
       </p:nvGrpSpPr>
@@ -3361,7 +3847,7 @@
           <p:cNvPr id="2" name="Title 1">
             <a:extLst>
               <a:ext uri="{FF2B5EF4-FFF2-40B4-BE49-F238E27FC236}">
-                <a16:creationId xmlns:a16="http://schemas.microsoft.com/office/drawing/2014/main" id="{CD98F5DA-863D-D365-0F24-39A0C31B06D7}"/>
+                <a16:creationId xmlns:a16="http://schemas.microsoft.com/office/drawing/2014/main" id="{49307CA3-D7F1-C65A-D158-B0049203C65E}"/>
               </a:ext>
             </a:extLst>
           </p:cNvPr>
@@ -3369,27 +3855,31 @@
             <a:spLocks noGrp="1"/>
           </p:cNvSpPr>
           <p:nvPr>
-            <p:ph type="ctrTitle"/>
-          </p:nvPr>
-        </p:nvSpPr>
-        <p:spPr/>
-        <p:txBody>
-          <a:bodyPr/>
-          <a:lstStyle/>
-          <a:p>
-            <a:r>
-              <a:rPr lang="en-IN" dirty="0"/>
-              <a:t>Questions?</a:t>
-            </a:r>
-          </a:p>
-        </p:txBody>
-      </p:sp>
-      <p:sp>
-        <p:nvSpPr>
-          <p:cNvPr id="3" name="Subtitle 2">
+            <p:ph type="title"/>
+          </p:nvPr>
+        </p:nvSpPr>
+        <p:spPr/>
+        <p:txBody>
+          <a:bodyPr>
+            <a:normAutofit/>
+          </a:bodyPr>
+          <a:lstStyle/>
+          <a:p>
+            <a:pPr algn="ctr"/>
+            <a:r>
+              <a:rPr lang="en-US" dirty="0"/>
+              <a:t>Transformer Architecture </a:t>
+            </a:r>
+            <a:endParaRPr lang="en-IN" dirty="0"/>
+          </a:p>
+        </p:txBody>
+      </p:sp>
+      <p:sp>
+        <p:nvSpPr>
+          <p:cNvPr id="3" name="Content Placeholder 2">
             <a:extLst>
               <a:ext uri="{FF2B5EF4-FFF2-40B4-BE49-F238E27FC236}">
-                <a16:creationId xmlns:a16="http://schemas.microsoft.com/office/drawing/2014/main" id="{24AD7672-D577-74F5-F08E-C14B57789DE5}"/>
+                <a16:creationId xmlns:a16="http://schemas.microsoft.com/office/drawing/2014/main" id="{370418D3-FFCC-9690-B262-C1FBDD1D7650}"/>
               </a:ext>
             </a:extLst>
           </p:cNvPr>
@@ -3397,28 +3887,431 @@
             <a:spLocks noGrp="1"/>
           </p:cNvSpPr>
           <p:nvPr>
-            <p:ph type="subTitle" idx="1"/>
-          </p:nvPr>
-        </p:nvSpPr>
-        <p:spPr/>
-        <p:txBody>
-          <a:bodyPr/>
-          <a:lstStyle/>
-          <a:p>
-            <a:r>
-              <a:rPr lang="en-US" dirty="0"/>
-              <a:t>Thank you</a:t>
-            </a:r>
-          </a:p>
-          <a:p>
-            <a:endParaRPr lang="en-IN" dirty="0"/>
+            <p:ph idx="1"/>
+          </p:nvPr>
+        </p:nvSpPr>
+        <p:spPr/>
+        <p:txBody>
+          <a:bodyPr/>
+          <a:lstStyle/>
+          <a:p>
+            <a:endParaRPr lang="en-IN"/>
           </a:p>
         </p:txBody>
       </p:sp>
     </p:spTree>
     <p:extLst>
       <p:ext uri="{BB962C8B-B14F-4D97-AF65-F5344CB8AC3E}">
-        <p14:creationId xmlns:p14="http://schemas.microsoft.com/office/powerpoint/2010/main" val="2420884258"/>
+        <p14:creationId xmlns:p14="http://schemas.microsoft.com/office/powerpoint/2010/main" val="4268929679"/>
+      </p:ext>
+    </p:extLst>
+  </p:cSld>
+  <p:clrMapOvr>
+    <a:masterClrMapping/>
+  </p:clrMapOvr>
+</p:sld>
+</file>
+
+<file path=ppt/slides/slide6.xml><?xml version="1.0" encoding="utf-8"?>
+<p:sld xmlns:a="http://schemas.openxmlformats.org/drawingml/2006/main" xmlns:r="http://schemas.openxmlformats.org/officeDocument/2006/relationships" xmlns:p="http://schemas.openxmlformats.org/presentationml/2006/main">
+  <p:cSld>
+    <p:spTree>
+      <p:nvGrpSpPr>
+        <p:cNvPr id="1" name=""/>
+        <p:cNvGrpSpPr/>
+        <p:nvPr/>
+      </p:nvGrpSpPr>
+      <p:grpSpPr>
+        <a:xfrm>
+          <a:off x="0" y="0"/>
+          <a:ext cx="0" cy="0"/>
+          <a:chOff x="0" y="0"/>
+          <a:chExt cx="0" cy="0"/>
+        </a:xfrm>
+      </p:grpSpPr>
+      <p:sp>
+        <p:nvSpPr>
+          <p:cNvPr id="2" name="Title 1">
+            <a:extLst>
+              <a:ext uri="{FF2B5EF4-FFF2-40B4-BE49-F238E27FC236}">
+                <a16:creationId xmlns:a16="http://schemas.microsoft.com/office/drawing/2014/main" id="{49307CA3-D7F1-C65A-D158-B0049203C65E}"/>
+              </a:ext>
+            </a:extLst>
+          </p:cNvPr>
+          <p:cNvSpPr>
+            <a:spLocks noGrp="1"/>
+          </p:cNvSpPr>
+          <p:nvPr>
+            <p:ph type="title"/>
+          </p:nvPr>
+        </p:nvSpPr>
+        <p:spPr/>
+        <p:txBody>
+          <a:bodyPr/>
+          <a:lstStyle/>
+          <a:p>
+            <a:pPr algn="ctr"/>
+            <a:r>
+              <a:rPr lang="en-US" dirty="0"/>
+              <a:t>Prompt Engineering</a:t>
+            </a:r>
+            <a:endParaRPr lang="en-IN" dirty="0"/>
+          </a:p>
+        </p:txBody>
+      </p:sp>
+      <p:sp>
+        <p:nvSpPr>
+          <p:cNvPr id="3" name="Content Placeholder 2">
+            <a:extLst>
+              <a:ext uri="{FF2B5EF4-FFF2-40B4-BE49-F238E27FC236}">
+                <a16:creationId xmlns:a16="http://schemas.microsoft.com/office/drawing/2014/main" id="{370418D3-FFCC-9690-B262-C1FBDD1D7650}"/>
+              </a:ext>
+            </a:extLst>
+          </p:cNvPr>
+          <p:cNvSpPr>
+            <a:spLocks noGrp="1"/>
+          </p:cNvSpPr>
+          <p:nvPr>
+            <p:ph idx="1"/>
+          </p:nvPr>
+        </p:nvSpPr>
+        <p:spPr/>
+        <p:txBody>
+          <a:bodyPr/>
+          <a:lstStyle/>
+          <a:p>
+            <a:r>
+              <a:rPr lang="en-US" dirty="0"/>
+              <a:t>Prompt</a:t>
+            </a:r>
+          </a:p>
+          <a:p>
+            <a:r>
+              <a:rPr lang="en-US" dirty="0"/>
+              <a:t>Context window</a:t>
+            </a:r>
+          </a:p>
+          <a:p>
+            <a:r>
+              <a:rPr lang="en-US" dirty="0"/>
+              <a:t>Large Language Model</a:t>
+            </a:r>
+          </a:p>
+          <a:p>
+            <a:r>
+              <a:rPr lang="en-US" dirty="0"/>
+              <a:t>Inference</a:t>
+            </a:r>
+          </a:p>
+          <a:p>
+            <a:r>
+              <a:rPr lang="en-US" dirty="0"/>
+              <a:t>Completion</a:t>
+            </a:r>
+          </a:p>
+          <a:p>
+            <a:endParaRPr lang="en-IN" dirty="0"/>
+          </a:p>
+        </p:txBody>
+      </p:sp>
+    </p:spTree>
+    <p:extLst>
+      <p:ext uri="{BB962C8B-B14F-4D97-AF65-F5344CB8AC3E}">
+        <p14:creationId xmlns:p14="http://schemas.microsoft.com/office/powerpoint/2010/main" val="1158719382"/>
+      </p:ext>
+    </p:extLst>
+  </p:cSld>
+  <p:clrMapOvr>
+    <a:masterClrMapping/>
+  </p:clrMapOvr>
+</p:sld>
+</file>
+
+<file path=ppt/slides/slide7.xml><?xml version="1.0" encoding="utf-8"?>
+<p:sld xmlns:a="http://schemas.openxmlformats.org/drawingml/2006/main" xmlns:r="http://schemas.openxmlformats.org/officeDocument/2006/relationships" xmlns:p="http://schemas.openxmlformats.org/presentationml/2006/main">
+  <p:cSld>
+    <p:spTree>
+      <p:nvGrpSpPr>
+        <p:cNvPr id="1" name=""/>
+        <p:cNvGrpSpPr/>
+        <p:nvPr/>
+      </p:nvGrpSpPr>
+      <p:grpSpPr>
+        <a:xfrm>
+          <a:off x="0" y="0"/>
+          <a:ext cx="0" cy="0"/>
+          <a:chOff x="0" y="0"/>
+          <a:chExt cx="0" cy="0"/>
+        </a:xfrm>
+      </p:grpSpPr>
+      <p:sp>
+        <p:nvSpPr>
+          <p:cNvPr id="2" name="Title 1">
+            <a:extLst>
+              <a:ext uri="{FF2B5EF4-FFF2-40B4-BE49-F238E27FC236}">
+                <a16:creationId xmlns:a16="http://schemas.microsoft.com/office/drawing/2014/main" id="{49307CA3-D7F1-C65A-D158-B0049203C65E}"/>
+              </a:ext>
+            </a:extLst>
+          </p:cNvPr>
+          <p:cNvSpPr>
+            <a:spLocks noGrp="1"/>
+          </p:cNvSpPr>
+          <p:nvPr>
+            <p:ph type="title"/>
+          </p:nvPr>
+        </p:nvSpPr>
+        <p:spPr/>
+        <p:txBody>
+          <a:bodyPr/>
+          <a:lstStyle/>
+          <a:p>
+            <a:pPr algn="ctr"/>
+            <a:r>
+              <a:rPr lang="en-US" dirty="0"/>
+              <a:t>In Context Learning</a:t>
+            </a:r>
+            <a:endParaRPr lang="en-IN" dirty="0"/>
+          </a:p>
+        </p:txBody>
+      </p:sp>
+      <p:sp>
+        <p:nvSpPr>
+          <p:cNvPr id="3" name="Content Placeholder 2">
+            <a:extLst>
+              <a:ext uri="{FF2B5EF4-FFF2-40B4-BE49-F238E27FC236}">
+                <a16:creationId xmlns:a16="http://schemas.microsoft.com/office/drawing/2014/main" id="{370418D3-FFCC-9690-B262-C1FBDD1D7650}"/>
+              </a:ext>
+            </a:extLst>
+          </p:cNvPr>
+          <p:cNvSpPr>
+            <a:spLocks noGrp="1"/>
+          </p:cNvSpPr>
+          <p:nvPr>
+            <p:ph idx="1"/>
+          </p:nvPr>
+        </p:nvSpPr>
+        <p:spPr/>
+        <p:txBody>
+          <a:bodyPr/>
+          <a:lstStyle/>
+          <a:p>
+            <a:r>
+              <a:rPr lang="en-US" dirty="0"/>
+              <a:t>Context window</a:t>
+            </a:r>
+          </a:p>
+          <a:p>
+            <a:r>
+              <a:rPr lang="en-US" dirty="0"/>
+              <a:t>Task example/s within the Context window</a:t>
+            </a:r>
+          </a:p>
+          <a:p>
+            <a:r>
+              <a:rPr lang="en-US" dirty="0"/>
+              <a:t>Zero shot inference</a:t>
+            </a:r>
+          </a:p>
+          <a:p>
+            <a:r>
+              <a:rPr lang="en-US" dirty="0"/>
+              <a:t>One shot inference</a:t>
+            </a:r>
+          </a:p>
+          <a:p>
+            <a:r>
+              <a:rPr lang="en-US" dirty="0"/>
+              <a:t>Few shot inference</a:t>
+            </a:r>
+            <a:endParaRPr lang="en-IN" dirty="0"/>
+          </a:p>
+        </p:txBody>
+      </p:sp>
+    </p:spTree>
+    <p:extLst>
+      <p:ext uri="{BB962C8B-B14F-4D97-AF65-F5344CB8AC3E}">
+        <p14:creationId xmlns:p14="http://schemas.microsoft.com/office/powerpoint/2010/main" val="4274027739"/>
+      </p:ext>
+    </p:extLst>
+  </p:cSld>
+  <p:clrMapOvr>
+    <a:masterClrMapping/>
+  </p:clrMapOvr>
+</p:sld>
+</file>
+
+<file path=ppt/slides/slide8.xml><?xml version="1.0" encoding="utf-8"?>
+<p:sld xmlns:a="http://schemas.openxmlformats.org/drawingml/2006/main" xmlns:r="http://schemas.openxmlformats.org/officeDocument/2006/relationships" xmlns:p="http://schemas.openxmlformats.org/presentationml/2006/main">
+  <p:cSld>
+    <p:spTree>
+      <p:nvGrpSpPr>
+        <p:cNvPr id="1" name=""/>
+        <p:cNvGrpSpPr/>
+        <p:nvPr/>
+      </p:nvGrpSpPr>
+      <p:grpSpPr>
+        <a:xfrm>
+          <a:off x="0" y="0"/>
+          <a:ext cx="0" cy="0"/>
+          <a:chOff x="0" y="0"/>
+          <a:chExt cx="0" cy="0"/>
+        </a:xfrm>
+      </p:grpSpPr>
+      <p:sp>
+        <p:nvSpPr>
+          <p:cNvPr id="2" name="Title 1">
+            <a:extLst>
+              <a:ext uri="{FF2B5EF4-FFF2-40B4-BE49-F238E27FC236}">
+                <a16:creationId xmlns:a16="http://schemas.microsoft.com/office/drawing/2014/main" id="{49307CA3-D7F1-C65A-D158-B0049203C65E}"/>
+              </a:ext>
+            </a:extLst>
+          </p:cNvPr>
+          <p:cNvSpPr>
+            <a:spLocks noGrp="1"/>
+          </p:cNvSpPr>
+          <p:nvPr>
+            <p:ph type="title"/>
+          </p:nvPr>
+        </p:nvSpPr>
+        <p:spPr/>
+        <p:txBody>
+          <a:bodyPr/>
+          <a:lstStyle/>
+          <a:p>
+            <a:pPr algn="ctr"/>
+            <a:r>
+              <a:rPr lang="en-US" dirty="0"/>
+              <a:t>Zero Shot Inference</a:t>
+            </a:r>
+            <a:endParaRPr lang="en-IN" dirty="0"/>
+          </a:p>
+        </p:txBody>
+      </p:sp>
+      <p:sp>
+        <p:nvSpPr>
+          <p:cNvPr id="3" name="Content Placeholder 2">
+            <a:extLst>
+              <a:ext uri="{FF2B5EF4-FFF2-40B4-BE49-F238E27FC236}">
+                <a16:creationId xmlns:a16="http://schemas.microsoft.com/office/drawing/2014/main" id="{370418D3-FFCC-9690-B262-C1FBDD1D7650}"/>
+              </a:ext>
+            </a:extLst>
+          </p:cNvPr>
+          <p:cNvSpPr>
+            <a:spLocks noGrp="1"/>
+          </p:cNvSpPr>
+          <p:nvPr>
+            <p:ph idx="1"/>
+          </p:nvPr>
+        </p:nvSpPr>
+        <p:spPr/>
+        <p:txBody>
+          <a:bodyPr/>
+          <a:lstStyle/>
+          <a:p>
+            <a:r>
+              <a:rPr lang="en-US" dirty="0"/>
+              <a:t>No example in the Context Window</a:t>
+            </a:r>
+            <a:endParaRPr lang="en-IN" dirty="0"/>
+          </a:p>
+        </p:txBody>
+      </p:sp>
+    </p:spTree>
+    <p:extLst>
+      <p:ext uri="{BB962C8B-B14F-4D97-AF65-F5344CB8AC3E}">
+        <p14:creationId xmlns:p14="http://schemas.microsoft.com/office/powerpoint/2010/main" val="2478694612"/>
+      </p:ext>
+    </p:extLst>
+  </p:cSld>
+  <p:clrMapOvr>
+    <a:masterClrMapping/>
+  </p:clrMapOvr>
+</p:sld>
+</file>
+
+<file path=ppt/slides/slide9.xml><?xml version="1.0" encoding="utf-8"?>
+<p:sld xmlns:a="http://schemas.openxmlformats.org/drawingml/2006/main" xmlns:r="http://schemas.openxmlformats.org/officeDocument/2006/relationships" xmlns:p="http://schemas.openxmlformats.org/presentationml/2006/main">
+  <p:cSld>
+    <p:spTree>
+      <p:nvGrpSpPr>
+        <p:cNvPr id="1" name=""/>
+        <p:cNvGrpSpPr/>
+        <p:nvPr/>
+      </p:nvGrpSpPr>
+      <p:grpSpPr>
+        <a:xfrm>
+          <a:off x="0" y="0"/>
+          <a:ext cx="0" cy="0"/>
+          <a:chOff x="0" y="0"/>
+          <a:chExt cx="0" cy="0"/>
+        </a:xfrm>
+      </p:grpSpPr>
+      <p:sp>
+        <p:nvSpPr>
+          <p:cNvPr id="2" name="Title 1">
+            <a:extLst>
+              <a:ext uri="{FF2B5EF4-FFF2-40B4-BE49-F238E27FC236}">
+                <a16:creationId xmlns:a16="http://schemas.microsoft.com/office/drawing/2014/main" id="{49307CA3-D7F1-C65A-D158-B0049203C65E}"/>
+              </a:ext>
+            </a:extLst>
+          </p:cNvPr>
+          <p:cNvSpPr>
+            <a:spLocks noGrp="1"/>
+          </p:cNvSpPr>
+          <p:nvPr>
+            <p:ph type="title"/>
+          </p:nvPr>
+        </p:nvSpPr>
+        <p:spPr/>
+        <p:txBody>
+          <a:bodyPr/>
+          <a:lstStyle/>
+          <a:p>
+            <a:pPr algn="ctr"/>
+            <a:r>
+              <a:rPr lang="en-US" dirty="0"/>
+              <a:t>One Shot Inference</a:t>
+            </a:r>
+            <a:endParaRPr lang="en-IN" dirty="0"/>
+          </a:p>
+        </p:txBody>
+      </p:sp>
+      <p:sp>
+        <p:nvSpPr>
+          <p:cNvPr id="3" name="Content Placeholder 2">
+            <a:extLst>
+              <a:ext uri="{FF2B5EF4-FFF2-40B4-BE49-F238E27FC236}">
+                <a16:creationId xmlns:a16="http://schemas.microsoft.com/office/drawing/2014/main" id="{370418D3-FFCC-9690-B262-C1FBDD1D7650}"/>
+              </a:ext>
+            </a:extLst>
+          </p:cNvPr>
+          <p:cNvSpPr>
+            <a:spLocks noGrp="1"/>
+          </p:cNvSpPr>
+          <p:nvPr>
+            <p:ph idx="1"/>
+          </p:nvPr>
+        </p:nvSpPr>
+        <p:spPr/>
+        <p:txBody>
+          <a:bodyPr/>
+          <a:lstStyle/>
+          <a:p>
+            <a:r>
+              <a:rPr lang="en-US" dirty="0"/>
+              <a:t>Single example in the Context Window</a:t>
+            </a:r>
+            <a:endParaRPr lang="en-IN" dirty="0"/>
+          </a:p>
+          <a:p>
+            <a:endParaRPr lang="en-IN" dirty="0"/>
+          </a:p>
+        </p:txBody>
+      </p:sp>
+    </p:spTree>
+    <p:extLst>
+      <p:ext uri="{BB962C8B-B14F-4D97-AF65-F5344CB8AC3E}">
+        <p14:creationId xmlns:p14="http://schemas.microsoft.com/office/powerpoint/2010/main" val="936706833"/>
       </p:ext>
     </p:extLst>
   </p:cSld>

--- a/Presentations/LargeLanguageModels.pptx
+++ b/Presentations/LargeLanguageModels.pptx
@@ -16,9 +16,12 @@
     <p:sldId id="285" r:id="rId10"/>
     <p:sldId id="286" r:id="rId11"/>
     <p:sldId id="280" r:id="rId12"/>
-    <p:sldId id="281" r:id="rId13"/>
-    <p:sldId id="277" r:id="rId14"/>
-    <p:sldId id="263" r:id="rId15"/>
+    <p:sldId id="288" r:id="rId13"/>
+    <p:sldId id="289" r:id="rId14"/>
+    <p:sldId id="287" r:id="rId15"/>
+    <p:sldId id="281" r:id="rId16"/>
+    <p:sldId id="277" r:id="rId17"/>
+    <p:sldId id="263" r:id="rId18"/>
   </p:sldIdLst>
   <p:sldSz cx="9144000" cy="6858000" type="screen4x3"/>
   <p:notesSz cx="6858000" cy="9144000"/>
@@ -3209,7 +3212,7 @@
             <a:pPr algn="ctr"/>
             <a:r>
               <a:rPr lang="en-US" dirty="0"/>
-              <a:t>Instruction Fine Tuning</a:t>
+              <a:t>Greedy v/s Random Sampling</a:t>
             </a:r>
             <a:endParaRPr lang="en-IN" dirty="0"/>
           </a:p>
@@ -3235,6 +3238,75 @@
         <p:txBody>
           <a:bodyPr/>
           <a:lstStyle/>
+          <a:p>
+            <a:r>
+              <a:rPr lang="en-US" dirty="0"/>
+              <a:t> Greedy Sampling</a:t>
+            </a:r>
+          </a:p>
+          <a:p>
+            <a:pPr lvl="1"/>
+            <a:r>
+              <a:rPr lang="en-US" dirty="0"/>
+              <a:t>Select word with the highest probability</a:t>
+            </a:r>
+          </a:p>
+          <a:p>
+            <a:pPr lvl="1"/>
+            <a:r>
+              <a:rPr lang="en-US" dirty="0"/>
+              <a:t>Good for short generation</a:t>
+            </a:r>
+          </a:p>
+          <a:p>
+            <a:pPr lvl="1"/>
+            <a:r>
+              <a:rPr lang="en-US" dirty="0"/>
+              <a:t>Repeat words</a:t>
+            </a:r>
+          </a:p>
+          <a:p>
+            <a:pPr lvl="1"/>
+            <a:r>
+              <a:rPr lang="en-US" dirty="0"/>
+              <a:t>Repeat sequence of words</a:t>
+            </a:r>
+          </a:p>
+          <a:p>
+            <a:r>
+              <a:rPr lang="en-US" dirty="0"/>
+              <a:t>Random Sampling</a:t>
+            </a:r>
+          </a:p>
+          <a:p>
+            <a:pPr lvl="1"/>
+            <a:r>
+              <a:rPr lang="en-US" dirty="0"/>
+              <a:t>More natural</a:t>
+            </a:r>
+          </a:p>
+          <a:p>
+            <a:pPr lvl="1"/>
+            <a:r>
+              <a:rPr lang="en-US" dirty="0"/>
+              <a:t>More creative</a:t>
+            </a:r>
+          </a:p>
+          <a:p>
+            <a:pPr lvl="1"/>
+            <a:r>
+              <a:rPr lang="en-US" dirty="0"/>
+              <a:t>Avoid repeated words or sequence of words</a:t>
+            </a:r>
+          </a:p>
+          <a:p>
+            <a:pPr lvl="1"/>
+            <a:endParaRPr lang="en-US" dirty="0"/>
+          </a:p>
+          <a:p>
+            <a:pPr lvl="1"/>
+            <a:endParaRPr lang="en-US" dirty="0"/>
+          </a:p>
           <a:p>
             <a:endParaRPr lang="en-IN" dirty="0"/>
           </a:p>
@@ -3294,7 +3366,7 @@
             <a:pPr algn="ctr"/>
             <a:r>
               <a:rPr lang="en-US" dirty="0"/>
-              <a:t>Parameter Efficient Fine Tuning</a:t>
+              <a:t>Inference Parameters</a:t>
             </a:r>
             <a:endParaRPr lang="en-IN" dirty="0"/>
           </a:p>
@@ -3318,12 +3390,53 @@
         </p:nvSpPr>
         <p:spPr/>
         <p:txBody>
-          <a:bodyPr/>
-          <a:lstStyle/>
-          <a:p>
-            <a:r>
-              <a:rPr lang="en-US" dirty="0"/>
-              <a:t>PEFT – Parameter Efficient Fine Tuning</a:t>
+          <a:bodyPr>
+            <a:normAutofit/>
+          </a:bodyPr>
+          <a:lstStyle/>
+          <a:p>
+            <a:r>
+              <a:rPr lang="en-US" dirty="0"/>
+              <a:t>Maximum new tokens</a:t>
+            </a:r>
+          </a:p>
+          <a:p>
+            <a:pPr lvl="1"/>
+            <a:r>
+              <a:rPr lang="en-US" dirty="0"/>
+              <a:t>Maximum tokens generated by model</a:t>
+            </a:r>
+          </a:p>
+          <a:p>
+            <a:r>
+              <a:rPr lang="en-US" dirty="0"/>
+              <a:t>Sample top K</a:t>
+            </a:r>
+          </a:p>
+          <a:p>
+            <a:pPr lvl="1"/>
+            <a:r>
+              <a:rPr lang="en-US" dirty="0"/>
+              <a:t>Top K samples</a:t>
+            </a:r>
+          </a:p>
+          <a:p>
+            <a:r>
+              <a:rPr lang="en-US" dirty="0"/>
+              <a:t>Sample top P</a:t>
+            </a:r>
+          </a:p>
+          <a:p>
+            <a:pPr lvl="1"/>
+            <a:r>
+              <a:rPr lang="en-US" dirty="0"/>
+              <a:t>Top samples within cumulative probability P</a:t>
+            </a:r>
+          </a:p>
+          <a:p>
+            <a:r>
+              <a:rPr lang="en-US" dirty="0"/>
+              <a:t>Temperature </a:t>
             </a:r>
           </a:p>
           <a:p>
@@ -3334,7 +3447,7 @@
     </p:spTree>
     <p:extLst>
       <p:ext uri="{BB962C8B-B14F-4D97-AF65-F5344CB8AC3E}">
-        <p14:creationId xmlns:p14="http://schemas.microsoft.com/office/powerpoint/2010/main" val="2230455582"/>
+        <p14:creationId xmlns:p14="http://schemas.microsoft.com/office/powerpoint/2010/main" val="4204228726"/>
       </p:ext>
     </p:extLst>
   </p:cSld>
@@ -3366,6 +3479,339 @@
           <p:cNvPr id="2" name="Title 1">
             <a:extLst>
               <a:ext uri="{FF2B5EF4-FFF2-40B4-BE49-F238E27FC236}">
+                <a16:creationId xmlns:a16="http://schemas.microsoft.com/office/drawing/2014/main" id="{49307CA3-D7F1-C65A-D158-B0049203C65E}"/>
+              </a:ext>
+            </a:extLst>
+          </p:cNvPr>
+          <p:cNvSpPr>
+            <a:spLocks noGrp="1"/>
+          </p:cNvSpPr>
+          <p:nvPr>
+            <p:ph type="title"/>
+          </p:nvPr>
+        </p:nvSpPr>
+        <p:spPr/>
+        <p:txBody>
+          <a:bodyPr/>
+          <a:lstStyle/>
+          <a:p>
+            <a:pPr algn="ctr"/>
+            <a:r>
+              <a:rPr lang="en-US" dirty="0"/>
+              <a:t>Temperature</a:t>
+            </a:r>
+            <a:endParaRPr lang="en-IN" dirty="0"/>
+          </a:p>
+        </p:txBody>
+      </p:sp>
+      <p:sp>
+        <p:nvSpPr>
+          <p:cNvPr id="3" name="Content Placeholder 2">
+            <a:extLst>
+              <a:ext uri="{FF2B5EF4-FFF2-40B4-BE49-F238E27FC236}">
+                <a16:creationId xmlns:a16="http://schemas.microsoft.com/office/drawing/2014/main" id="{370418D3-FFCC-9690-B262-C1FBDD1D7650}"/>
+              </a:ext>
+            </a:extLst>
+          </p:cNvPr>
+          <p:cNvSpPr>
+            <a:spLocks noGrp="1"/>
+          </p:cNvSpPr>
+          <p:nvPr>
+            <p:ph idx="1"/>
+          </p:nvPr>
+        </p:nvSpPr>
+        <p:spPr/>
+        <p:txBody>
+          <a:bodyPr>
+            <a:normAutofit lnSpcReduction="10000"/>
+          </a:bodyPr>
+          <a:lstStyle/>
+          <a:p>
+            <a:r>
+              <a:rPr lang="en-US" dirty="0"/>
+              <a:t>Shape of probability distribution function of tokens</a:t>
+            </a:r>
+          </a:p>
+          <a:p>
+            <a:r>
+              <a:rPr lang="en-US" dirty="0"/>
+              <a:t>Scale factor for probability distribution function </a:t>
+            </a:r>
+          </a:p>
+          <a:p>
+            <a:r>
+              <a:rPr lang="en-US" dirty="0"/>
+              <a:t>High temperature </a:t>
+            </a:r>
+          </a:p>
+          <a:p>
+            <a:pPr lvl="1"/>
+            <a:r>
+              <a:rPr lang="en-US" dirty="0"/>
+              <a:t>Temperature &gt; 1</a:t>
+            </a:r>
+          </a:p>
+          <a:p>
+            <a:pPr lvl="1"/>
+            <a:r>
+              <a:rPr lang="en-US"/>
+              <a:t>Broader or flatter </a:t>
+            </a:r>
+            <a:r>
+              <a:rPr lang="en-US" dirty="0"/>
+              <a:t>probability distribution function </a:t>
+            </a:r>
+          </a:p>
+          <a:p>
+            <a:pPr lvl="1"/>
+            <a:r>
+              <a:rPr lang="en-US" dirty="0"/>
+              <a:t>High randomness</a:t>
+            </a:r>
+          </a:p>
+          <a:p>
+            <a:r>
+              <a:rPr lang="en-US" dirty="0"/>
+              <a:t>Low temperature </a:t>
+            </a:r>
+          </a:p>
+          <a:p>
+            <a:pPr lvl="1"/>
+            <a:r>
+              <a:rPr lang="en-US" dirty="0"/>
+              <a:t>Temperature &lt; 1</a:t>
+            </a:r>
+          </a:p>
+          <a:p>
+            <a:pPr lvl="1"/>
+            <a:r>
+              <a:rPr lang="en-US" dirty="0"/>
+              <a:t>Strongly peaked probability distribution function </a:t>
+            </a:r>
+          </a:p>
+          <a:p>
+            <a:pPr lvl="1"/>
+            <a:r>
+              <a:rPr lang="en-US" dirty="0"/>
+              <a:t>Low randomness</a:t>
+            </a:r>
+          </a:p>
+          <a:p>
+            <a:endParaRPr lang="en-IN" dirty="0"/>
+          </a:p>
+        </p:txBody>
+      </p:sp>
+    </p:spTree>
+    <p:extLst>
+      <p:ext uri="{BB962C8B-B14F-4D97-AF65-F5344CB8AC3E}">
+        <p14:creationId xmlns:p14="http://schemas.microsoft.com/office/powerpoint/2010/main" val="3880538960"/>
+      </p:ext>
+    </p:extLst>
+  </p:cSld>
+  <p:clrMapOvr>
+    <a:masterClrMapping/>
+  </p:clrMapOvr>
+</p:sld>
+</file>
+
+<file path=ppt/slides/slide14.xml><?xml version="1.0" encoding="utf-8"?>
+<p:sld xmlns:a="http://schemas.openxmlformats.org/drawingml/2006/main" xmlns:r="http://schemas.openxmlformats.org/officeDocument/2006/relationships" xmlns:p="http://schemas.openxmlformats.org/presentationml/2006/main">
+  <p:cSld>
+    <p:spTree>
+      <p:nvGrpSpPr>
+        <p:cNvPr id="1" name=""/>
+        <p:cNvGrpSpPr/>
+        <p:nvPr/>
+      </p:nvGrpSpPr>
+      <p:grpSpPr>
+        <a:xfrm>
+          <a:off x="0" y="0"/>
+          <a:ext cx="0" cy="0"/>
+          <a:chOff x="0" y="0"/>
+          <a:chExt cx="0" cy="0"/>
+        </a:xfrm>
+      </p:grpSpPr>
+      <p:sp>
+        <p:nvSpPr>
+          <p:cNvPr id="2" name="Title 1">
+            <a:extLst>
+              <a:ext uri="{FF2B5EF4-FFF2-40B4-BE49-F238E27FC236}">
+                <a16:creationId xmlns:a16="http://schemas.microsoft.com/office/drawing/2014/main" id="{49307CA3-D7F1-C65A-D158-B0049203C65E}"/>
+              </a:ext>
+            </a:extLst>
+          </p:cNvPr>
+          <p:cNvSpPr>
+            <a:spLocks noGrp="1"/>
+          </p:cNvSpPr>
+          <p:nvPr>
+            <p:ph type="title"/>
+          </p:nvPr>
+        </p:nvSpPr>
+        <p:spPr/>
+        <p:txBody>
+          <a:bodyPr/>
+          <a:lstStyle/>
+          <a:p>
+            <a:pPr algn="ctr"/>
+            <a:r>
+              <a:rPr lang="en-US" dirty="0"/>
+              <a:t>Instruction Fine Tuning</a:t>
+            </a:r>
+            <a:endParaRPr lang="en-IN" dirty="0"/>
+          </a:p>
+        </p:txBody>
+      </p:sp>
+      <p:sp>
+        <p:nvSpPr>
+          <p:cNvPr id="3" name="Content Placeholder 2">
+            <a:extLst>
+              <a:ext uri="{FF2B5EF4-FFF2-40B4-BE49-F238E27FC236}">
+                <a16:creationId xmlns:a16="http://schemas.microsoft.com/office/drawing/2014/main" id="{370418D3-FFCC-9690-B262-C1FBDD1D7650}"/>
+              </a:ext>
+            </a:extLst>
+          </p:cNvPr>
+          <p:cNvSpPr>
+            <a:spLocks noGrp="1"/>
+          </p:cNvSpPr>
+          <p:nvPr>
+            <p:ph idx="1"/>
+          </p:nvPr>
+        </p:nvSpPr>
+        <p:spPr/>
+        <p:txBody>
+          <a:bodyPr/>
+          <a:lstStyle/>
+          <a:p>
+            <a:endParaRPr lang="en-IN" dirty="0"/>
+          </a:p>
+        </p:txBody>
+      </p:sp>
+    </p:spTree>
+    <p:extLst>
+      <p:ext uri="{BB962C8B-B14F-4D97-AF65-F5344CB8AC3E}">
+        <p14:creationId xmlns:p14="http://schemas.microsoft.com/office/powerpoint/2010/main" val="2666789716"/>
+      </p:ext>
+    </p:extLst>
+  </p:cSld>
+  <p:clrMapOvr>
+    <a:masterClrMapping/>
+  </p:clrMapOvr>
+</p:sld>
+</file>
+
+<file path=ppt/slides/slide15.xml><?xml version="1.0" encoding="utf-8"?>
+<p:sld xmlns:a="http://schemas.openxmlformats.org/drawingml/2006/main" xmlns:r="http://schemas.openxmlformats.org/officeDocument/2006/relationships" xmlns:p="http://schemas.openxmlformats.org/presentationml/2006/main">
+  <p:cSld>
+    <p:spTree>
+      <p:nvGrpSpPr>
+        <p:cNvPr id="1" name=""/>
+        <p:cNvGrpSpPr/>
+        <p:nvPr/>
+      </p:nvGrpSpPr>
+      <p:grpSpPr>
+        <a:xfrm>
+          <a:off x="0" y="0"/>
+          <a:ext cx="0" cy="0"/>
+          <a:chOff x="0" y="0"/>
+          <a:chExt cx="0" cy="0"/>
+        </a:xfrm>
+      </p:grpSpPr>
+      <p:sp>
+        <p:nvSpPr>
+          <p:cNvPr id="2" name="Title 1">
+            <a:extLst>
+              <a:ext uri="{FF2B5EF4-FFF2-40B4-BE49-F238E27FC236}">
+                <a16:creationId xmlns:a16="http://schemas.microsoft.com/office/drawing/2014/main" id="{49307CA3-D7F1-C65A-D158-B0049203C65E}"/>
+              </a:ext>
+            </a:extLst>
+          </p:cNvPr>
+          <p:cNvSpPr>
+            <a:spLocks noGrp="1"/>
+          </p:cNvSpPr>
+          <p:nvPr>
+            <p:ph type="title"/>
+          </p:nvPr>
+        </p:nvSpPr>
+        <p:spPr/>
+        <p:txBody>
+          <a:bodyPr/>
+          <a:lstStyle/>
+          <a:p>
+            <a:pPr algn="ctr"/>
+            <a:r>
+              <a:rPr lang="en-US" dirty="0"/>
+              <a:t>Parameter Efficient Fine Tuning</a:t>
+            </a:r>
+            <a:endParaRPr lang="en-IN" dirty="0"/>
+          </a:p>
+        </p:txBody>
+      </p:sp>
+      <p:sp>
+        <p:nvSpPr>
+          <p:cNvPr id="3" name="Content Placeholder 2">
+            <a:extLst>
+              <a:ext uri="{FF2B5EF4-FFF2-40B4-BE49-F238E27FC236}">
+                <a16:creationId xmlns:a16="http://schemas.microsoft.com/office/drawing/2014/main" id="{370418D3-FFCC-9690-B262-C1FBDD1D7650}"/>
+              </a:ext>
+            </a:extLst>
+          </p:cNvPr>
+          <p:cNvSpPr>
+            <a:spLocks noGrp="1"/>
+          </p:cNvSpPr>
+          <p:nvPr>
+            <p:ph idx="1"/>
+          </p:nvPr>
+        </p:nvSpPr>
+        <p:spPr/>
+        <p:txBody>
+          <a:bodyPr/>
+          <a:lstStyle/>
+          <a:p>
+            <a:r>
+              <a:rPr lang="en-US" dirty="0"/>
+              <a:t>PEFT – Parameter Efficient Fine Tuning</a:t>
+            </a:r>
+          </a:p>
+          <a:p>
+            <a:endParaRPr lang="en-IN" dirty="0"/>
+          </a:p>
+        </p:txBody>
+      </p:sp>
+    </p:spTree>
+    <p:extLst>
+      <p:ext uri="{BB962C8B-B14F-4D97-AF65-F5344CB8AC3E}">
+        <p14:creationId xmlns:p14="http://schemas.microsoft.com/office/powerpoint/2010/main" val="2230455582"/>
+      </p:ext>
+    </p:extLst>
+  </p:cSld>
+  <p:clrMapOvr>
+    <a:masterClrMapping/>
+  </p:clrMapOvr>
+</p:sld>
+</file>
+
+<file path=ppt/slides/slide16.xml><?xml version="1.0" encoding="utf-8"?>
+<p:sld xmlns:a="http://schemas.openxmlformats.org/drawingml/2006/main" xmlns:r="http://schemas.openxmlformats.org/officeDocument/2006/relationships" xmlns:p="http://schemas.openxmlformats.org/presentationml/2006/main">
+  <p:cSld>
+    <p:spTree>
+      <p:nvGrpSpPr>
+        <p:cNvPr id="1" name=""/>
+        <p:cNvGrpSpPr/>
+        <p:nvPr/>
+      </p:nvGrpSpPr>
+      <p:grpSpPr>
+        <a:xfrm>
+          <a:off x="0" y="0"/>
+          <a:ext cx="0" cy="0"/>
+          <a:chOff x="0" y="0"/>
+          <a:chExt cx="0" cy="0"/>
+        </a:xfrm>
+      </p:grpSpPr>
+      <p:sp>
+        <p:nvSpPr>
+          <p:cNvPr id="2" name="Title 1">
+            <a:extLst>
+              <a:ext uri="{FF2B5EF4-FFF2-40B4-BE49-F238E27FC236}">
                 <a16:creationId xmlns:a16="http://schemas.microsoft.com/office/drawing/2014/main" id="{B440959B-5257-9D91-3B61-5C46F1F96D6B}"/>
               </a:ext>
             </a:extLst>
@@ -3429,7 +3875,7 @@
 </p:sld>
 </file>
 
-<file path=ppt/slides/slide14.xml><?xml version="1.0" encoding="utf-8"?>
+<file path=ppt/slides/slide17.xml><?xml version="1.0" encoding="utf-8"?>
 <p:sld xmlns:a="http://schemas.openxmlformats.org/drawingml/2006/main" xmlns:r="http://schemas.openxmlformats.org/officeDocument/2006/relationships" xmlns:p="http://schemas.openxmlformats.org/presentationml/2006/main">
   <p:cSld>
     <p:spTree>

--- a/Presentations/LargeLanguageModels.pptx
+++ b/Presentations/LargeLanguageModels.pptx
@@ -8,20 +8,25 @@
     <p:sldId id="256" r:id="rId2"/>
     <p:sldId id="257" r:id="rId3"/>
     <p:sldId id="276" r:id="rId4"/>
-    <p:sldId id="283" r:id="rId5"/>
-    <p:sldId id="282" r:id="rId6"/>
-    <p:sldId id="278" r:id="rId7"/>
-    <p:sldId id="279" r:id="rId8"/>
-    <p:sldId id="284" r:id="rId9"/>
-    <p:sldId id="285" r:id="rId10"/>
-    <p:sldId id="286" r:id="rId11"/>
-    <p:sldId id="280" r:id="rId12"/>
-    <p:sldId id="288" r:id="rId13"/>
-    <p:sldId id="289" r:id="rId14"/>
-    <p:sldId id="287" r:id="rId15"/>
-    <p:sldId id="281" r:id="rId16"/>
-    <p:sldId id="277" r:id="rId17"/>
-    <p:sldId id="263" r:id="rId18"/>
+    <p:sldId id="291" r:id="rId5"/>
+    <p:sldId id="292" r:id="rId6"/>
+    <p:sldId id="293" r:id="rId7"/>
+    <p:sldId id="294" r:id="rId8"/>
+    <p:sldId id="290" r:id="rId9"/>
+    <p:sldId id="283" r:id="rId10"/>
+    <p:sldId id="282" r:id="rId11"/>
+    <p:sldId id="278" r:id="rId12"/>
+    <p:sldId id="279" r:id="rId13"/>
+    <p:sldId id="284" r:id="rId14"/>
+    <p:sldId id="285" r:id="rId15"/>
+    <p:sldId id="286" r:id="rId16"/>
+    <p:sldId id="280" r:id="rId17"/>
+    <p:sldId id="288" r:id="rId18"/>
+    <p:sldId id="289" r:id="rId19"/>
+    <p:sldId id="287" r:id="rId20"/>
+    <p:sldId id="281" r:id="rId21"/>
+    <p:sldId id="277" r:id="rId22"/>
+    <p:sldId id="263" r:id="rId23"/>
   </p:sldIdLst>
   <p:sldSz cx="9144000" cy="6858000" type="screen4x3"/>
   <p:notesSz cx="6858000" cy="9144000"/>
@@ -3108,13 +3113,15 @@
         </p:nvSpPr>
         <p:spPr/>
         <p:txBody>
-          <a:bodyPr/>
+          <a:bodyPr>
+            <a:normAutofit/>
+          </a:bodyPr>
           <a:lstStyle/>
           <a:p>
             <a:pPr algn="ctr"/>
             <a:r>
               <a:rPr lang="en-US" dirty="0"/>
-              <a:t>Few Shot Inference</a:t>
+              <a:t>Transformer Architecture </a:t>
             </a:r>
             <a:endParaRPr lang="en-IN" dirty="0"/>
           </a:p>
@@ -3141,27 +3148,14 @@
           <a:bodyPr/>
           <a:lstStyle/>
           <a:p>
-            <a:r>
-              <a:rPr lang="en-US" dirty="0"/>
-              <a:t>More than one examples in the Context Window</a:t>
-            </a:r>
-          </a:p>
-          <a:p>
-            <a:r>
-              <a:rPr lang="en-US" dirty="0"/>
-              <a:t>Less than five examples </a:t>
-            </a:r>
-            <a:endParaRPr lang="en-IN" dirty="0"/>
-          </a:p>
-          <a:p>
-            <a:endParaRPr lang="en-IN" dirty="0"/>
+            <a:endParaRPr lang="en-IN"/>
           </a:p>
         </p:txBody>
       </p:sp>
     </p:spTree>
     <p:extLst>
       <p:ext uri="{BB962C8B-B14F-4D97-AF65-F5344CB8AC3E}">
-        <p14:creationId xmlns:p14="http://schemas.microsoft.com/office/powerpoint/2010/main" val="232167889"/>
+        <p14:creationId xmlns:p14="http://schemas.microsoft.com/office/powerpoint/2010/main" val="4268929679"/>
       </p:ext>
     </p:extLst>
   </p:cSld>
@@ -3212,7 +3206,7 @@
             <a:pPr algn="ctr"/>
             <a:r>
               <a:rPr lang="en-US" dirty="0"/>
-              <a:t>Greedy v/s Random Sampling</a:t>
+              <a:t>Prompt Engineering</a:t>
             </a:r>
             <a:endParaRPr lang="en-IN" dirty="0"/>
           </a:p>
@@ -3241,71 +3235,32 @@
           <a:p>
             <a:r>
               <a:rPr lang="en-US" dirty="0"/>
-              <a:t> Greedy Sampling</a:t>
-            </a:r>
-          </a:p>
-          <a:p>
-            <a:pPr lvl="1"/>
-            <a:r>
-              <a:rPr lang="en-US" dirty="0"/>
-              <a:t>Select word with the highest probability</a:t>
-            </a:r>
-          </a:p>
-          <a:p>
-            <a:pPr lvl="1"/>
-            <a:r>
-              <a:rPr lang="en-US" dirty="0"/>
-              <a:t>Good for short generation</a:t>
-            </a:r>
-          </a:p>
-          <a:p>
-            <a:pPr lvl="1"/>
-            <a:r>
-              <a:rPr lang="en-US" dirty="0"/>
-              <a:t>Repeat words</a:t>
-            </a:r>
-          </a:p>
-          <a:p>
-            <a:pPr lvl="1"/>
-            <a:r>
-              <a:rPr lang="en-US" dirty="0"/>
-              <a:t>Repeat sequence of words</a:t>
-            </a:r>
-          </a:p>
-          <a:p>
-            <a:r>
-              <a:rPr lang="en-US" dirty="0"/>
-              <a:t>Random Sampling</a:t>
-            </a:r>
-          </a:p>
-          <a:p>
-            <a:pPr lvl="1"/>
-            <a:r>
-              <a:rPr lang="en-US" dirty="0"/>
-              <a:t>More natural</a:t>
-            </a:r>
-          </a:p>
-          <a:p>
-            <a:pPr lvl="1"/>
-            <a:r>
-              <a:rPr lang="en-US" dirty="0"/>
-              <a:t>More creative</a:t>
-            </a:r>
-          </a:p>
-          <a:p>
-            <a:pPr lvl="1"/>
-            <a:r>
-              <a:rPr lang="en-US" dirty="0"/>
-              <a:t>Avoid repeated words or sequence of words</a:t>
-            </a:r>
-          </a:p>
-          <a:p>
-            <a:pPr lvl="1"/>
-            <a:endParaRPr lang="en-US" dirty="0"/>
-          </a:p>
-          <a:p>
-            <a:pPr lvl="1"/>
-            <a:endParaRPr lang="en-US" dirty="0"/>
+              <a:t>Prompt</a:t>
+            </a:r>
+          </a:p>
+          <a:p>
+            <a:r>
+              <a:rPr lang="en-US" dirty="0"/>
+              <a:t>Context window</a:t>
+            </a:r>
+          </a:p>
+          <a:p>
+            <a:r>
+              <a:rPr lang="en-US" dirty="0"/>
+              <a:t>Large Language Model</a:t>
+            </a:r>
+          </a:p>
+          <a:p>
+            <a:r>
+              <a:rPr lang="en-US" dirty="0"/>
+              <a:t>Inference</a:t>
+            </a:r>
+          </a:p>
+          <a:p>
+            <a:r>
+              <a:rPr lang="en-US" dirty="0"/>
+              <a:t>Completion</a:t>
+            </a:r>
           </a:p>
           <a:p>
             <a:endParaRPr lang="en-IN" dirty="0"/>
@@ -3315,7 +3270,7 @@
     </p:spTree>
     <p:extLst>
       <p:ext uri="{BB962C8B-B14F-4D97-AF65-F5344CB8AC3E}">
-        <p14:creationId xmlns:p14="http://schemas.microsoft.com/office/powerpoint/2010/main" val="4245410906"/>
+        <p14:creationId xmlns:p14="http://schemas.microsoft.com/office/powerpoint/2010/main" val="1158719382"/>
       </p:ext>
     </p:extLst>
   </p:cSld>
@@ -3366,7 +3321,7 @@
             <a:pPr algn="ctr"/>
             <a:r>
               <a:rPr lang="en-US" dirty="0"/>
-              <a:t>Inference Parameters</a:t>
+              <a:t>In Context Learning</a:t>
             </a:r>
             <a:endParaRPr lang="en-IN" dirty="0"/>
           </a:p>
@@ -3390,56 +3345,37 @@
         </p:nvSpPr>
         <p:spPr/>
         <p:txBody>
-          <a:bodyPr>
-            <a:normAutofit/>
-          </a:bodyPr>
-          <a:lstStyle/>
-          <a:p>
-            <a:r>
-              <a:rPr lang="en-US" dirty="0"/>
-              <a:t>Maximum new tokens</a:t>
-            </a:r>
-          </a:p>
-          <a:p>
-            <a:pPr lvl="1"/>
-            <a:r>
-              <a:rPr lang="en-US" dirty="0"/>
-              <a:t>Maximum tokens generated by model</a:t>
-            </a:r>
-          </a:p>
-          <a:p>
-            <a:r>
-              <a:rPr lang="en-US" dirty="0"/>
-              <a:t>Sample top K</a:t>
-            </a:r>
-          </a:p>
-          <a:p>
-            <a:pPr lvl="1"/>
-            <a:r>
-              <a:rPr lang="en-US" dirty="0"/>
-              <a:t>Top K samples</a:t>
-            </a:r>
-          </a:p>
-          <a:p>
-            <a:r>
-              <a:rPr lang="en-US" dirty="0"/>
-              <a:t>Sample top P</a:t>
-            </a:r>
-          </a:p>
-          <a:p>
-            <a:pPr lvl="1"/>
-            <a:r>
-              <a:rPr lang="en-US" dirty="0"/>
-              <a:t>Top samples within cumulative probability P</a:t>
-            </a:r>
-          </a:p>
-          <a:p>
-            <a:r>
-              <a:rPr lang="en-US" dirty="0"/>
-              <a:t>Temperature </a:t>
-            </a:r>
-          </a:p>
-          <a:p>
+          <a:bodyPr/>
+          <a:lstStyle/>
+          <a:p>
+            <a:r>
+              <a:rPr lang="en-US" dirty="0"/>
+              <a:t>Context window</a:t>
+            </a:r>
+          </a:p>
+          <a:p>
+            <a:r>
+              <a:rPr lang="en-US" dirty="0"/>
+              <a:t>Task example/s within the Context window</a:t>
+            </a:r>
+          </a:p>
+          <a:p>
+            <a:r>
+              <a:rPr lang="en-US" dirty="0"/>
+              <a:t>Zero shot inference</a:t>
+            </a:r>
+          </a:p>
+          <a:p>
+            <a:r>
+              <a:rPr lang="en-US" dirty="0"/>
+              <a:t>One shot inference</a:t>
+            </a:r>
+          </a:p>
+          <a:p>
+            <a:r>
+              <a:rPr lang="en-US" dirty="0"/>
+              <a:t>Few shot inference</a:t>
+            </a:r>
             <a:endParaRPr lang="en-IN" dirty="0"/>
           </a:p>
         </p:txBody>
@@ -3447,7 +3383,7 @@
     </p:spTree>
     <p:extLst>
       <p:ext uri="{BB962C8B-B14F-4D97-AF65-F5344CB8AC3E}">
-        <p14:creationId xmlns:p14="http://schemas.microsoft.com/office/powerpoint/2010/main" val="4204228726"/>
+        <p14:creationId xmlns:p14="http://schemas.microsoft.com/office/powerpoint/2010/main" val="4274027739"/>
       </p:ext>
     </p:extLst>
   </p:cSld>
@@ -3498,7 +3434,7 @@
             <a:pPr algn="ctr"/>
             <a:r>
               <a:rPr lang="en-US" dirty="0"/>
-              <a:t>Temperature</a:t>
+              <a:t>Zero Shot Inference</a:t>
             </a:r>
             <a:endParaRPr lang="en-IN" dirty="0"/>
           </a:p>
@@ -3522,81 +3458,13 @@
         </p:nvSpPr>
         <p:spPr/>
         <p:txBody>
-          <a:bodyPr>
-            <a:normAutofit lnSpcReduction="10000"/>
-          </a:bodyPr>
-          <a:lstStyle/>
-          <a:p>
-            <a:r>
-              <a:rPr lang="en-US" dirty="0"/>
-              <a:t>Shape of probability distribution function of tokens</a:t>
-            </a:r>
-          </a:p>
-          <a:p>
-            <a:r>
-              <a:rPr lang="en-US" dirty="0"/>
-              <a:t>Scale factor for probability distribution function </a:t>
-            </a:r>
-          </a:p>
-          <a:p>
-            <a:r>
-              <a:rPr lang="en-US" dirty="0"/>
-              <a:t>High temperature </a:t>
-            </a:r>
-          </a:p>
-          <a:p>
-            <a:pPr lvl="1"/>
-            <a:r>
-              <a:rPr lang="en-US" dirty="0"/>
-              <a:t>Temperature &gt; 1</a:t>
-            </a:r>
-          </a:p>
-          <a:p>
-            <a:pPr lvl="1"/>
-            <a:r>
-              <a:rPr lang="en-US"/>
-              <a:t>Broader or flatter </a:t>
-            </a:r>
-            <a:r>
-              <a:rPr lang="en-US" dirty="0"/>
-              <a:t>probability distribution function </a:t>
-            </a:r>
-          </a:p>
-          <a:p>
-            <a:pPr lvl="1"/>
-            <a:r>
-              <a:rPr lang="en-US" dirty="0"/>
-              <a:t>High randomness</a:t>
-            </a:r>
-          </a:p>
-          <a:p>
-            <a:r>
-              <a:rPr lang="en-US" dirty="0"/>
-              <a:t>Low temperature </a:t>
-            </a:r>
-          </a:p>
-          <a:p>
-            <a:pPr lvl="1"/>
-            <a:r>
-              <a:rPr lang="en-US" dirty="0"/>
-              <a:t>Temperature &lt; 1</a:t>
-            </a:r>
-          </a:p>
-          <a:p>
-            <a:pPr lvl="1"/>
-            <a:r>
-              <a:rPr lang="en-US" dirty="0"/>
-              <a:t>Strongly peaked probability distribution function </a:t>
-            </a:r>
-          </a:p>
-          <a:p>
-            <a:pPr lvl="1"/>
-            <a:r>
-              <a:rPr lang="en-US" dirty="0"/>
-              <a:t>Low randomness</a:t>
-            </a:r>
-          </a:p>
-          <a:p>
+          <a:bodyPr/>
+          <a:lstStyle/>
+          <a:p>
+            <a:r>
+              <a:rPr lang="en-US" dirty="0"/>
+              <a:t>No example in the Context Window</a:t>
+            </a:r>
             <a:endParaRPr lang="en-IN" dirty="0"/>
           </a:p>
         </p:txBody>
@@ -3604,7 +3472,7 @@
     </p:spTree>
     <p:extLst>
       <p:ext uri="{BB962C8B-B14F-4D97-AF65-F5344CB8AC3E}">
-        <p14:creationId xmlns:p14="http://schemas.microsoft.com/office/powerpoint/2010/main" val="3880538960"/>
+        <p14:creationId xmlns:p14="http://schemas.microsoft.com/office/powerpoint/2010/main" val="2478694612"/>
       </p:ext>
     </p:extLst>
   </p:cSld>
@@ -3655,7 +3523,7 @@
             <a:pPr algn="ctr"/>
             <a:r>
               <a:rPr lang="en-US" dirty="0"/>
-              <a:t>Instruction Fine Tuning</a:t>
+              <a:t>One Shot Inference</a:t>
             </a:r>
             <a:endParaRPr lang="en-IN" dirty="0"/>
           </a:p>
@@ -3682,6 +3550,13 @@
           <a:bodyPr/>
           <a:lstStyle/>
           <a:p>
+            <a:r>
+              <a:rPr lang="en-US" dirty="0"/>
+              <a:t>Single example in the Context Window</a:t>
+            </a:r>
+            <a:endParaRPr lang="en-IN" dirty="0"/>
+          </a:p>
+          <a:p>
             <a:endParaRPr lang="en-IN" dirty="0"/>
           </a:p>
         </p:txBody>
@@ -3689,7 +3564,7 @@
     </p:spTree>
     <p:extLst>
       <p:ext uri="{BB962C8B-B14F-4D97-AF65-F5344CB8AC3E}">
-        <p14:creationId xmlns:p14="http://schemas.microsoft.com/office/powerpoint/2010/main" val="2666789716"/>
+        <p14:creationId xmlns:p14="http://schemas.microsoft.com/office/powerpoint/2010/main" val="936706833"/>
       </p:ext>
     </p:extLst>
   </p:cSld>
@@ -3740,7 +3615,7 @@
             <a:pPr algn="ctr"/>
             <a:r>
               <a:rPr lang="en-US" dirty="0"/>
-              <a:t>Parameter Efficient Fine Tuning</a:t>
+              <a:t>Few Shot Inference</a:t>
             </a:r>
             <a:endParaRPr lang="en-IN" dirty="0"/>
           </a:p>
@@ -3769,8 +3644,15 @@
           <a:p>
             <a:r>
               <a:rPr lang="en-US" dirty="0"/>
-              <a:t>PEFT – Parameter Efficient Fine Tuning</a:t>
-            </a:r>
+              <a:t>More than one examples in the Context Window</a:t>
+            </a:r>
+          </a:p>
+          <a:p>
+            <a:r>
+              <a:rPr lang="en-US" dirty="0"/>
+              <a:t>Less than five examples </a:t>
+            </a:r>
+            <a:endParaRPr lang="en-IN" dirty="0"/>
           </a:p>
           <a:p>
             <a:endParaRPr lang="en-IN" dirty="0"/>
@@ -3780,7 +3662,7 @@
     </p:spTree>
     <p:extLst>
       <p:ext uri="{BB962C8B-B14F-4D97-AF65-F5344CB8AC3E}">
-        <p14:creationId xmlns:p14="http://schemas.microsoft.com/office/powerpoint/2010/main" val="2230455582"/>
+        <p14:creationId xmlns:p14="http://schemas.microsoft.com/office/powerpoint/2010/main" val="232167889"/>
       </p:ext>
     </p:extLst>
   </p:cSld>
@@ -3812,7 +3694,7 @@
           <p:cNvPr id="2" name="Title 1">
             <a:extLst>
               <a:ext uri="{FF2B5EF4-FFF2-40B4-BE49-F238E27FC236}">
-                <a16:creationId xmlns:a16="http://schemas.microsoft.com/office/drawing/2014/main" id="{B440959B-5257-9D91-3B61-5C46F1F96D6B}"/>
+                <a16:creationId xmlns:a16="http://schemas.microsoft.com/office/drawing/2014/main" id="{49307CA3-D7F1-C65A-D158-B0049203C65E}"/>
               </a:ext>
             </a:extLst>
           </p:cNvPr>
@@ -3831,7 +3713,7 @@
             <a:pPr algn="ctr"/>
             <a:r>
               <a:rPr lang="en-US" dirty="0"/>
-              <a:t>Conclusions</a:t>
+              <a:t>Greedy v/s Random Sampling</a:t>
             </a:r>
             <a:endParaRPr lang="en-IN" dirty="0"/>
           </a:p>
@@ -3842,7 +3724,7 @@
           <p:cNvPr id="3" name="Content Placeholder 2">
             <a:extLst>
               <a:ext uri="{FF2B5EF4-FFF2-40B4-BE49-F238E27FC236}">
-                <a16:creationId xmlns:a16="http://schemas.microsoft.com/office/drawing/2014/main" id="{83AE5D9F-CE13-09AA-2234-6FF43C2EBB41}"/>
+                <a16:creationId xmlns:a16="http://schemas.microsoft.com/office/drawing/2014/main" id="{370418D3-FFCC-9690-B262-C1FBDD1D7650}"/>
               </a:ext>
             </a:extLst>
           </p:cNvPr>
@@ -3858,14 +3740,83 @@
           <a:bodyPr/>
           <a:lstStyle/>
           <a:p>
-            <a:endParaRPr lang="en-IN"/>
+            <a:r>
+              <a:rPr lang="en-US" dirty="0"/>
+              <a:t> Greedy Sampling</a:t>
+            </a:r>
+          </a:p>
+          <a:p>
+            <a:pPr lvl="1"/>
+            <a:r>
+              <a:rPr lang="en-US" dirty="0"/>
+              <a:t>Select word with the highest probability</a:t>
+            </a:r>
+          </a:p>
+          <a:p>
+            <a:pPr lvl="1"/>
+            <a:r>
+              <a:rPr lang="en-US" dirty="0"/>
+              <a:t>Good for short generation</a:t>
+            </a:r>
+          </a:p>
+          <a:p>
+            <a:pPr lvl="1"/>
+            <a:r>
+              <a:rPr lang="en-US" dirty="0"/>
+              <a:t>Repeat words</a:t>
+            </a:r>
+          </a:p>
+          <a:p>
+            <a:pPr lvl="1"/>
+            <a:r>
+              <a:rPr lang="en-US" dirty="0"/>
+              <a:t>Repeat sequence of words</a:t>
+            </a:r>
+          </a:p>
+          <a:p>
+            <a:r>
+              <a:rPr lang="en-US" dirty="0"/>
+              <a:t>Random Sampling</a:t>
+            </a:r>
+          </a:p>
+          <a:p>
+            <a:pPr lvl="1"/>
+            <a:r>
+              <a:rPr lang="en-US" dirty="0"/>
+              <a:t>More natural</a:t>
+            </a:r>
+          </a:p>
+          <a:p>
+            <a:pPr lvl="1"/>
+            <a:r>
+              <a:rPr lang="en-US" dirty="0"/>
+              <a:t>More creative</a:t>
+            </a:r>
+          </a:p>
+          <a:p>
+            <a:pPr lvl="1"/>
+            <a:r>
+              <a:rPr lang="en-US" dirty="0"/>
+              <a:t>Avoid repeated words or sequence of words</a:t>
+            </a:r>
+          </a:p>
+          <a:p>
+            <a:pPr lvl="1"/>
+            <a:endParaRPr lang="en-US" dirty="0"/>
+          </a:p>
+          <a:p>
+            <a:pPr lvl="1"/>
+            <a:endParaRPr lang="en-US" dirty="0"/>
+          </a:p>
+          <a:p>
+            <a:endParaRPr lang="en-IN" dirty="0"/>
           </a:p>
         </p:txBody>
       </p:sp>
     </p:spTree>
     <p:extLst>
       <p:ext uri="{BB962C8B-B14F-4D97-AF65-F5344CB8AC3E}">
-        <p14:creationId xmlns:p14="http://schemas.microsoft.com/office/powerpoint/2010/main" val="3691160634"/>
+        <p14:creationId xmlns:p14="http://schemas.microsoft.com/office/powerpoint/2010/main" val="4245410906"/>
       </p:ext>
     </p:extLst>
   </p:cSld>
@@ -3880,13 +3831,7 @@
   <p:cSld>
     <p:spTree>
       <p:nvGrpSpPr>
-        <p:cNvPr id="1" name="">
-          <a:extLst>
-            <a:ext uri="{FF2B5EF4-FFF2-40B4-BE49-F238E27FC236}">
-              <a16:creationId xmlns:a16="http://schemas.microsoft.com/office/drawing/2014/main" id="{1C8AEA77-34B6-2B92-3032-E7DC917A66A5}"/>
-            </a:ext>
-          </a:extLst>
-        </p:cNvPr>
+        <p:cNvPr id="1" name=""/>
         <p:cNvGrpSpPr/>
         <p:nvPr/>
       </p:nvGrpSpPr>
@@ -3903,7 +3848,7 @@
           <p:cNvPr id="2" name="Title 1">
             <a:extLst>
               <a:ext uri="{FF2B5EF4-FFF2-40B4-BE49-F238E27FC236}">
-                <a16:creationId xmlns:a16="http://schemas.microsoft.com/office/drawing/2014/main" id="{CD98F5DA-863D-D365-0F24-39A0C31B06D7}"/>
+                <a16:creationId xmlns:a16="http://schemas.microsoft.com/office/drawing/2014/main" id="{49307CA3-D7F1-C65A-D158-B0049203C65E}"/>
               </a:ext>
             </a:extLst>
           </p:cNvPr>
@@ -3911,27 +3856,29 @@
             <a:spLocks noGrp="1"/>
           </p:cNvSpPr>
           <p:nvPr>
-            <p:ph type="ctrTitle"/>
-          </p:nvPr>
-        </p:nvSpPr>
-        <p:spPr/>
-        <p:txBody>
-          <a:bodyPr/>
-          <a:lstStyle/>
-          <a:p>
-            <a:r>
-              <a:rPr lang="en-IN" dirty="0"/>
-              <a:t>Questions?</a:t>
-            </a:r>
-          </a:p>
-        </p:txBody>
-      </p:sp>
-      <p:sp>
-        <p:nvSpPr>
-          <p:cNvPr id="3" name="Subtitle 2">
+            <p:ph type="title"/>
+          </p:nvPr>
+        </p:nvSpPr>
+        <p:spPr/>
+        <p:txBody>
+          <a:bodyPr/>
+          <a:lstStyle/>
+          <a:p>
+            <a:pPr algn="ctr"/>
+            <a:r>
+              <a:rPr lang="en-US" dirty="0"/>
+              <a:t>Inference Parameters</a:t>
+            </a:r>
+            <a:endParaRPr lang="en-IN" dirty="0"/>
+          </a:p>
+        </p:txBody>
+      </p:sp>
+      <p:sp>
+        <p:nvSpPr>
+          <p:cNvPr id="3" name="Content Placeholder 2">
             <a:extLst>
               <a:ext uri="{FF2B5EF4-FFF2-40B4-BE49-F238E27FC236}">
-                <a16:creationId xmlns:a16="http://schemas.microsoft.com/office/drawing/2014/main" id="{24AD7672-D577-74F5-F08E-C14B57789DE5}"/>
+                <a16:creationId xmlns:a16="http://schemas.microsoft.com/office/drawing/2014/main" id="{370418D3-FFCC-9690-B262-C1FBDD1D7650}"/>
               </a:ext>
             </a:extLst>
           </p:cNvPr>
@@ -3939,17 +3886,58 @@
             <a:spLocks noGrp="1"/>
           </p:cNvSpPr>
           <p:nvPr>
-            <p:ph type="subTitle" idx="1"/>
-          </p:nvPr>
-        </p:nvSpPr>
-        <p:spPr/>
-        <p:txBody>
-          <a:bodyPr/>
-          <a:lstStyle/>
-          <a:p>
-            <a:r>
-              <a:rPr lang="en-US" dirty="0"/>
-              <a:t>Thank you</a:t>
+            <p:ph idx="1"/>
+          </p:nvPr>
+        </p:nvSpPr>
+        <p:spPr/>
+        <p:txBody>
+          <a:bodyPr>
+            <a:normAutofit/>
+          </a:bodyPr>
+          <a:lstStyle/>
+          <a:p>
+            <a:r>
+              <a:rPr lang="en-US" dirty="0"/>
+              <a:t>Maximum new tokens</a:t>
+            </a:r>
+          </a:p>
+          <a:p>
+            <a:pPr lvl="1"/>
+            <a:r>
+              <a:rPr lang="en-US" dirty="0"/>
+              <a:t>Maximum tokens generated by model</a:t>
+            </a:r>
+          </a:p>
+          <a:p>
+            <a:r>
+              <a:rPr lang="en-US" dirty="0"/>
+              <a:t>Sample top K</a:t>
+            </a:r>
+          </a:p>
+          <a:p>
+            <a:pPr lvl="1"/>
+            <a:r>
+              <a:rPr lang="en-US" dirty="0"/>
+              <a:t>Top K samples</a:t>
+            </a:r>
+          </a:p>
+          <a:p>
+            <a:r>
+              <a:rPr lang="en-US" dirty="0"/>
+              <a:t>Sample top P</a:t>
+            </a:r>
+          </a:p>
+          <a:p>
+            <a:pPr lvl="1"/>
+            <a:r>
+              <a:rPr lang="en-US" dirty="0"/>
+              <a:t>Top samples within cumulative probability P</a:t>
+            </a:r>
+          </a:p>
+          <a:p>
+            <a:r>
+              <a:rPr lang="en-US" dirty="0"/>
+              <a:t>Temperature </a:t>
             </a:r>
           </a:p>
           <a:p>
@@ -3960,7 +3948,245 @@
     </p:spTree>
     <p:extLst>
       <p:ext uri="{BB962C8B-B14F-4D97-AF65-F5344CB8AC3E}">
-        <p14:creationId xmlns:p14="http://schemas.microsoft.com/office/powerpoint/2010/main" val="2420884258"/>
+        <p14:creationId xmlns:p14="http://schemas.microsoft.com/office/powerpoint/2010/main" val="4204228726"/>
+      </p:ext>
+    </p:extLst>
+  </p:cSld>
+  <p:clrMapOvr>
+    <a:masterClrMapping/>
+  </p:clrMapOvr>
+</p:sld>
+</file>
+
+<file path=ppt/slides/slide18.xml><?xml version="1.0" encoding="utf-8"?>
+<p:sld xmlns:a="http://schemas.openxmlformats.org/drawingml/2006/main" xmlns:r="http://schemas.openxmlformats.org/officeDocument/2006/relationships" xmlns:p="http://schemas.openxmlformats.org/presentationml/2006/main">
+  <p:cSld>
+    <p:spTree>
+      <p:nvGrpSpPr>
+        <p:cNvPr id="1" name=""/>
+        <p:cNvGrpSpPr/>
+        <p:nvPr/>
+      </p:nvGrpSpPr>
+      <p:grpSpPr>
+        <a:xfrm>
+          <a:off x="0" y="0"/>
+          <a:ext cx="0" cy="0"/>
+          <a:chOff x="0" y="0"/>
+          <a:chExt cx="0" cy="0"/>
+        </a:xfrm>
+      </p:grpSpPr>
+      <p:sp>
+        <p:nvSpPr>
+          <p:cNvPr id="2" name="Title 1">
+            <a:extLst>
+              <a:ext uri="{FF2B5EF4-FFF2-40B4-BE49-F238E27FC236}">
+                <a16:creationId xmlns:a16="http://schemas.microsoft.com/office/drawing/2014/main" id="{49307CA3-D7F1-C65A-D158-B0049203C65E}"/>
+              </a:ext>
+            </a:extLst>
+          </p:cNvPr>
+          <p:cNvSpPr>
+            <a:spLocks noGrp="1"/>
+          </p:cNvSpPr>
+          <p:nvPr>
+            <p:ph type="title"/>
+          </p:nvPr>
+        </p:nvSpPr>
+        <p:spPr/>
+        <p:txBody>
+          <a:bodyPr/>
+          <a:lstStyle/>
+          <a:p>
+            <a:pPr algn="ctr"/>
+            <a:r>
+              <a:rPr lang="en-US" dirty="0"/>
+              <a:t>Temperature</a:t>
+            </a:r>
+            <a:endParaRPr lang="en-IN" dirty="0"/>
+          </a:p>
+        </p:txBody>
+      </p:sp>
+      <p:sp>
+        <p:nvSpPr>
+          <p:cNvPr id="3" name="Content Placeholder 2">
+            <a:extLst>
+              <a:ext uri="{FF2B5EF4-FFF2-40B4-BE49-F238E27FC236}">
+                <a16:creationId xmlns:a16="http://schemas.microsoft.com/office/drawing/2014/main" id="{370418D3-FFCC-9690-B262-C1FBDD1D7650}"/>
+              </a:ext>
+            </a:extLst>
+          </p:cNvPr>
+          <p:cNvSpPr>
+            <a:spLocks noGrp="1"/>
+          </p:cNvSpPr>
+          <p:nvPr>
+            <p:ph idx="1"/>
+          </p:nvPr>
+        </p:nvSpPr>
+        <p:spPr/>
+        <p:txBody>
+          <a:bodyPr>
+            <a:normAutofit lnSpcReduction="10000"/>
+          </a:bodyPr>
+          <a:lstStyle/>
+          <a:p>
+            <a:r>
+              <a:rPr lang="en-US" dirty="0"/>
+              <a:t>Shape of probability distribution function</a:t>
+            </a:r>
+          </a:p>
+          <a:p>
+            <a:r>
+              <a:rPr lang="en-US" dirty="0"/>
+              <a:t>Scale factor for probability distribution function </a:t>
+            </a:r>
+          </a:p>
+          <a:p>
+            <a:r>
+              <a:rPr lang="en-US" dirty="0"/>
+              <a:t>High temperature </a:t>
+            </a:r>
+          </a:p>
+          <a:p>
+            <a:pPr lvl="1"/>
+            <a:r>
+              <a:rPr lang="en-US" dirty="0"/>
+              <a:t>Temperature &gt; 1</a:t>
+            </a:r>
+          </a:p>
+          <a:p>
+            <a:pPr lvl="1"/>
+            <a:r>
+              <a:rPr lang="en-US" dirty="0"/>
+              <a:t>Broader or flatter probability distribution function </a:t>
+            </a:r>
+          </a:p>
+          <a:p>
+            <a:pPr lvl="1"/>
+            <a:r>
+              <a:rPr lang="en-US" dirty="0"/>
+              <a:t>Higher randomness</a:t>
+            </a:r>
+          </a:p>
+          <a:p>
+            <a:r>
+              <a:rPr lang="en-US" dirty="0"/>
+              <a:t>Low temperature </a:t>
+            </a:r>
+          </a:p>
+          <a:p>
+            <a:pPr lvl="1"/>
+            <a:r>
+              <a:rPr lang="en-US" dirty="0"/>
+              <a:t>Temperature &lt; 1</a:t>
+            </a:r>
+          </a:p>
+          <a:p>
+            <a:pPr lvl="1"/>
+            <a:r>
+              <a:rPr lang="en-US" dirty="0"/>
+              <a:t>Strongly peaked probability distribution function </a:t>
+            </a:r>
+          </a:p>
+          <a:p>
+            <a:pPr lvl="1"/>
+            <a:r>
+              <a:rPr lang="en-US" dirty="0"/>
+              <a:t>Lower randomness</a:t>
+            </a:r>
+          </a:p>
+          <a:p>
+            <a:endParaRPr lang="en-IN" dirty="0"/>
+          </a:p>
+        </p:txBody>
+      </p:sp>
+    </p:spTree>
+    <p:extLst>
+      <p:ext uri="{BB962C8B-B14F-4D97-AF65-F5344CB8AC3E}">
+        <p14:creationId xmlns:p14="http://schemas.microsoft.com/office/powerpoint/2010/main" val="3880538960"/>
+      </p:ext>
+    </p:extLst>
+  </p:cSld>
+  <p:clrMapOvr>
+    <a:masterClrMapping/>
+  </p:clrMapOvr>
+</p:sld>
+</file>
+
+<file path=ppt/slides/slide19.xml><?xml version="1.0" encoding="utf-8"?>
+<p:sld xmlns:a="http://schemas.openxmlformats.org/drawingml/2006/main" xmlns:r="http://schemas.openxmlformats.org/officeDocument/2006/relationships" xmlns:p="http://schemas.openxmlformats.org/presentationml/2006/main">
+  <p:cSld>
+    <p:spTree>
+      <p:nvGrpSpPr>
+        <p:cNvPr id="1" name=""/>
+        <p:cNvGrpSpPr/>
+        <p:nvPr/>
+      </p:nvGrpSpPr>
+      <p:grpSpPr>
+        <a:xfrm>
+          <a:off x="0" y="0"/>
+          <a:ext cx="0" cy="0"/>
+          <a:chOff x="0" y="0"/>
+          <a:chExt cx="0" cy="0"/>
+        </a:xfrm>
+      </p:grpSpPr>
+      <p:sp>
+        <p:nvSpPr>
+          <p:cNvPr id="2" name="Title 1">
+            <a:extLst>
+              <a:ext uri="{FF2B5EF4-FFF2-40B4-BE49-F238E27FC236}">
+                <a16:creationId xmlns:a16="http://schemas.microsoft.com/office/drawing/2014/main" id="{49307CA3-D7F1-C65A-D158-B0049203C65E}"/>
+              </a:ext>
+            </a:extLst>
+          </p:cNvPr>
+          <p:cNvSpPr>
+            <a:spLocks noGrp="1"/>
+          </p:cNvSpPr>
+          <p:nvPr>
+            <p:ph type="title"/>
+          </p:nvPr>
+        </p:nvSpPr>
+        <p:spPr/>
+        <p:txBody>
+          <a:bodyPr/>
+          <a:lstStyle/>
+          <a:p>
+            <a:pPr algn="ctr"/>
+            <a:r>
+              <a:rPr lang="en-US" dirty="0"/>
+              <a:t>Instruction Fine Tuning</a:t>
+            </a:r>
+            <a:endParaRPr lang="en-IN" dirty="0"/>
+          </a:p>
+        </p:txBody>
+      </p:sp>
+      <p:sp>
+        <p:nvSpPr>
+          <p:cNvPr id="3" name="Content Placeholder 2">
+            <a:extLst>
+              <a:ext uri="{FF2B5EF4-FFF2-40B4-BE49-F238E27FC236}">
+                <a16:creationId xmlns:a16="http://schemas.microsoft.com/office/drawing/2014/main" id="{370418D3-FFCC-9690-B262-C1FBDD1D7650}"/>
+              </a:ext>
+            </a:extLst>
+          </p:cNvPr>
+          <p:cNvSpPr>
+            <a:spLocks noGrp="1"/>
+          </p:cNvSpPr>
+          <p:nvPr>
+            <p:ph idx="1"/>
+          </p:nvPr>
+        </p:nvSpPr>
+        <p:spPr/>
+        <p:txBody>
+          <a:bodyPr/>
+          <a:lstStyle/>
+          <a:p>
+            <a:endParaRPr lang="en-IN" dirty="0"/>
+          </a:p>
+        </p:txBody>
+      </p:sp>
+    </p:spTree>
+    <p:extLst>
+      <p:ext uri="{BB962C8B-B14F-4D97-AF65-F5344CB8AC3E}">
+        <p14:creationId xmlns:p14="http://schemas.microsoft.com/office/powerpoint/2010/main" val="2666789716"/>
       </p:ext>
     </p:extLst>
   </p:cSld>
@@ -4101,6 +4327,277 @@
 </p:sld>
 </file>
 
+<file path=ppt/slides/slide20.xml><?xml version="1.0" encoding="utf-8"?>
+<p:sld xmlns:a="http://schemas.openxmlformats.org/drawingml/2006/main" xmlns:r="http://schemas.openxmlformats.org/officeDocument/2006/relationships" xmlns:p="http://schemas.openxmlformats.org/presentationml/2006/main">
+  <p:cSld>
+    <p:spTree>
+      <p:nvGrpSpPr>
+        <p:cNvPr id="1" name=""/>
+        <p:cNvGrpSpPr/>
+        <p:nvPr/>
+      </p:nvGrpSpPr>
+      <p:grpSpPr>
+        <a:xfrm>
+          <a:off x="0" y="0"/>
+          <a:ext cx="0" cy="0"/>
+          <a:chOff x="0" y="0"/>
+          <a:chExt cx="0" cy="0"/>
+        </a:xfrm>
+      </p:grpSpPr>
+      <p:sp>
+        <p:nvSpPr>
+          <p:cNvPr id="2" name="Title 1">
+            <a:extLst>
+              <a:ext uri="{FF2B5EF4-FFF2-40B4-BE49-F238E27FC236}">
+                <a16:creationId xmlns:a16="http://schemas.microsoft.com/office/drawing/2014/main" id="{49307CA3-D7F1-C65A-D158-B0049203C65E}"/>
+              </a:ext>
+            </a:extLst>
+          </p:cNvPr>
+          <p:cNvSpPr>
+            <a:spLocks noGrp="1"/>
+          </p:cNvSpPr>
+          <p:nvPr>
+            <p:ph type="title"/>
+          </p:nvPr>
+        </p:nvSpPr>
+        <p:spPr/>
+        <p:txBody>
+          <a:bodyPr/>
+          <a:lstStyle/>
+          <a:p>
+            <a:pPr algn="ctr"/>
+            <a:r>
+              <a:rPr lang="en-US" dirty="0"/>
+              <a:t>Parameter Efficient Fine Tuning</a:t>
+            </a:r>
+            <a:endParaRPr lang="en-IN" dirty="0"/>
+          </a:p>
+        </p:txBody>
+      </p:sp>
+      <p:sp>
+        <p:nvSpPr>
+          <p:cNvPr id="3" name="Content Placeholder 2">
+            <a:extLst>
+              <a:ext uri="{FF2B5EF4-FFF2-40B4-BE49-F238E27FC236}">
+                <a16:creationId xmlns:a16="http://schemas.microsoft.com/office/drawing/2014/main" id="{370418D3-FFCC-9690-B262-C1FBDD1D7650}"/>
+              </a:ext>
+            </a:extLst>
+          </p:cNvPr>
+          <p:cNvSpPr>
+            <a:spLocks noGrp="1"/>
+          </p:cNvSpPr>
+          <p:nvPr>
+            <p:ph idx="1"/>
+          </p:nvPr>
+        </p:nvSpPr>
+        <p:spPr/>
+        <p:txBody>
+          <a:bodyPr/>
+          <a:lstStyle/>
+          <a:p>
+            <a:r>
+              <a:rPr lang="en-US" dirty="0"/>
+              <a:t>PEFT – Parameter Efficient Fine Tuning</a:t>
+            </a:r>
+          </a:p>
+          <a:p>
+            <a:endParaRPr lang="en-IN" dirty="0"/>
+          </a:p>
+        </p:txBody>
+      </p:sp>
+    </p:spTree>
+    <p:extLst>
+      <p:ext uri="{BB962C8B-B14F-4D97-AF65-F5344CB8AC3E}">
+        <p14:creationId xmlns:p14="http://schemas.microsoft.com/office/powerpoint/2010/main" val="2230455582"/>
+      </p:ext>
+    </p:extLst>
+  </p:cSld>
+  <p:clrMapOvr>
+    <a:masterClrMapping/>
+  </p:clrMapOvr>
+</p:sld>
+</file>
+
+<file path=ppt/slides/slide21.xml><?xml version="1.0" encoding="utf-8"?>
+<p:sld xmlns:a="http://schemas.openxmlformats.org/drawingml/2006/main" xmlns:r="http://schemas.openxmlformats.org/officeDocument/2006/relationships" xmlns:p="http://schemas.openxmlformats.org/presentationml/2006/main">
+  <p:cSld>
+    <p:spTree>
+      <p:nvGrpSpPr>
+        <p:cNvPr id="1" name=""/>
+        <p:cNvGrpSpPr/>
+        <p:nvPr/>
+      </p:nvGrpSpPr>
+      <p:grpSpPr>
+        <a:xfrm>
+          <a:off x="0" y="0"/>
+          <a:ext cx="0" cy="0"/>
+          <a:chOff x="0" y="0"/>
+          <a:chExt cx="0" cy="0"/>
+        </a:xfrm>
+      </p:grpSpPr>
+      <p:sp>
+        <p:nvSpPr>
+          <p:cNvPr id="2" name="Title 1">
+            <a:extLst>
+              <a:ext uri="{FF2B5EF4-FFF2-40B4-BE49-F238E27FC236}">
+                <a16:creationId xmlns:a16="http://schemas.microsoft.com/office/drawing/2014/main" id="{B440959B-5257-9D91-3B61-5C46F1F96D6B}"/>
+              </a:ext>
+            </a:extLst>
+          </p:cNvPr>
+          <p:cNvSpPr>
+            <a:spLocks noGrp="1"/>
+          </p:cNvSpPr>
+          <p:nvPr>
+            <p:ph type="title"/>
+          </p:nvPr>
+        </p:nvSpPr>
+        <p:spPr/>
+        <p:txBody>
+          <a:bodyPr/>
+          <a:lstStyle/>
+          <a:p>
+            <a:pPr algn="ctr"/>
+            <a:r>
+              <a:rPr lang="en-US" dirty="0"/>
+              <a:t>Conclusions</a:t>
+            </a:r>
+            <a:endParaRPr lang="en-IN" dirty="0"/>
+          </a:p>
+        </p:txBody>
+      </p:sp>
+      <p:sp>
+        <p:nvSpPr>
+          <p:cNvPr id="3" name="Content Placeholder 2">
+            <a:extLst>
+              <a:ext uri="{FF2B5EF4-FFF2-40B4-BE49-F238E27FC236}">
+                <a16:creationId xmlns:a16="http://schemas.microsoft.com/office/drawing/2014/main" id="{83AE5D9F-CE13-09AA-2234-6FF43C2EBB41}"/>
+              </a:ext>
+            </a:extLst>
+          </p:cNvPr>
+          <p:cNvSpPr>
+            <a:spLocks noGrp="1"/>
+          </p:cNvSpPr>
+          <p:nvPr>
+            <p:ph idx="1"/>
+          </p:nvPr>
+        </p:nvSpPr>
+        <p:spPr/>
+        <p:txBody>
+          <a:bodyPr/>
+          <a:lstStyle/>
+          <a:p>
+            <a:endParaRPr lang="en-IN"/>
+          </a:p>
+        </p:txBody>
+      </p:sp>
+    </p:spTree>
+    <p:extLst>
+      <p:ext uri="{BB962C8B-B14F-4D97-AF65-F5344CB8AC3E}">
+        <p14:creationId xmlns:p14="http://schemas.microsoft.com/office/powerpoint/2010/main" val="3691160634"/>
+      </p:ext>
+    </p:extLst>
+  </p:cSld>
+  <p:clrMapOvr>
+    <a:masterClrMapping/>
+  </p:clrMapOvr>
+</p:sld>
+</file>
+
+<file path=ppt/slides/slide22.xml><?xml version="1.0" encoding="utf-8"?>
+<p:sld xmlns:a="http://schemas.openxmlformats.org/drawingml/2006/main" xmlns:r="http://schemas.openxmlformats.org/officeDocument/2006/relationships" xmlns:p="http://schemas.openxmlformats.org/presentationml/2006/main">
+  <p:cSld>
+    <p:spTree>
+      <p:nvGrpSpPr>
+        <p:cNvPr id="1" name="">
+          <a:extLst>
+            <a:ext uri="{FF2B5EF4-FFF2-40B4-BE49-F238E27FC236}">
+              <a16:creationId xmlns:a16="http://schemas.microsoft.com/office/drawing/2014/main" id="{1C8AEA77-34B6-2B92-3032-E7DC917A66A5}"/>
+            </a:ext>
+          </a:extLst>
+        </p:cNvPr>
+        <p:cNvGrpSpPr/>
+        <p:nvPr/>
+      </p:nvGrpSpPr>
+      <p:grpSpPr>
+        <a:xfrm>
+          <a:off x="0" y="0"/>
+          <a:ext cx="0" cy="0"/>
+          <a:chOff x="0" y="0"/>
+          <a:chExt cx="0" cy="0"/>
+        </a:xfrm>
+      </p:grpSpPr>
+      <p:sp>
+        <p:nvSpPr>
+          <p:cNvPr id="2" name="Title 1">
+            <a:extLst>
+              <a:ext uri="{FF2B5EF4-FFF2-40B4-BE49-F238E27FC236}">
+                <a16:creationId xmlns:a16="http://schemas.microsoft.com/office/drawing/2014/main" id="{CD98F5DA-863D-D365-0F24-39A0C31B06D7}"/>
+              </a:ext>
+            </a:extLst>
+          </p:cNvPr>
+          <p:cNvSpPr>
+            <a:spLocks noGrp="1"/>
+          </p:cNvSpPr>
+          <p:nvPr>
+            <p:ph type="ctrTitle"/>
+          </p:nvPr>
+        </p:nvSpPr>
+        <p:spPr/>
+        <p:txBody>
+          <a:bodyPr/>
+          <a:lstStyle/>
+          <a:p>
+            <a:r>
+              <a:rPr lang="en-IN" dirty="0"/>
+              <a:t>Questions?</a:t>
+            </a:r>
+          </a:p>
+        </p:txBody>
+      </p:sp>
+      <p:sp>
+        <p:nvSpPr>
+          <p:cNvPr id="3" name="Subtitle 2">
+            <a:extLst>
+              <a:ext uri="{FF2B5EF4-FFF2-40B4-BE49-F238E27FC236}">
+                <a16:creationId xmlns:a16="http://schemas.microsoft.com/office/drawing/2014/main" id="{24AD7672-D577-74F5-F08E-C14B57789DE5}"/>
+              </a:ext>
+            </a:extLst>
+          </p:cNvPr>
+          <p:cNvSpPr>
+            <a:spLocks noGrp="1"/>
+          </p:cNvSpPr>
+          <p:nvPr>
+            <p:ph type="subTitle" idx="1"/>
+          </p:nvPr>
+        </p:nvSpPr>
+        <p:spPr/>
+        <p:txBody>
+          <a:bodyPr/>
+          <a:lstStyle/>
+          <a:p>
+            <a:r>
+              <a:rPr lang="en-US" dirty="0"/>
+              <a:t>Thank you</a:t>
+            </a:r>
+          </a:p>
+          <a:p>
+            <a:endParaRPr lang="en-IN" dirty="0"/>
+          </a:p>
+        </p:txBody>
+      </p:sp>
+    </p:spTree>
+    <p:extLst>
+      <p:ext uri="{BB962C8B-B14F-4D97-AF65-F5344CB8AC3E}">
+        <p14:creationId xmlns:p14="http://schemas.microsoft.com/office/powerpoint/2010/main" val="2420884258"/>
+      </p:ext>
+    </p:extLst>
+  </p:cSld>
+  <p:clrMapOvr>
+    <a:masterClrMapping/>
+  </p:clrMapOvr>
+</p:sld>
+</file>
+
 <file path=ppt/slides/slide3.xml><?xml version="1.0" encoding="utf-8"?>
 <p:sld xmlns:a="http://schemas.openxmlformats.org/drawingml/2006/main" xmlns:r="http://schemas.openxmlformats.org/officeDocument/2006/relationships" xmlns:p="http://schemas.openxmlformats.org/presentationml/2006/main">
   <p:cSld>
@@ -4169,7 +4666,37 @@
           <a:bodyPr/>
           <a:lstStyle/>
           <a:p>
-            <a:endParaRPr lang="en-IN"/>
+            <a:r>
+              <a:rPr lang="en-US" dirty="0"/>
+              <a:t>Essay Writing</a:t>
+            </a:r>
+          </a:p>
+          <a:p>
+            <a:r>
+              <a:rPr lang="en-US" dirty="0"/>
+              <a:t>Summarization</a:t>
+            </a:r>
+          </a:p>
+          <a:p>
+            <a:r>
+              <a:rPr lang="en-US" dirty="0"/>
+              <a:t>Machine Translation</a:t>
+            </a:r>
+          </a:p>
+          <a:p>
+            <a:r>
+              <a:rPr lang="en-US" dirty="0"/>
+              <a:t>Information Retrieval</a:t>
+            </a:r>
+          </a:p>
+          <a:p>
+            <a:r>
+              <a:rPr lang="en-US" dirty="0"/>
+              <a:t>Invoke API or Actions</a:t>
+            </a:r>
+          </a:p>
+          <a:p>
+            <a:endParaRPr lang="en-IN" dirty="0"/>
           </a:p>
         </p:txBody>
       </p:sp>
@@ -4226,8 +4753,8 @@
           <a:p>
             <a:pPr algn="ctr"/>
             <a:r>
-              <a:rPr lang="en-US"/>
-              <a:t>Foundation Models</a:t>
+              <a:rPr lang="en-US" dirty="0"/>
+              <a:t>Essay Writing</a:t>
             </a:r>
             <a:endParaRPr lang="en-IN" dirty="0"/>
           </a:p>
@@ -4254,14 +4781,14 @@
           <a:bodyPr/>
           <a:lstStyle/>
           <a:p>
-            <a:endParaRPr lang="en-IN"/>
+            <a:endParaRPr lang="en-IN" dirty="0"/>
           </a:p>
         </p:txBody>
       </p:sp>
     </p:spTree>
     <p:extLst>
       <p:ext uri="{BB962C8B-B14F-4D97-AF65-F5344CB8AC3E}">
-        <p14:creationId xmlns:p14="http://schemas.microsoft.com/office/powerpoint/2010/main" val="3697646160"/>
+        <p14:creationId xmlns:p14="http://schemas.microsoft.com/office/powerpoint/2010/main" val="2566864129"/>
       </p:ext>
     </p:extLst>
   </p:cSld>
@@ -4306,15 +4833,13 @@
         </p:nvSpPr>
         <p:spPr/>
         <p:txBody>
-          <a:bodyPr>
-            <a:normAutofit/>
-          </a:bodyPr>
+          <a:bodyPr/>
           <a:lstStyle/>
           <a:p>
             <a:pPr algn="ctr"/>
             <a:r>
               <a:rPr lang="en-US" dirty="0"/>
-              <a:t>Transformer Architecture </a:t>
+              <a:t>Summarization</a:t>
             </a:r>
             <a:endParaRPr lang="en-IN" dirty="0"/>
           </a:p>
@@ -4341,14 +4866,14 @@
           <a:bodyPr/>
           <a:lstStyle/>
           <a:p>
-            <a:endParaRPr lang="en-IN"/>
+            <a:endParaRPr lang="en-IN" dirty="0"/>
           </a:p>
         </p:txBody>
       </p:sp>
     </p:spTree>
     <p:extLst>
       <p:ext uri="{BB962C8B-B14F-4D97-AF65-F5344CB8AC3E}">
-        <p14:creationId xmlns:p14="http://schemas.microsoft.com/office/powerpoint/2010/main" val="4268929679"/>
+        <p14:creationId xmlns:p14="http://schemas.microsoft.com/office/powerpoint/2010/main" val="4007063757"/>
       </p:ext>
     </p:extLst>
   </p:cSld>
@@ -4399,7 +4924,7 @@
             <a:pPr algn="ctr"/>
             <a:r>
               <a:rPr lang="en-US" dirty="0"/>
-              <a:t>Prompt Engineering</a:t>
+              <a:t>Machine Translation</a:t>
             </a:r>
             <a:endParaRPr lang="en-IN" dirty="0"/>
           </a:p>
@@ -4426,36 +4951,6 @@
           <a:bodyPr/>
           <a:lstStyle/>
           <a:p>
-            <a:r>
-              <a:rPr lang="en-US" dirty="0"/>
-              <a:t>Prompt</a:t>
-            </a:r>
-          </a:p>
-          <a:p>
-            <a:r>
-              <a:rPr lang="en-US" dirty="0"/>
-              <a:t>Context window</a:t>
-            </a:r>
-          </a:p>
-          <a:p>
-            <a:r>
-              <a:rPr lang="en-US" dirty="0"/>
-              <a:t>Large Language Model</a:t>
-            </a:r>
-          </a:p>
-          <a:p>
-            <a:r>
-              <a:rPr lang="en-US" dirty="0"/>
-              <a:t>Inference</a:t>
-            </a:r>
-          </a:p>
-          <a:p>
-            <a:r>
-              <a:rPr lang="en-US" dirty="0"/>
-              <a:t>Completion</a:t>
-            </a:r>
-          </a:p>
-          <a:p>
             <a:endParaRPr lang="en-IN" dirty="0"/>
           </a:p>
         </p:txBody>
@@ -4463,7 +4958,7 @@
     </p:spTree>
     <p:extLst>
       <p:ext uri="{BB962C8B-B14F-4D97-AF65-F5344CB8AC3E}">
-        <p14:creationId xmlns:p14="http://schemas.microsoft.com/office/powerpoint/2010/main" val="1158719382"/>
+        <p14:creationId xmlns:p14="http://schemas.microsoft.com/office/powerpoint/2010/main" val="1429228037"/>
       </p:ext>
     </p:extLst>
   </p:cSld>
@@ -4514,7 +5009,7 @@
             <a:pPr algn="ctr"/>
             <a:r>
               <a:rPr lang="en-US" dirty="0"/>
-              <a:t>In Context Learning</a:t>
+              <a:t>Information Retrieval</a:t>
             </a:r>
             <a:endParaRPr lang="en-IN" dirty="0"/>
           </a:p>
@@ -4541,34 +5036,9 @@
           <a:bodyPr/>
           <a:lstStyle/>
           <a:p>
-            <a:r>
-              <a:rPr lang="en-US" dirty="0"/>
-              <a:t>Context window</a:t>
-            </a:r>
-          </a:p>
-          <a:p>
-            <a:r>
-              <a:rPr lang="en-US" dirty="0"/>
-              <a:t>Task example/s within the Context window</a:t>
-            </a:r>
-          </a:p>
-          <a:p>
-            <a:r>
-              <a:rPr lang="en-US" dirty="0"/>
-              <a:t>Zero shot inference</a:t>
-            </a:r>
-          </a:p>
-          <a:p>
-            <a:r>
-              <a:rPr lang="en-US" dirty="0"/>
-              <a:t>One shot inference</a:t>
-            </a:r>
-          </a:p>
-          <a:p>
-            <a:r>
-              <a:rPr lang="en-US" dirty="0"/>
-              <a:t>Few shot inference</a:t>
-            </a:r>
+            <a:endParaRPr lang="en-US" dirty="0"/>
+          </a:p>
+          <a:p>
             <a:endParaRPr lang="en-IN" dirty="0"/>
           </a:p>
         </p:txBody>
@@ -4576,7 +5046,7 @@
     </p:spTree>
     <p:extLst>
       <p:ext uri="{BB962C8B-B14F-4D97-AF65-F5344CB8AC3E}">
-        <p14:creationId xmlns:p14="http://schemas.microsoft.com/office/powerpoint/2010/main" val="4274027739"/>
+        <p14:creationId xmlns:p14="http://schemas.microsoft.com/office/powerpoint/2010/main" val="625822524"/>
       </p:ext>
     </p:extLst>
   </p:cSld>
@@ -4627,7 +5097,7 @@
             <a:pPr algn="ctr"/>
             <a:r>
               <a:rPr lang="en-US" dirty="0"/>
-              <a:t>Zero Shot Inference</a:t>
+              <a:t>Invoke API or Actions</a:t>
             </a:r>
             <a:endParaRPr lang="en-IN" dirty="0"/>
           </a:p>
@@ -4654,10 +5124,6 @@
           <a:bodyPr/>
           <a:lstStyle/>
           <a:p>
-            <a:r>
-              <a:rPr lang="en-US" dirty="0"/>
-              <a:t>No example in the Context Window</a:t>
-            </a:r>
             <a:endParaRPr lang="en-IN" dirty="0"/>
           </a:p>
         </p:txBody>
@@ -4665,7 +5131,7 @@
     </p:spTree>
     <p:extLst>
       <p:ext uri="{BB962C8B-B14F-4D97-AF65-F5344CB8AC3E}">
-        <p14:creationId xmlns:p14="http://schemas.microsoft.com/office/powerpoint/2010/main" val="2478694612"/>
+        <p14:creationId xmlns:p14="http://schemas.microsoft.com/office/powerpoint/2010/main" val="3626150463"/>
       </p:ext>
     </p:extLst>
   </p:cSld>
@@ -4715,8 +5181,8 @@
           <a:p>
             <a:pPr algn="ctr"/>
             <a:r>
-              <a:rPr lang="en-US" dirty="0"/>
-              <a:t>One Shot Inference</a:t>
+              <a:rPr lang="en-US"/>
+              <a:t>Foundation Models</a:t>
             </a:r>
             <a:endParaRPr lang="en-IN" dirty="0"/>
           </a:p>
@@ -4743,21 +5209,14 @@
           <a:bodyPr/>
           <a:lstStyle/>
           <a:p>
-            <a:r>
-              <a:rPr lang="en-US" dirty="0"/>
-              <a:t>Single example in the Context Window</a:t>
-            </a:r>
-            <a:endParaRPr lang="en-IN" dirty="0"/>
-          </a:p>
-          <a:p>
-            <a:endParaRPr lang="en-IN" dirty="0"/>
+            <a:endParaRPr lang="en-IN"/>
           </a:p>
         </p:txBody>
       </p:sp>
     </p:spTree>
     <p:extLst>
       <p:ext uri="{BB962C8B-B14F-4D97-AF65-F5344CB8AC3E}">
-        <p14:creationId xmlns:p14="http://schemas.microsoft.com/office/powerpoint/2010/main" val="936706833"/>
+        <p14:creationId xmlns:p14="http://schemas.microsoft.com/office/powerpoint/2010/main" val="3697646160"/>
       </p:ext>
     </p:extLst>
   </p:cSld>

--- a/Presentations/LargeLanguageModels.pptx
+++ b/Presentations/LargeLanguageModels.pptx
@@ -14,19 +14,21 @@
     <p:sldId id="294" r:id="rId8"/>
     <p:sldId id="290" r:id="rId9"/>
     <p:sldId id="283" r:id="rId10"/>
-    <p:sldId id="282" r:id="rId11"/>
-    <p:sldId id="278" r:id="rId12"/>
-    <p:sldId id="279" r:id="rId13"/>
-    <p:sldId id="284" r:id="rId14"/>
-    <p:sldId id="285" r:id="rId15"/>
-    <p:sldId id="286" r:id="rId16"/>
-    <p:sldId id="280" r:id="rId17"/>
-    <p:sldId id="288" r:id="rId18"/>
-    <p:sldId id="289" r:id="rId19"/>
-    <p:sldId id="287" r:id="rId20"/>
-    <p:sldId id="281" r:id="rId21"/>
-    <p:sldId id="277" r:id="rId22"/>
-    <p:sldId id="263" r:id="rId23"/>
+    <p:sldId id="295" r:id="rId11"/>
+    <p:sldId id="296" r:id="rId12"/>
+    <p:sldId id="297" r:id="rId13"/>
+    <p:sldId id="278" r:id="rId14"/>
+    <p:sldId id="279" r:id="rId15"/>
+    <p:sldId id="284" r:id="rId16"/>
+    <p:sldId id="285" r:id="rId17"/>
+    <p:sldId id="286" r:id="rId18"/>
+    <p:sldId id="280" r:id="rId19"/>
+    <p:sldId id="288" r:id="rId20"/>
+    <p:sldId id="289" r:id="rId21"/>
+    <p:sldId id="287" r:id="rId22"/>
+    <p:sldId id="281" r:id="rId23"/>
+    <p:sldId id="277" r:id="rId24"/>
+    <p:sldId id="263" r:id="rId25"/>
   </p:sldIdLst>
   <p:sldSz cx="9144000" cy="6858000" type="screen4x3"/>
   <p:notesSz cx="6858000" cy="9144000"/>
@@ -3113,15 +3115,13 @@
         </p:nvSpPr>
         <p:spPr/>
         <p:txBody>
-          <a:bodyPr>
-            <a:normAutofit/>
-          </a:bodyPr>
+          <a:bodyPr/>
           <a:lstStyle/>
           <a:p>
             <a:pPr algn="ctr"/>
             <a:r>
               <a:rPr lang="en-US" dirty="0"/>
-              <a:t>Transformer Architecture </a:t>
+              <a:t>Large Language Models</a:t>
             </a:r>
             <a:endParaRPr lang="en-IN" dirty="0"/>
           </a:p>
@@ -3148,14 +3148,14 @@
           <a:bodyPr/>
           <a:lstStyle/>
           <a:p>
-            <a:endParaRPr lang="en-IN"/>
+            <a:endParaRPr lang="en-IN" dirty="0"/>
           </a:p>
         </p:txBody>
       </p:sp>
     </p:spTree>
     <p:extLst>
       <p:ext uri="{BB962C8B-B14F-4D97-AF65-F5344CB8AC3E}">
-        <p14:creationId xmlns:p14="http://schemas.microsoft.com/office/powerpoint/2010/main" val="4268929679"/>
+        <p14:creationId xmlns:p14="http://schemas.microsoft.com/office/powerpoint/2010/main" val="902312451"/>
       </p:ext>
     </p:extLst>
   </p:cSld>
@@ -3206,7 +3206,7 @@
             <a:pPr algn="ctr"/>
             <a:r>
               <a:rPr lang="en-US" dirty="0"/>
-              <a:t>Prompt Engineering</a:t>
+              <a:t>LLM Pre-training</a:t>
             </a:r>
             <a:endParaRPr lang="en-IN" dirty="0"/>
           </a:p>
@@ -3235,34 +3235,53 @@
           <a:p>
             <a:r>
               <a:rPr lang="en-US" dirty="0"/>
-              <a:t>Prompt</a:t>
-            </a:r>
-          </a:p>
-          <a:p>
-            <a:r>
-              <a:rPr lang="en-US" dirty="0"/>
-              <a:t>Context window</a:t>
-            </a:r>
-          </a:p>
-          <a:p>
-            <a:r>
-              <a:rPr lang="en-US" dirty="0"/>
-              <a:t>Large Language Model</a:t>
-            </a:r>
-          </a:p>
-          <a:p>
-            <a:r>
-              <a:rPr lang="en-US" dirty="0"/>
-              <a:t>Inference</a:t>
-            </a:r>
-          </a:p>
-          <a:p>
-            <a:r>
-              <a:rPr lang="en-US" dirty="0"/>
-              <a:t>Completion</a:t>
-            </a:r>
-          </a:p>
-          <a:p>
+              <a:t>Self supervised learning</a:t>
+            </a:r>
+          </a:p>
+          <a:p>
+            <a:r>
+              <a:rPr lang="en-US" dirty="0"/>
+              <a:t>Unstructured </a:t>
+            </a:r>
+            <a:r>
+              <a:rPr lang="en-IN" dirty="0"/>
+              <a:t>dataset</a:t>
+            </a:r>
+            <a:endParaRPr lang="en-US" dirty="0"/>
+          </a:p>
+          <a:p>
+            <a:pPr lvl="1"/>
+            <a:r>
+              <a:rPr lang="en-US" dirty="0"/>
+              <a:t>GB, PB, TB of data</a:t>
+            </a:r>
+          </a:p>
+          <a:p>
+            <a:r>
+              <a:rPr lang="en-IN" dirty="0"/>
+              <a:t>Clean dataset</a:t>
+            </a:r>
+          </a:p>
+          <a:p>
+            <a:pPr lvl="1"/>
+            <a:r>
+              <a:rPr lang="en-IN" dirty="0"/>
+              <a:t>Remove harmful content</a:t>
+            </a:r>
+          </a:p>
+          <a:p>
+            <a:pPr lvl="1"/>
+            <a:r>
+              <a:rPr lang="en-IN" dirty="0"/>
+              <a:t>Reduce bias</a:t>
+            </a:r>
+          </a:p>
+          <a:p>
+            <a:pPr lvl="1"/>
+            <a:endParaRPr lang="en-IN" dirty="0"/>
+          </a:p>
+          <a:p>
+            <a:pPr lvl="1"/>
             <a:endParaRPr lang="en-IN" dirty="0"/>
           </a:p>
         </p:txBody>
@@ -3270,7 +3289,7 @@
     </p:spTree>
     <p:extLst>
       <p:ext uri="{BB962C8B-B14F-4D97-AF65-F5344CB8AC3E}">
-        <p14:creationId xmlns:p14="http://schemas.microsoft.com/office/powerpoint/2010/main" val="1158719382"/>
+        <p14:creationId xmlns:p14="http://schemas.microsoft.com/office/powerpoint/2010/main" val="983370733"/>
       </p:ext>
     </p:extLst>
   </p:cSld>
@@ -3321,7 +3340,7 @@
             <a:pPr algn="ctr"/>
             <a:r>
               <a:rPr lang="en-US" dirty="0"/>
-              <a:t>In Context Learning</a:t>
+              <a:t>LLM Pre-training</a:t>
             </a:r>
             <a:endParaRPr lang="en-IN" dirty="0"/>
           </a:p>
@@ -3349,41 +3368,70 @@
           <a:lstStyle/>
           <a:p>
             <a:r>
-              <a:rPr lang="en-US" dirty="0"/>
-              <a:t>Context window</a:t>
-            </a:r>
-          </a:p>
-          <a:p>
-            <a:r>
-              <a:rPr lang="en-US" dirty="0"/>
-              <a:t>Task example/s within the Context window</a:t>
-            </a:r>
-          </a:p>
-          <a:p>
-            <a:r>
-              <a:rPr lang="en-US" dirty="0"/>
-              <a:t>Zero shot inference</a:t>
-            </a:r>
-          </a:p>
-          <a:p>
-            <a:r>
-              <a:rPr lang="en-US" dirty="0"/>
-              <a:t>One shot inference</a:t>
-            </a:r>
-          </a:p>
-          <a:p>
-            <a:r>
-              <a:rPr lang="en-US" dirty="0"/>
-              <a:t>Few shot inference</a:t>
-            </a:r>
-            <a:endParaRPr lang="en-IN" dirty="0"/>
+              <a:rPr lang="en-IN" dirty="0"/>
+              <a:t>Encoder only models</a:t>
+            </a:r>
+          </a:p>
+          <a:p>
+            <a:pPr lvl="1"/>
+            <a:r>
+              <a:rPr lang="en-IN" dirty="0"/>
+              <a:t>Autoencoding</a:t>
+            </a:r>
+          </a:p>
+          <a:p>
+            <a:pPr lvl="1"/>
+            <a:r>
+              <a:rPr lang="en-IN" dirty="0"/>
+              <a:t>Masked Language Models</a:t>
+            </a:r>
+          </a:p>
+          <a:p>
+            <a:r>
+              <a:rPr lang="en-IN" dirty="0"/>
+              <a:t>Decoder only models</a:t>
+            </a:r>
+          </a:p>
+          <a:p>
+            <a:pPr lvl="1"/>
+            <a:r>
+              <a:rPr lang="en-IN" dirty="0"/>
+              <a:t>Autoregressive models</a:t>
+            </a:r>
+          </a:p>
+          <a:p>
+            <a:pPr lvl="1"/>
+            <a:r>
+              <a:rPr lang="en-IN" dirty="0"/>
+              <a:t>Causal Language Model</a:t>
+            </a:r>
+          </a:p>
+          <a:p>
+            <a:r>
+              <a:rPr lang="en-IN" dirty="0"/>
+              <a:t>Encoder – Decoder models</a:t>
+            </a:r>
+          </a:p>
+          <a:p>
+            <a:pPr lvl="1"/>
+            <a:r>
+              <a:rPr lang="en-IN" dirty="0"/>
+              <a:t>Sequence to Sequence models</a:t>
+            </a:r>
+          </a:p>
+          <a:p>
+            <a:pPr lvl="1"/>
+            <a:r>
+              <a:rPr lang="en-IN" dirty="0"/>
+              <a:t>Span corruption</a:t>
+            </a:r>
           </a:p>
         </p:txBody>
       </p:sp>
     </p:spTree>
     <p:extLst>
       <p:ext uri="{BB962C8B-B14F-4D97-AF65-F5344CB8AC3E}">
-        <p14:creationId xmlns:p14="http://schemas.microsoft.com/office/powerpoint/2010/main" val="4274027739"/>
+        <p14:creationId xmlns:p14="http://schemas.microsoft.com/office/powerpoint/2010/main" val="625154788"/>
       </p:ext>
     </p:extLst>
   </p:cSld>
@@ -3434,7 +3482,7 @@
             <a:pPr algn="ctr"/>
             <a:r>
               <a:rPr lang="en-US" dirty="0"/>
-              <a:t>Zero Shot Inference</a:t>
+              <a:t>Prompt Engineering</a:t>
             </a:r>
             <a:endParaRPr lang="en-IN" dirty="0"/>
           </a:p>
@@ -3463,8 +3511,34 @@
           <a:p>
             <a:r>
               <a:rPr lang="en-US" dirty="0"/>
-              <a:t>No example in the Context Window</a:t>
-            </a:r>
+              <a:t>Prompt</a:t>
+            </a:r>
+          </a:p>
+          <a:p>
+            <a:r>
+              <a:rPr lang="en-US" dirty="0"/>
+              <a:t>Context window</a:t>
+            </a:r>
+          </a:p>
+          <a:p>
+            <a:r>
+              <a:rPr lang="en-US" dirty="0"/>
+              <a:t>Large Language Model</a:t>
+            </a:r>
+          </a:p>
+          <a:p>
+            <a:r>
+              <a:rPr lang="en-US" dirty="0"/>
+              <a:t>Inference</a:t>
+            </a:r>
+          </a:p>
+          <a:p>
+            <a:r>
+              <a:rPr lang="en-US" dirty="0"/>
+              <a:t>Completion</a:t>
+            </a:r>
+          </a:p>
+          <a:p>
             <a:endParaRPr lang="en-IN" dirty="0"/>
           </a:p>
         </p:txBody>
@@ -3472,7 +3546,7 @@
     </p:spTree>
     <p:extLst>
       <p:ext uri="{BB962C8B-B14F-4D97-AF65-F5344CB8AC3E}">
-        <p14:creationId xmlns:p14="http://schemas.microsoft.com/office/powerpoint/2010/main" val="2478694612"/>
+        <p14:creationId xmlns:p14="http://schemas.microsoft.com/office/powerpoint/2010/main" val="1158719382"/>
       </p:ext>
     </p:extLst>
   </p:cSld>
@@ -3523,7 +3597,7 @@
             <a:pPr algn="ctr"/>
             <a:r>
               <a:rPr lang="en-US" dirty="0"/>
-              <a:t>One Shot Inference</a:t>
+              <a:t>In Context Learning</a:t>
             </a:r>
             <a:endParaRPr lang="en-IN" dirty="0"/>
           </a:p>
@@ -3552,11 +3626,32 @@
           <a:p>
             <a:r>
               <a:rPr lang="en-US" dirty="0"/>
-              <a:t>Single example in the Context Window</a:t>
-            </a:r>
-            <a:endParaRPr lang="en-IN" dirty="0"/>
-          </a:p>
-          <a:p>
+              <a:t>Context window</a:t>
+            </a:r>
+          </a:p>
+          <a:p>
+            <a:r>
+              <a:rPr lang="en-US" dirty="0"/>
+              <a:t>Task example/s within the Context window</a:t>
+            </a:r>
+          </a:p>
+          <a:p>
+            <a:r>
+              <a:rPr lang="en-US" dirty="0"/>
+              <a:t>Zero shot inference</a:t>
+            </a:r>
+          </a:p>
+          <a:p>
+            <a:r>
+              <a:rPr lang="en-US" dirty="0"/>
+              <a:t>One shot inference</a:t>
+            </a:r>
+          </a:p>
+          <a:p>
+            <a:r>
+              <a:rPr lang="en-US" dirty="0"/>
+              <a:t>Few shot inference</a:t>
+            </a:r>
             <a:endParaRPr lang="en-IN" dirty="0"/>
           </a:p>
         </p:txBody>
@@ -3564,7 +3659,7 @@
     </p:spTree>
     <p:extLst>
       <p:ext uri="{BB962C8B-B14F-4D97-AF65-F5344CB8AC3E}">
-        <p14:creationId xmlns:p14="http://schemas.microsoft.com/office/powerpoint/2010/main" val="936706833"/>
+        <p14:creationId xmlns:p14="http://schemas.microsoft.com/office/powerpoint/2010/main" val="4274027739"/>
       </p:ext>
     </p:extLst>
   </p:cSld>
@@ -3615,7 +3710,7 @@
             <a:pPr algn="ctr"/>
             <a:r>
               <a:rPr lang="en-US" dirty="0"/>
-              <a:t>Few Shot Inference</a:t>
+              <a:t>Zero Shot Inference</a:t>
             </a:r>
             <a:endParaRPr lang="en-IN" dirty="0"/>
           </a:p>
@@ -3644,17 +3739,8 @@
           <a:p>
             <a:r>
               <a:rPr lang="en-US" dirty="0"/>
-              <a:t>More than one examples in the Context Window</a:t>
-            </a:r>
-          </a:p>
-          <a:p>
-            <a:r>
-              <a:rPr lang="en-US" dirty="0"/>
-              <a:t>Less than five examples </a:t>
-            </a:r>
-            <a:endParaRPr lang="en-IN" dirty="0"/>
-          </a:p>
-          <a:p>
+              <a:t>No example in the Context Window</a:t>
+            </a:r>
             <a:endParaRPr lang="en-IN" dirty="0"/>
           </a:p>
         </p:txBody>
@@ -3662,7 +3748,7 @@
     </p:spTree>
     <p:extLst>
       <p:ext uri="{BB962C8B-B14F-4D97-AF65-F5344CB8AC3E}">
-        <p14:creationId xmlns:p14="http://schemas.microsoft.com/office/powerpoint/2010/main" val="232167889"/>
+        <p14:creationId xmlns:p14="http://schemas.microsoft.com/office/powerpoint/2010/main" val="2478694612"/>
       </p:ext>
     </p:extLst>
   </p:cSld>
@@ -3713,7 +3799,7 @@
             <a:pPr algn="ctr"/>
             <a:r>
               <a:rPr lang="en-US" dirty="0"/>
-              <a:t>Greedy v/s Random Sampling</a:t>
+              <a:t>One Shot Inference</a:t>
             </a:r>
             <a:endParaRPr lang="en-IN" dirty="0"/>
           </a:p>
@@ -3742,71 +3828,9 @@
           <a:p>
             <a:r>
               <a:rPr lang="en-US" dirty="0"/>
-              <a:t> Greedy Sampling</a:t>
-            </a:r>
-          </a:p>
-          <a:p>
-            <a:pPr lvl="1"/>
-            <a:r>
-              <a:rPr lang="en-US" dirty="0"/>
-              <a:t>Select word with the highest probability</a:t>
-            </a:r>
-          </a:p>
-          <a:p>
-            <a:pPr lvl="1"/>
-            <a:r>
-              <a:rPr lang="en-US" dirty="0"/>
-              <a:t>Good for short generation</a:t>
-            </a:r>
-          </a:p>
-          <a:p>
-            <a:pPr lvl="1"/>
-            <a:r>
-              <a:rPr lang="en-US" dirty="0"/>
-              <a:t>Repeat words</a:t>
-            </a:r>
-          </a:p>
-          <a:p>
-            <a:pPr lvl="1"/>
-            <a:r>
-              <a:rPr lang="en-US" dirty="0"/>
-              <a:t>Repeat sequence of words</a:t>
-            </a:r>
-          </a:p>
-          <a:p>
-            <a:r>
-              <a:rPr lang="en-US" dirty="0"/>
-              <a:t>Random Sampling</a:t>
-            </a:r>
-          </a:p>
-          <a:p>
-            <a:pPr lvl="1"/>
-            <a:r>
-              <a:rPr lang="en-US" dirty="0"/>
-              <a:t>More natural</a:t>
-            </a:r>
-          </a:p>
-          <a:p>
-            <a:pPr lvl="1"/>
-            <a:r>
-              <a:rPr lang="en-US" dirty="0"/>
-              <a:t>More creative</a:t>
-            </a:r>
-          </a:p>
-          <a:p>
-            <a:pPr lvl="1"/>
-            <a:r>
-              <a:rPr lang="en-US" dirty="0"/>
-              <a:t>Avoid repeated words or sequence of words</a:t>
-            </a:r>
-          </a:p>
-          <a:p>
-            <a:pPr lvl="1"/>
-            <a:endParaRPr lang="en-US" dirty="0"/>
-          </a:p>
-          <a:p>
-            <a:pPr lvl="1"/>
-            <a:endParaRPr lang="en-US" dirty="0"/>
+              <a:t>Single example in the Context Window</a:t>
+            </a:r>
+            <a:endParaRPr lang="en-IN" dirty="0"/>
           </a:p>
           <a:p>
             <a:endParaRPr lang="en-IN" dirty="0"/>
@@ -3816,7 +3840,7 @@
     </p:spTree>
     <p:extLst>
       <p:ext uri="{BB962C8B-B14F-4D97-AF65-F5344CB8AC3E}">
-        <p14:creationId xmlns:p14="http://schemas.microsoft.com/office/powerpoint/2010/main" val="4245410906"/>
+        <p14:creationId xmlns:p14="http://schemas.microsoft.com/office/powerpoint/2010/main" val="936706833"/>
       </p:ext>
     </p:extLst>
   </p:cSld>
@@ -3867,7 +3891,7 @@
             <a:pPr algn="ctr"/>
             <a:r>
               <a:rPr lang="en-US" dirty="0"/>
-              <a:t>Inference Parameters</a:t>
+              <a:t>Few Shot Inference</a:t>
             </a:r>
             <a:endParaRPr lang="en-IN" dirty="0"/>
           </a:p>
@@ -3891,54 +3915,20 @@
         </p:nvSpPr>
         <p:spPr/>
         <p:txBody>
-          <a:bodyPr>
-            <a:normAutofit/>
-          </a:bodyPr>
-          <a:lstStyle/>
-          <a:p>
-            <a:r>
-              <a:rPr lang="en-US" dirty="0"/>
-              <a:t>Maximum new tokens</a:t>
-            </a:r>
-          </a:p>
-          <a:p>
-            <a:pPr lvl="1"/>
-            <a:r>
-              <a:rPr lang="en-US" dirty="0"/>
-              <a:t>Maximum tokens generated by model</a:t>
-            </a:r>
-          </a:p>
-          <a:p>
-            <a:r>
-              <a:rPr lang="en-US" dirty="0"/>
-              <a:t>Sample top K</a:t>
-            </a:r>
-          </a:p>
-          <a:p>
-            <a:pPr lvl="1"/>
-            <a:r>
-              <a:rPr lang="en-US" dirty="0"/>
-              <a:t>Top K samples</a:t>
-            </a:r>
-          </a:p>
-          <a:p>
-            <a:r>
-              <a:rPr lang="en-US" dirty="0"/>
-              <a:t>Sample top P</a:t>
-            </a:r>
-          </a:p>
-          <a:p>
-            <a:pPr lvl="1"/>
-            <a:r>
-              <a:rPr lang="en-US" dirty="0"/>
-              <a:t>Top samples within cumulative probability P</a:t>
-            </a:r>
-          </a:p>
-          <a:p>
-            <a:r>
-              <a:rPr lang="en-US" dirty="0"/>
-              <a:t>Temperature </a:t>
-            </a:r>
+          <a:bodyPr/>
+          <a:lstStyle/>
+          <a:p>
+            <a:r>
+              <a:rPr lang="en-US" dirty="0"/>
+              <a:t>More than one examples in the Context Window</a:t>
+            </a:r>
+          </a:p>
+          <a:p>
+            <a:r>
+              <a:rPr lang="en-US" dirty="0"/>
+              <a:t>Less than five examples </a:t>
+            </a:r>
+            <a:endParaRPr lang="en-IN" dirty="0"/>
           </a:p>
           <a:p>
             <a:endParaRPr lang="en-IN" dirty="0"/>
@@ -3948,7 +3938,7 @@
     </p:spTree>
     <p:extLst>
       <p:ext uri="{BB962C8B-B14F-4D97-AF65-F5344CB8AC3E}">
-        <p14:creationId xmlns:p14="http://schemas.microsoft.com/office/powerpoint/2010/main" val="4204228726"/>
+        <p14:creationId xmlns:p14="http://schemas.microsoft.com/office/powerpoint/2010/main" val="232167889"/>
       </p:ext>
     </p:extLst>
   </p:cSld>
@@ -3999,7 +3989,7 @@
             <a:pPr algn="ctr"/>
             <a:r>
               <a:rPr lang="en-US" dirty="0"/>
-              <a:t>Temperature</a:t>
+              <a:t>Greedy v/s Random Sampling</a:t>
             </a:r>
             <a:endParaRPr lang="en-IN" dirty="0"/>
           </a:p>
@@ -4023,75 +4013,76 @@
         </p:nvSpPr>
         <p:spPr/>
         <p:txBody>
-          <a:bodyPr>
-            <a:normAutofit lnSpcReduction="10000"/>
-          </a:bodyPr>
-          <a:lstStyle/>
-          <a:p>
-            <a:r>
-              <a:rPr lang="en-US" dirty="0"/>
-              <a:t>Shape of probability distribution function</a:t>
-            </a:r>
-          </a:p>
-          <a:p>
-            <a:r>
-              <a:rPr lang="en-US" dirty="0"/>
-              <a:t>Scale factor for probability distribution function </a:t>
-            </a:r>
-          </a:p>
-          <a:p>
-            <a:r>
-              <a:rPr lang="en-US" dirty="0"/>
-              <a:t>High temperature </a:t>
+          <a:bodyPr/>
+          <a:lstStyle/>
+          <a:p>
+            <a:r>
+              <a:rPr lang="en-US" dirty="0"/>
+              <a:t> Greedy Sampling</a:t>
             </a:r>
           </a:p>
           <a:p>
             <a:pPr lvl="1"/>
             <a:r>
               <a:rPr lang="en-US" dirty="0"/>
-              <a:t>Temperature &gt; 1</a:t>
+              <a:t>Select word with the highest probability</a:t>
             </a:r>
           </a:p>
           <a:p>
             <a:pPr lvl="1"/>
             <a:r>
               <a:rPr lang="en-US" dirty="0"/>
-              <a:t>Broader or flatter probability distribution function </a:t>
+              <a:t>Good for short generation</a:t>
             </a:r>
           </a:p>
           <a:p>
             <a:pPr lvl="1"/>
             <a:r>
               <a:rPr lang="en-US" dirty="0"/>
-              <a:t>Higher randomness</a:t>
-            </a:r>
-          </a:p>
-          <a:p>
-            <a:r>
-              <a:rPr lang="en-US" dirty="0"/>
-              <a:t>Low temperature </a:t>
+              <a:t>Repeat words</a:t>
             </a:r>
           </a:p>
           <a:p>
             <a:pPr lvl="1"/>
             <a:r>
               <a:rPr lang="en-US" dirty="0"/>
-              <a:t>Temperature &lt; 1</a:t>
+              <a:t>Repeat sequence of words</a:t>
+            </a:r>
+          </a:p>
+          <a:p>
+            <a:r>
+              <a:rPr lang="en-US" dirty="0"/>
+              <a:t>Random Sampling</a:t>
             </a:r>
           </a:p>
           <a:p>
             <a:pPr lvl="1"/>
             <a:r>
               <a:rPr lang="en-US" dirty="0"/>
-              <a:t>Strongly peaked probability distribution function </a:t>
+              <a:t>More natural</a:t>
             </a:r>
           </a:p>
           <a:p>
             <a:pPr lvl="1"/>
             <a:r>
               <a:rPr lang="en-US" dirty="0"/>
-              <a:t>Lower randomness</a:t>
-            </a:r>
+              <a:t>More creative</a:t>
+            </a:r>
+          </a:p>
+          <a:p>
+            <a:pPr lvl="1"/>
+            <a:r>
+              <a:rPr lang="en-US" dirty="0"/>
+              <a:t>Avoid repeated words or sequence of words</a:t>
+            </a:r>
+          </a:p>
+          <a:p>
+            <a:pPr lvl="1"/>
+            <a:endParaRPr lang="en-US" dirty="0"/>
+          </a:p>
+          <a:p>
+            <a:pPr lvl="1"/>
+            <a:endParaRPr lang="en-US" dirty="0"/>
           </a:p>
           <a:p>
             <a:endParaRPr lang="en-IN" dirty="0"/>
@@ -4101,7 +4092,7 @@
     </p:spTree>
     <p:extLst>
       <p:ext uri="{BB962C8B-B14F-4D97-AF65-F5344CB8AC3E}">
-        <p14:creationId xmlns:p14="http://schemas.microsoft.com/office/powerpoint/2010/main" val="3880538960"/>
+        <p14:creationId xmlns:p14="http://schemas.microsoft.com/office/powerpoint/2010/main" val="4245410906"/>
       </p:ext>
     </p:extLst>
   </p:cSld>
@@ -4152,7 +4143,7 @@
             <a:pPr algn="ctr"/>
             <a:r>
               <a:rPr lang="en-US" dirty="0"/>
-              <a:t>Instruction Fine Tuning</a:t>
+              <a:t>Inference Parameters</a:t>
             </a:r>
             <a:endParaRPr lang="en-IN" dirty="0"/>
           </a:p>
@@ -4176,8 +4167,55 @@
         </p:nvSpPr>
         <p:spPr/>
         <p:txBody>
-          <a:bodyPr/>
-          <a:lstStyle/>
+          <a:bodyPr>
+            <a:normAutofit/>
+          </a:bodyPr>
+          <a:lstStyle/>
+          <a:p>
+            <a:r>
+              <a:rPr lang="en-US" dirty="0"/>
+              <a:t>Maximum new tokens</a:t>
+            </a:r>
+          </a:p>
+          <a:p>
+            <a:pPr lvl="1"/>
+            <a:r>
+              <a:rPr lang="en-US" dirty="0"/>
+              <a:t>Maximum tokens generated by model</a:t>
+            </a:r>
+          </a:p>
+          <a:p>
+            <a:r>
+              <a:rPr lang="en-US" dirty="0"/>
+              <a:t>Sample top K</a:t>
+            </a:r>
+          </a:p>
+          <a:p>
+            <a:pPr lvl="1"/>
+            <a:r>
+              <a:rPr lang="en-US" dirty="0"/>
+              <a:t>Top K samples</a:t>
+            </a:r>
+          </a:p>
+          <a:p>
+            <a:r>
+              <a:rPr lang="en-US" dirty="0"/>
+              <a:t>Sample top P</a:t>
+            </a:r>
+          </a:p>
+          <a:p>
+            <a:pPr lvl="1"/>
+            <a:r>
+              <a:rPr lang="en-US" dirty="0"/>
+              <a:t>Top samples within cumulative probability P</a:t>
+            </a:r>
+          </a:p>
+          <a:p>
+            <a:r>
+              <a:rPr lang="en-US" dirty="0"/>
+              <a:t>Temperature </a:t>
+            </a:r>
+          </a:p>
           <a:p>
             <a:endParaRPr lang="en-IN" dirty="0"/>
           </a:p>
@@ -4186,7 +4224,7 @@
     </p:spTree>
     <p:extLst>
       <p:ext uri="{BB962C8B-B14F-4D97-AF65-F5344CB8AC3E}">
-        <p14:creationId xmlns:p14="http://schemas.microsoft.com/office/powerpoint/2010/main" val="2666789716"/>
+        <p14:creationId xmlns:p14="http://schemas.microsoft.com/office/powerpoint/2010/main" val="4204228726"/>
       </p:ext>
     </p:extLst>
   </p:cSld>
@@ -4291,6 +4329,12 @@
             <a:r>
               <a:rPr lang="en-US" dirty="0"/>
               <a:t>In Context Learning</a:t>
+            </a:r>
+          </a:p>
+          <a:p>
+            <a:r>
+              <a:rPr lang="en-US" dirty="0"/>
+              <a:t>LLM Pre-training</a:t>
             </a:r>
           </a:p>
           <a:p>
@@ -4368,7 +4412,7 @@
             <a:pPr algn="ctr"/>
             <a:r>
               <a:rPr lang="en-US" dirty="0"/>
-              <a:t>Parameter Efficient Fine Tuning</a:t>
+              <a:t>Temperature</a:t>
             </a:r>
             <a:endParaRPr lang="en-IN" dirty="0"/>
           </a:p>
@@ -4392,12 +4436,74 @@
         </p:nvSpPr>
         <p:spPr/>
         <p:txBody>
-          <a:bodyPr/>
-          <a:lstStyle/>
-          <a:p>
-            <a:r>
-              <a:rPr lang="en-US" dirty="0"/>
-              <a:t>PEFT – Parameter Efficient Fine Tuning</a:t>
+          <a:bodyPr>
+            <a:normAutofit lnSpcReduction="10000"/>
+          </a:bodyPr>
+          <a:lstStyle/>
+          <a:p>
+            <a:r>
+              <a:rPr lang="en-US" dirty="0"/>
+              <a:t>Shape of probability distribution function</a:t>
+            </a:r>
+          </a:p>
+          <a:p>
+            <a:r>
+              <a:rPr lang="en-US" dirty="0"/>
+              <a:t>Scale factor for probability distribution function </a:t>
+            </a:r>
+          </a:p>
+          <a:p>
+            <a:r>
+              <a:rPr lang="en-US" dirty="0"/>
+              <a:t>High temperature </a:t>
+            </a:r>
+          </a:p>
+          <a:p>
+            <a:pPr lvl="1"/>
+            <a:r>
+              <a:rPr lang="en-US" dirty="0"/>
+              <a:t>Temperature &gt; 1</a:t>
+            </a:r>
+          </a:p>
+          <a:p>
+            <a:pPr lvl="1"/>
+            <a:r>
+              <a:rPr lang="en-US" dirty="0"/>
+              <a:t>Broader or flatter probability distribution function </a:t>
+            </a:r>
+          </a:p>
+          <a:p>
+            <a:pPr lvl="1"/>
+            <a:r>
+              <a:rPr lang="en-US" dirty="0"/>
+              <a:t>Higher randomness</a:t>
+            </a:r>
+          </a:p>
+          <a:p>
+            <a:r>
+              <a:rPr lang="en-US" dirty="0"/>
+              <a:t>Low temperature </a:t>
+            </a:r>
+          </a:p>
+          <a:p>
+            <a:pPr lvl="1"/>
+            <a:r>
+              <a:rPr lang="en-US" dirty="0"/>
+              <a:t>Temperature &lt; 1</a:t>
+            </a:r>
+          </a:p>
+          <a:p>
+            <a:pPr lvl="1"/>
+            <a:r>
+              <a:rPr lang="en-US" dirty="0"/>
+              <a:t>Strongly peaked probability distribution function </a:t>
+            </a:r>
+          </a:p>
+          <a:p>
+            <a:pPr lvl="1"/>
+            <a:r>
+              <a:rPr lang="en-US" dirty="0"/>
+              <a:t>Lower randomness</a:t>
             </a:r>
           </a:p>
           <a:p>
@@ -4408,7 +4514,7 @@
     </p:spTree>
     <p:extLst>
       <p:ext uri="{BB962C8B-B14F-4D97-AF65-F5344CB8AC3E}">
-        <p14:creationId xmlns:p14="http://schemas.microsoft.com/office/powerpoint/2010/main" val="2230455582"/>
+        <p14:creationId xmlns:p14="http://schemas.microsoft.com/office/powerpoint/2010/main" val="3880538960"/>
       </p:ext>
     </p:extLst>
   </p:cSld>
@@ -4440,6 +4546,182 @@
           <p:cNvPr id="2" name="Title 1">
             <a:extLst>
               <a:ext uri="{FF2B5EF4-FFF2-40B4-BE49-F238E27FC236}">
+                <a16:creationId xmlns:a16="http://schemas.microsoft.com/office/drawing/2014/main" id="{49307CA3-D7F1-C65A-D158-B0049203C65E}"/>
+              </a:ext>
+            </a:extLst>
+          </p:cNvPr>
+          <p:cNvSpPr>
+            <a:spLocks noGrp="1"/>
+          </p:cNvSpPr>
+          <p:nvPr>
+            <p:ph type="title"/>
+          </p:nvPr>
+        </p:nvSpPr>
+        <p:spPr/>
+        <p:txBody>
+          <a:bodyPr/>
+          <a:lstStyle/>
+          <a:p>
+            <a:pPr algn="ctr"/>
+            <a:r>
+              <a:rPr lang="en-US" dirty="0"/>
+              <a:t>Instruction Fine Tuning</a:t>
+            </a:r>
+            <a:endParaRPr lang="en-IN" dirty="0"/>
+          </a:p>
+        </p:txBody>
+      </p:sp>
+      <p:sp>
+        <p:nvSpPr>
+          <p:cNvPr id="3" name="Content Placeholder 2">
+            <a:extLst>
+              <a:ext uri="{FF2B5EF4-FFF2-40B4-BE49-F238E27FC236}">
+                <a16:creationId xmlns:a16="http://schemas.microsoft.com/office/drawing/2014/main" id="{370418D3-FFCC-9690-B262-C1FBDD1D7650}"/>
+              </a:ext>
+            </a:extLst>
+          </p:cNvPr>
+          <p:cNvSpPr>
+            <a:spLocks noGrp="1"/>
+          </p:cNvSpPr>
+          <p:nvPr>
+            <p:ph idx="1"/>
+          </p:nvPr>
+        </p:nvSpPr>
+        <p:spPr/>
+        <p:txBody>
+          <a:bodyPr/>
+          <a:lstStyle/>
+          <a:p>
+            <a:endParaRPr lang="en-IN" dirty="0"/>
+          </a:p>
+        </p:txBody>
+      </p:sp>
+    </p:spTree>
+    <p:extLst>
+      <p:ext uri="{BB962C8B-B14F-4D97-AF65-F5344CB8AC3E}">
+        <p14:creationId xmlns:p14="http://schemas.microsoft.com/office/powerpoint/2010/main" val="2666789716"/>
+      </p:ext>
+    </p:extLst>
+  </p:cSld>
+  <p:clrMapOvr>
+    <a:masterClrMapping/>
+  </p:clrMapOvr>
+</p:sld>
+</file>
+
+<file path=ppt/slides/slide22.xml><?xml version="1.0" encoding="utf-8"?>
+<p:sld xmlns:a="http://schemas.openxmlformats.org/drawingml/2006/main" xmlns:r="http://schemas.openxmlformats.org/officeDocument/2006/relationships" xmlns:p="http://schemas.openxmlformats.org/presentationml/2006/main">
+  <p:cSld>
+    <p:spTree>
+      <p:nvGrpSpPr>
+        <p:cNvPr id="1" name=""/>
+        <p:cNvGrpSpPr/>
+        <p:nvPr/>
+      </p:nvGrpSpPr>
+      <p:grpSpPr>
+        <a:xfrm>
+          <a:off x="0" y="0"/>
+          <a:ext cx="0" cy="0"/>
+          <a:chOff x="0" y="0"/>
+          <a:chExt cx="0" cy="0"/>
+        </a:xfrm>
+      </p:grpSpPr>
+      <p:sp>
+        <p:nvSpPr>
+          <p:cNvPr id="2" name="Title 1">
+            <a:extLst>
+              <a:ext uri="{FF2B5EF4-FFF2-40B4-BE49-F238E27FC236}">
+                <a16:creationId xmlns:a16="http://schemas.microsoft.com/office/drawing/2014/main" id="{49307CA3-D7F1-C65A-D158-B0049203C65E}"/>
+              </a:ext>
+            </a:extLst>
+          </p:cNvPr>
+          <p:cNvSpPr>
+            <a:spLocks noGrp="1"/>
+          </p:cNvSpPr>
+          <p:nvPr>
+            <p:ph type="title"/>
+          </p:nvPr>
+        </p:nvSpPr>
+        <p:spPr/>
+        <p:txBody>
+          <a:bodyPr/>
+          <a:lstStyle/>
+          <a:p>
+            <a:pPr algn="ctr"/>
+            <a:r>
+              <a:rPr lang="en-US" dirty="0"/>
+              <a:t>Parameter Efficient Fine Tuning</a:t>
+            </a:r>
+            <a:endParaRPr lang="en-IN" dirty="0"/>
+          </a:p>
+        </p:txBody>
+      </p:sp>
+      <p:sp>
+        <p:nvSpPr>
+          <p:cNvPr id="3" name="Content Placeholder 2">
+            <a:extLst>
+              <a:ext uri="{FF2B5EF4-FFF2-40B4-BE49-F238E27FC236}">
+                <a16:creationId xmlns:a16="http://schemas.microsoft.com/office/drawing/2014/main" id="{370418D3-FFCC-9690-B262-C1FBDD1D7650}"/>
+              </a:ext>
+            </a:extLst>
+          </p:cNvPr>
+          <p:cNvSpPr>
+            <a:spLocks noGrp="1"/>
+          </p:cNvSpPr>
+          <p:nvPr>
+            <p:ph idx="1"/>
+          </p:nvPr>
+        </p:nvSpPr>
+        <p:spPr/>
+        <p:txBody>
+          <a:bodyPr/>
+          <a:lstStyle/>
+          <a:p>
+            <a:r>
+              <a:rPr lang="en-US" dirty="0"/>
+              <a:t>PEFT – Parameter Efficient Fine Tuning</a:t>
+            </a:r>
+          </a:p>
+          <a:p>
+            <a:endParaRPr lang="en-IN" dirty="0"/>
+          </a:p>
+        </p:txBody>
+      </p:sp>
+    </p:spTree>
+    <p:extLst>
+      <p:ext uri="{BB962C8B-B14F-4D97-AF65-F5344CB8AC3E}">
+        <p14:creationId xmlns:p14="http://schemas.microsoft.com/office/powerpoint/2010/main" val="2230455582"/>
+      </p:ext>
+    </p:extLst>
+  </p:cSld>
+  <p:clrMapOvr>
+    <a:masterClrMapping/>
+  </p:clrMapOvr>
+</p:sld>
+</file>
+
+<file path=ppt/slides/slide23.xml><?xml version="1.0" encoding="utf-8"?>
+<p:sld xmlns:a="http://schemas.openxmlformats.org/drawingml/2006/main" xmlns:r="http://schemas.openxmlformats.org/officeDocument/2006/relationships" xmlns:p="http://schemas.openxmlformats.org/presentationml/2006/main">
+  <p:cSld>
+    <p:spTree>
+      <p:nvGrpSpPr>
+        <p:cNvPr id="1" name=""/>
+        <p:cNvGrpSpPr/>
+        <p:nvPr/>
+      </p:nvGrpSpPr>
+      <p:grpSpPr>
+        <a:xfrm>
+          <a:off x="0" y="0"/>
+          <a:ext cx="0" cy="0"/>
+          <a:chOff x="0" y="0"/>
+          <a:chExt cx="0" cy="0"/>
+        </a:xfrm>
+      </p:grpSpPr>
+      <p:sp>
+        <p:nvSpPr>
+          <p:cNvPr id="2" name="Title 1">
+            <a:extLst>
+              <a:ext uri="{FF2B5EF4-FFF2-40B4-BE49-F238E27FC236}">
                 <a16:creationId xmlns:a16="http://schemas.microsoft.com/office/drawing/2014/main" id="{B440959B-5257-9D91-3B61-5C46F1F96D6B}"/>
               </a:ext>
             </a:extLst>
@@ -4503,7 +4785,7 @@
 </p:sld>
 </file>
 
-<file path=ppt/slides/slide22.xml><?xml version="1.0" encoding="utf-8"?>
+<file path=ppt/slides/slide24.xml><?xml version="1.0" encoding="utf-8"?>
 <p:sld xmlns:a="http://schemas.openxmlformats.org/drawingml/2006/main" xmlns:r="http://schemas.openxmlformats.org/officeDocument/2006/relationships" xmlns:p="http://schemas.openxmlformats.org/presentationml/2006/main">
   <p:cSld>
     <p:spTree>
@@ -5209,7 +5491,13 @@
           <a:bodyPr/>
           <a:lstStyle/>
           <a:p>
-            <a:endParaRPr lang="en-IN"/>
+            <a:r>
+              <a:rPr lang="en-US" dirty="0"/>
+              <a:t>Pre-trained model</a:t>
+            </a:r>
+          </a:p>
+          <a:p>
+            <a:endParaRPr lang="en-IN" dirty="0"/>
           </a:p>
         </p:txBody>
       </p:sp>

--- a/Presentations/LargeLanguageModels.pptx
+++ b/Presentations/LargeLanguageModels.pptx
@@ -17,18 +17,20 @@
     <p:sldId id="295" r:id="rId11"/>
     <p:sldId id="296" r:id="rId12"/>
     <p:sldId id="297" r:id="rId13"/>
-    <p:sldId id="278" r:id="rId14"/>
-    <p:sldId id="279" r:id="rId15"/>
-    <p:sldId id="284" r:id="rId16"/>
-    <p:sldId id="285" r:id="rId17"/>
-    <p:sldId id="286" r:id="rId18"/>
-    <p:sldId id="280" r:id="rId19"/>
-    <p:sldId id="288" r:id="rId20"/>
-    <p:sldId id="289" r:id="rId21"/>
-    <p:sldId id="287" r:id="rId22"/>
-    <p:sldId id="281" r:id="rId23"/>
-    <p:sldId id="277" r:id="rId24"/>
-    <p:sldId id="263" r:id="rId25"/>
+    <p:sldId id="298" r:id="rId14"/>
+    <p:sldId id="299" r:id="rId15"/>
+    <p:sldId id="278" r:id="rId16"/>
+    <p:sldId id="279" r:id="rId17"/>
+    <p:sldId id="284" r:id="rId18"/>
+    <p:sldId id="285" r:id="rId19"/>
+    <p:sldId id="286" r:id="rId20"/>
+    <p:sldId id="280" r:id="rId21"/>
+    <p:sldId id="288" r:id="rId22"/>
+    <p:sldId id="289" r:id="rId23"/>
+    <p:sldId id="287" r:id="rId24"/>
+    <p:sldId id="281" r:id="rId25"/>
+    <p:sldId id="277" r:id="rId26"/>
+    <p:sldId id="263" r:id="rId27"/>
   </p:sldIdLst>
   <p:sldSz cx="9144000" cy="6858000" type="screen4x3"/>
   <p:notesSz cx="6858000" cy="9144000"/>
@@ -3482,7 +3484,7 @@
             <a:pPr algn="ctr"/>
             <a:r>
               <a:rPr lang="en-US" dirty="0"/>
-              <a:t>Prompt Engineering</a:t>
+              <a:t>Memory – LLM Training</a:t>
             </a:r>
             <a:endParaRPr lang="en-IN" dirty="0"/>
           </a:p>
@@ -3506,39 +3508,83 @@
         </p:nvSpPr>
         <p:spPr/>
         <p:txBody>
-          <a:bodyPr/>
-          <a:lstStyle/>
-          <a:p>
-            <a:r>
-              <a:rPr lang="en-US" dirty="0"/>
-              <a:t>Prompt</a:t>
-            </a:r>
-          </a:p>
-          <a:p>
-            <a:r>
-              <a:rPr lang="en-US" dirty="0"/>
-              <a:t>Context window</a:t>
-            </a:r>
-          </a:p>
-          <a:p>
-            <a:r>
-              <a:rPr lang="en-US" dirty="0"/>
-              <a:t>Large Language Model</a:t>
-            </a:r>
-          </a:p>
-          <a:p>
-            <a:r>
-              <a:rPr lang="en-US" dirty="0"/>
-              <a:t>Inference</a:t>
-            </a:r>
-          </a:p>
-          <a:p>
-            <a:r>
-              <a:rPr lang="en-US" dirty="0"/>
-              <a:t>Completion</a:t>
-            </a:r>
-          </a:p>
-          <a:p>
+          <a:bodyPr>
+            <a:normAutofit fontScale="92500" lnSpcReduction="10000"/>
+          </a:bodyPr>
+          <a:lstStyle/>
+          <a:p>
+            <a:r>
+              <a:rPr lang="en-US" dirty="0"/>
+              <a:t>32 bit float – Full precision</a:t>
+            </a:r>
+          </a:p>
+          <a:p>
+            <a:r>
+              <a:rPr lang="en-US" dirty="0"/>
+              <a:t>Model parameters</a:t>
+            </a:r>
+          </a:p>
+          <a:p>
+            <a:pPr lvl="1"/>
+            <a:r>
+              <a:rPr lang="en-IN" dirty="0"/>
+              <a:t>4 bytes per parameter</a:t>
+            </a:r>
+          </a:p>
+          <a:p>
+            <a:r>
+              <a:rPr lang="en-IN" dirty="0"/>
+              <a:t>Optimizer</a:t>
+            </a:r>
+          </a:p>
+          <a:p>
+            <a:pPr lvl="1"/>
+            <a:r>
+              <a:rPr lang="en-IN" dirty="0"/>
+              <a:t>8 bytes per parameter (2 states)</a:t>
+            </a:r>
+          </a:p>
+          <a:p>
+            <a:r>
+              <a:rPr lang="en-IN" dirty="0"/>
+              <a:t>Gradients</a:t>
+            </a:r>
+          </a:p>
+          <a:p>
+            <a:pPr lvl="1"/>
+            <a:r>
+              <a:rPr lang="en-IN" dirty="0"/>
+              <a:t>4 bytes per parameter</a:t>
+            </a:r>
+          </a:p>
+          <a:p>
+            <a:r>
+              <a:rPr lang="en-IN" dirty="0"/>
+              <a:t>Activations </a:t>
+            </a:r>
+          </a:p>
+          <a:p>
+            <a:pPr lvl="1"/>
+            <a:r>
+              <a:rPr lang="en-IN" dirty="0"/>
+              <a:t>4 bytes per parameter</a:t>
+            </a:r>
+          </a:p>
+          <a:p>
+            <a:r>
+              <a:rPr lang="en-IN" dirty="0"/>
+              <a:t>Temporary Variables</a:t>
+            </a:r>
+          </a:p>
+          <a:p>
+            <a:pPr lvl="1"/>
+            <a:r>
+              <a:rPr lang="en-IN" dirty="0"/>
+              <a:t>4 bytes per parameter</a:t>
+            </a:r>
+          </a:p>
+          <a:p>
+            <a:pPr lvl="1"/>
             <a:endParaRPr lang="en-IN" dirty="0"/>
           </a:p>
         </p:txBody>
@@ -3546,7 +3592,7 @@
     </p:spTree>
     <p:extLst>
       <p:ext uri="{BB962C8B-B14F-4D97-AF65-F5344CB8AC3E}">
-        <p14:creationId xmlns:p14="http://schemas.microsoft.com/office/powerpoint/2010/main" val="1158719382"/>
+        <p14:creationId xmlns:p14="http://schemas.microsoft.com/office/powerpoint/2010/main" val="2916658807"/>
       </p:ext>
     </p:extLst>
   </p:cSld>
@@ -3597,7 +3643,7 @@
             <a:pPr algn="ctr"/>
             <a:r>
               <a:rPr lang="en-US" dirty="0"/>
-              <a:t>In Context Learning</a:t>
+              <a:t>Memory – LLM  Training</a:t>
             </a:r>
             <a:endParaRPr lang="en-IN" dirty="0"/>
           </a:p>
@@ -3621,37 +3667,45 @@
         </p:nvSpPr>
         <p:spPr/>
         <p:txBody>
-          <a:bodyPr/>
-          <a:lstStyle/>
-          <a:p>
-            <a:r>
-              <a:rPr lang="en-US" dirty="0"/>
-              <a:t>Context window</a:t>
-            </a:r>
-          </a:p>
-          <a:p>
-            <a:r>
-              <a:rPr lang="en-US" dirty="0"/>
-              <a:t>Task example/s within the Context window</a:t>
-            </a:r>
-          </a:p>
-          <a:p>
-            <a:r>
-              <a:rPr lang="en-US" dirty="0"/>
-              <a:t>Zero shot inference</a:t>
-            </a:r>
-          </a:p>
-          <a:p>
-            <a:r>
-              <a:rPr lang="en-US" dirty="0"/>
-              <a:t>One shot inference</a:t>
-            </a:r>
-          </a:p>
-          <a:p>
-            <a:r>
-              <a:rPr lang="en-US" dirty="0"/>
-              <a:t>Few shot inference</a:t>
-            </a:r>
+          <a:bodyPr>
+            <a:normAutofit/>
+          </a:bodyPr>
+          <a:lstStyle/>
+          <a:p>
+            <a:r>
+              <a:rPr lang="en-US" dirty="0"/>
+              <a:t>Store LLM</a:t>
+            </a:r>
+          </a:p>
+          <a:p>
+            <a:pPr lvl="1"/>
+            <a:r>
+              <a:rPr lang="en-IN" dirty="0"/>
+              <a:t>4 GB memory (1B parameters @ full precision)</a:t>
+            </a:r>
+          </a:p>
+          <a:p>
+            <a:r>
+              <a:rPr lang="en-IN" dirty="0"/>
+              <a:t>Train LLM</a:t>
+            </a:r>
+          </a:p>
+          <a:p>
+            <a:pPr lvl="1"/>
+            <a:r>
+              <a:rPr lang="en-IN" dirty="0"/>
+              <a:t>24 GB memory (1B parameters @ full precision)</a:t>
+            </a:r>
+          </a:p>
+          <a:p>
+            <a:pPr lvl="1"/>
+            <a:r>
+              <a:rPr lang="en-IN" dirty="0"/>
+              <a:t>6 times memory required to store LLM</a:t>
+            </a:r>
+          </a:p>
+          <a:p>
+            <a:pPr lvl="1"/>
             <a:endParaRPr lang="en-IN" dirty="0"/>
           </a:p>
         </p:txBody>
@@ -3659,7 +3713,7 @@
     </p:spTree>
     <p:extLst>
       <p:ext uri="{BB962C8B-B14F-4D97-AF65-F5344CB8AC3E}">
-        <p14:creationId xmlns:p14="http://schemas.microsoft.com/office/powerpoint/2010/main" val="4274027739"/>
+        <p14:creationId xmlns:p14="http://schemas.microsoft.com/office/powerpoint/2010/main" val="327470344"/>
       </p:ext>
     </p:extLst>
   </p:cSld>
@@ -3710,7 +3764,7 @@
             <a:pPr algn="ctr"/>
             <a:r>
               <a:rPr lang="en-US" dirty="0"/>
-              <a:t>Zero Shot Inference</a:t>
+              <a:t>Prompt Engineering</a:t>
             </a:r>
             <a:endParaRPr lang="en-IN" dirty="0"/>
           </a:p>
@@ -3739,8 +3793,34 @@
           <a:p>
             <a:r>
               <a:rPr lang="en-US" dirty="0"/>
-              <a:t>No example in the Context Window</a:t>
-            </a:r>
+              <a:t>Prompt</a:t>
+            </a:r>
+          </a:p>
+          <a:p>
+            <a:r>
+              <a:rPr lang="en-US" dirty="0"/>
+              <a:t>Context window</a:t>
+            </a:r>
+          </a:p>
+          <a:p>
+            <a:r>
+              <a:rPr lang="en-US" dirty="0"/>
+              <a:t>Large Language Model</a:t>
+            </a:r>
+          </a:p>
+          <a:p>
+            <a:r>
+              <a:rPr lang="en-US" dirty="0"/>
+              <a:t>Inference</a:t>
+            </a:r>
+          </a:p>
+          <a:p>
+            <a:r>
+              <a:rPr lang="en-US" dirty="0"/>
+              <a:t>Completion</a:t>
+            </a:r>
+          </a:p>
+          <a:p>
             <a:endParaRPr lang="en-IN" dirty="0"/>
           </a:p>
         </p:txBody>
@@ -3748,7 +3828,7 @@
     </p:spTree>
     <p:extLst>
       <p:ext uri="{BB962C8B-B14F-4D97-AF65-F5344CB8AC3E}">
-        <p14:creationId xmlns:p14="http://schemas.microsoft.com/office/powerpoint/2010/main" val="2478694612"/>
+        <p14:creationId xmlns:p14="http://schemas.microsoft.com/office/powerpoint/2010/main" val="1158719382"/>
       </p:ext>
     </p:extLst>
   </p:cSld>
@@ -3799,7 +3879,7 @@
             <a:pPr algn="ctr"/>
             <a:r>
               <a:rPr lang="en-US" dirty="0"/>
-              <a:t>One Shot Inference</a:t>
+              <a:t>In Context Learning</a:t>
             </a:r>
             <a:endParaRPr lang="en-IN" dirty="0"/>
           </a:p>
@@ -3828,11 +3908,32 @@
           <a:p>
             <a:r>
               <a:rPr lang="en-US" dirty="0"/>
-              <a:t>Single example in the Context Window</a:t>
-            </a:r>
-            <a:endParaRPr lang="en-IN" dirty="0"/>
-          </a:p>
-          <a:p>
+              <a:t>Context window</a:t>
+            </a:r>
+          </a:p>
+          <a:p>
+            <a:r>
+              <a:rPr lang="en-US" dirty="0"/>
+              <a:t>Task example/s within the Context window</a:t>
+            </a:r>
+          </a:p>
+          <a:p>
+            <a:r>
+              <a:rPr lang="en-US" dirty="0"/>
+              <a:t>Zero shot inference</a:t>
+            </a:r>
+          </a:p>
+          <a:p>
+            <a:r>
+              <a:rPr lang="en-US" dirty="0"/>
+              <a:t>One shot inference</a:t>
+            </a:r>
+          </a:p>
+          <a:p>
+            <a:r>
+              <a:rPr lang="en-US" dirty="0"/>
+              <a:t>Few shot inference</a:t>
+            </a:r>
             <a:endParaRPr lang="en-IN" dirty="0"/>
           </a:p>
         </p:txBody>
@@ -3840,7 +3941,7 @@
     </p:spTree>
     <p:extLst>
       <p:ext uri="{BB962C8B-B14F-4D97-AF65-F5344CB8AC3E}">
-        <p14:creationId xmlns:p14="http://schemas.microsoft.com/office/powerpoint/2010/main" val="936706833"/>
+        <p14:creationId xmlns:p14="http://schemas.microsoft.com/office/powerpoint/2010/main" val="4274027739"/>
       </p:ext>
     </p:extLst>
   </p:cSld>
@@ -3891,7 +3992,7 @@
             <a:pPr algn="ctr"/>
             <a:r>
               <a:rPr lang="en-US" dirty="0"/>
-              <a:t>Few Shot Inference</a:t>
+              <a:t>Zero Shot Inference</a:t>
             </a:r>
             <a:endParaRPr lang="en-IN" dirty="0"/>
           </a:p>
@@ -3920,17 +4021,8 @@
           <a:p>
             <a:r>
               <a:rPr lang="en-US" dirty="0"/>
-              <a:t>More than one examples in the Context Window</a:t>
-            </a:r>
-          </a:p>
-          <a:p>
-            <a:r>
-              <a:rPr lang="en-US" dirty="0"/>
-              <a:t>Less than five examples </a:t>
-            </a:r>
-            <a:endParaRPr lang="en-IN" dirty="0"/>
-          </a:p>
-          <a:p>
+              <a:t>No example in the Context Window</a:t>
+            </a:r>
             <a:endParaRPr lang="en-IN" dirty="0"/>
           </a:p>
         </p:txBody>
@@ -3938,7 +4030,7 @@
     </p:spTree>
     <p:extLst>
       <p:ext uri="{BB962C8B-B14F-4D97-AF65-F5344CB8AC3E}">
-        <p14:creationId xmlns:p14="http://schemas.microsoft.com/office/powerpoint/2010/main" val="232167889"/>
+        <p14:creationId xmlns:p14="http://schemas.microsoft.com/office/powerpoint/2010/main" val="2478694612"/>
       </p:ext>
     </p:extLst>
   </p:cSld>
@@ -3989,7 +4081,7 @@
             <a:pPr algn="ctr"/>
             <a:r>
               <a:rPr lang="en-US" dirty="0"/>
-              <a:t>Greedy v/s Random Sampling</a:t>
+              <a:t>One Shot Inference</a:t>
             </a:r>
             <a:endParaRPr lang="en-IN" dirty="0"/>
           </a:p>
@@ -4018,71 +4110,9 @@
           <a:p>
             <a:r>
               <a:rPr lang="en-US" dirty="0"/>
-              <a:t> Greedy Sampling</a:t>
-            </a:r>
-          </a:p>
-          <a:p>
-            <a:pPr lvl="1"/>
-            <a:r>
-              <a:rPr lang="en-US" dirty="0"/>
-              <a:t>Select word with the highest probability</a:t>
-            </a:r>
-          </a:p>
-          <a:p>
-            <a:pPr lvl="1"/>
-            <a:r>
-              <a:rPr lang="en-US" dirty="0"/>
-              <a:t>Good for short generation</a:t>
-            </a:r>
-          </a:p>
-          <a:p>
-            <a:pPr lvl="1"/>
-            <a:r>
-              <a:rPr lang="en-US" dirty="0"/>
-              <a:t>Repeat words</a:t>
-            </a:r>
-          </a:p>
-          <a:p>
-            <a:pPr lvl="1"/>
-            <a:r>
-              <a:rPr lang="en-US" dirty="0"/>
-              <a:t>Repeat sequence of words</a:t>
-            </a:r>
-          </a:p>
-          <a:p>
-            <a:r>
-              <a:rPr lang="en-US" dirty="0"/>
-              <a:t>Random Sampling</a:t>
-            </a:r>
-          </a:p>
-          <a:p>
-            <a:pPr lvl="1"/>
-            <a:r>
-              <a:rPr lang="en-US" dirty="0"/>
-              <a:t>More natural</a:t>
-            </a:r>
-          </a:p>
-          <a:p>
-            <a:pPr lvl="1"/>
-            <a:r>
-              <a:rPr lang="en-US" dirty="0"/>
-              <a:t>More creative</a:t>
-            </a:r>
-          </a:p>
-          <a:p>
-            <a:pPr lvl="1"/>
-            <a:r>
-              <a:rPr lang="en-US" dirty="0"/>
-              <a:t>Avoid repeated words or sequence of words</a:t>
-            </a:r>
-          </a:p>
-          <a:p>
-            <a:pPr lvl="1"/>
-            <a:endParaRPr lang="en-US" dirty="0"/>
-          </a:p>
-          <a:p>
-            <a:pPr lvl="1"/>
-            <a:endParaRPr lang="en-US" dirty="0"/>
+              <a:t>Single example in the Context Window</a:t>
+            </a:r>
+            <a:endParaRPr lang="en-IN" dirty="0"/>
           </a:p>
           <a:p>
             <a:endParaRPr lang="en-IN" dirty="0"/>
@@ -4092,7 +4122,7 @@
     </p:spTree>
     <p:extLst>
       <p:ext uri="{BB962C8B-B14F-4D97-AF65-F5344CB8AC3E}">
-        <p14:creationId xmlns:p14="http://schemas.microsoft.com/office/powerpoint/2010/main" val="4245410906"/>
+        <p14:creationId xmlns:p14="http://schemas.microsoft.com/office/powerpoint/2010/main" val="936706833"/>
       </p:ext>
     </p:extLst>
   </p:cSld>
@@ -4143,7 +4173,7 @@
             <a:pPr algn="ctr"/>
             <a:r>
               <a:rPr lang="en-US" dirty="0"/>
-              <a:t>Inference Parameters</a:t>
+              <a:t>Few Shot Inference</a:t>
             </a:r>
             <a:endParaRPr lang="en-IN" dirty="0"/>
           </a:p>
@@ -4167,54 +4197,20 @@
         </p:nvSpPr>
         <p:spPr/>
         <p:txBody>
-          <a:bodyPr>
-            <a:normAutofit/>
-          </a:bodyPr>
-          <a:lstStyle/>
-          <a:p>
-            <a:r>
-              <a:rPr lang="en-US" dirty="0"/>
-              <a:t>Maximum new tokens</a:t>
-            </a:r>
-          </a:p>
-          <a:p>
-            <a:pPr lvl="1"/>
-            <a:r>
-              <a:rPr lang="en-US" dirty="0"/>
-              <a:t>Maximum tokens generated by model</a:t>
-            </a:r>
-          </a:p>
-          <a:p>
-            <a:r>
-              <a:rPr lang="en-US" dirty="0"/>
-              <a:t>Sample top K</a:t>
-            </a:r>
-          </a:p>
-          <a:p>
-            <a:pPr lvl="1"/>
-            <a:r>
-              <a:rPr lang="en-US" dirty="0"/>
-              <a:t>Top K samples</a:t>
-            </a:r>
-          </a:p>
-          <a:p>
-            <a:r>
-              <a:rPr lang="en-US" dirty="0"/>
-              <a:t>Sample top P</a:t>
-            </a:r>
-          </a:p>
-          <a:p>
-            <a:pPr lvl="1"/>
-            <a:r>
-              <a:rPr lang="en-US" dirty="0"/>
-              <a:t>Top samples within cumulative probability P</a:t>
-            </a:r>
-          </a:p>
-          <a:p>
-            <a:r>
-              <a:rPr lang="en-US" dirty="0"/>
-              <a:t>Temperature </a:t>
-            </a:r>
+          <a:bodyPr/>
+          <a:lstStyle/>
+          <a:p>
+            <a:r>
+              <a:rPr lang="en-US" dirty="0"/>
+              <a:t>More than one examples in the Context Window</a:t>
+            </a:r>
+          </a:p>
+          <a:p>
+            <a:r>
+              <a:rPr lang="en-US" dirty="0"/>
+              <a:t>Less than five examples </a:t>
+            </a:r>
+            <a:endParaRPr lang="en-IN" dirty="0"/>
           </a:p>
           <a:p>
             <a:endParaRPr lang="en-IN" dirty="0"/>
@@ -4224,7 +4220,7 @@
     </p:spTree>
     <p:extLst>
       <p:ext uri="{BB962C8B-B14F-4D97-AF65-F5344CB8AC3E}">
-        <p14:creationId xmlns:p14="http://schemas.microsoft.com/office/powerpoint/2010/main" val="4204228726"/>
+        <p14:creationId xmlns:p14="http://schemas.microsoft.com/office/powerpoint/2010/main" val="232167889"/>
       </p:ext>
     </p:extLst>
   </p:cSld>
@@ -4412,7 +4408,7 @@
             <a:pPr algn="ctr"/>
             <a:r>
               <a:rPr lang="en-US" dirty="0"/>
-              <a:t>Temperature</a:t>
+              <a:t>Greedy v/s Random Sampling</a:t>
             </a:r>
             <a:endParaRPr lang="en-IN" dirty="0"/>
           </a:p>
@@ -4436,75 +4432,76 @@
         </p:nvSpPr>
         <p:spPr/>
         <p:txBody>
-          <a:bodyPr>
-            <a:normAutofit lnSpcReduction="10000"/>
-          </a:bodyPr>
-          <a:lstStyle/>
-          <a:p>
-            <a:r>
-              <a:rPr lang="en-US" dirty="0"/>
-              <a:t>Shape of probability distribution function</a:t>
-            </a:r>
-          </a:p>
-          <a:p>
-            <a:r>
-              <a:rPr lang="en-US" dirty="0"/>
-              <a:t>Scale factor for probability distribution function </a:t>
-            </a:r>
-          </a:p>
-          <a:p>
-            <a:r>
-              <a:rPr lang="en-US" dirty="0"/>
-              <a:t>High temperature </a:t>
+          <a:bodyPr/>
+          <a:lstStyle/>
+          <a:p>
+            <a:r>
+              <a:rPr lang="en-US" dirty="0"/>
+              <a:t> Greedy Sampling</a:t>
             </a:r>
           </a:p>
           <a:p>
             <a:pPr lvl="1"/>
             <a:r>
               <a:rPr lang="en-US" dirty="0"/>
-              <a:t>Temperature &gt; 1</a:t>
+              <a:t>Select word with the highest probability</a:t>
             </a:r>
           </a:p>
           <a:p>
             <a:pPr lvl="1"/>
             <a:r>
               <a:rPr lang="en-US" dirty="0"/>
-              <a:t>Broader or flatter probability distribution function </a:t>
+              <a:t>Good for short generation</a:t>
             </a:r>
           </a:p>
           <a:p>
             <a:pPr lvl="1"/>
             <a:r>
               <a:rPr lang="en-US" dirty="0"/>
-              <a:t>Higher randomness</a:t>
-            </a:r>
-          </a:p>
-          <a:p>
-            <a:r>
-              <a:rPr lang="en-US" dirty="0"/>
-              <a:t>Low temperature </a:t>
+              <a:t>Repeat words</a:t>
             </a:r>
           </a:p>
           <a:p>
             <a:pPr lvl="1"/>
             <a:r>
               <a:rPr lang="en-US" dirty="0"/>
-              <a:t>Temperature &lt; 1</a:t>
+              <a:t>Repeat sequence of words</a:t>
+            </a:r>
+          </a:p>
+          <a:p>
+            <a:r>
+              <a:rPr lang="en-US" dirty="0"/>
+              <a:t>Random Sampling</a:t>
             </a:r>
           </a:p>
           <a:p>
             <a:pPr lvl="1"/>
             <a:r>
               <a:rPr lang="en-US" dirty="0"/>
-              <a:t>Strongly peaked probability distribution function </a:t>
+              <a:t>More natural</a:t>
             </a:r>
           </a:p>
           <a:p>
             <a:pPr lvl="1"/>
             <a:r>
               <a:rPr lang="en-US" dirty="0"/>
-              <a:t>Lower randomness</a:t>
-            </a:r>
+              <a:t>More creative</a:t>
+            </a:r>
+          </a:p>
+          <a:p>
+            <a:pPr lvl="1"/>
+            <a:r>
+              <a:rPr lang="en-US" dirty="0"/>
+              <a:t>Avoid repeated words or sequence of words</a:t>
+            </a:r>
+          </a:p>
+          <a:p>
+            <a:pPr lvl="1"/>
+            <a:endParaRPr lang="en-US" dirty="0"/>
+          </a:p>
+          <a:p>
+            <a:pPr lvl="1"/>
+            <a:endParaRPr lang="en-US" dirty="0"/>
           </a:p>
           <a:p>
             <a:endParaRPr lang="en-IN" dirty="0"/>
@@ -4514,7 +4511,7 @@
     </p:spTree>
     <p:extLst>
       <p:ext uri="{BB962C8B-B14F-4D97-AF65-F5344CB8AC3E}">
-        <p14:creationId xmlns:p14="http://schemas.microsoft.com/office/powerpoint/2010/main" val="3880538960"/>
+        <p14:creationId xmlns:p14="http://schemas.microsoft.com/office/powerpoint/2010/main" val="4245410906"/>
       </p:ext>
     </p:extLst>
   </p:cSld>
@@ -4565,7 +4562,7 @@
             <a:pPr algn="ctr"/>
             <a:r>
               <a:rPr lang="en-US" dirty="0"/>
-              <a:t>Instruction Fine Tuning</a:t>
+              <a:t>Inference Parameters</a:t>
             </a:r>
             <a:endParaRPr lang="en-IN" dirty="0"/>
           </a:p>
@@ -4589,8 +4586,55 @@
         </p:nvSpPr>
         <p:spPr/>
         <p:txBody>
-          <a:bodyPr/>
-          <a:lstStyle/>
+          <a:bodyPr>
+            <a:normAutofit/>
+          </a:bodyPr>
+          <a:lstStyle/>
+          <a:p>
+            <a:r>
+              <a:rPr lang="en-US" dirty="0"/>
+              <a:t>Maximum new tokens</a:t>
+            </a:r>
+          </a:p>
+          <a:p>
+            <a:pPr lvl="1"/>
+            <a:r>
+              <a:rPr lang="en-US" dirty="0"/>
+              <a:t>Maximum tokens generated by model</a:t>
+            </a:r>
+          </a:p>
+          <a:p>
+            <a:r>
+              <a:rPr lang="en-US" dirty="0"/>
+              <a:t>Sample top K</a:t>
+            </a:r>
+          </a:p>
+          <a:p>
+            <a:pPr lvl="1"/>
+            <a:r>
+              <a:rPr lang="en-US" dirty="0"/>
+              <a:t>Top K samples</a:t>
+            </a:r>
+          </a:p>
+          <a:p>
+            <a:r>
+              <a:rPr lang="en-US" dirty="0"/>
+              <a:t>Sample top P</a:t>
+            </a:r>
+          </a:p>
+          <a:p>
+            <a:pPr lvl="1"/>
+            <a:r>
+              <a:rPr lang="en-US" dirty="0"/>
+              <a:t>Top samples within cumulative probability P</a:t>
+            </a:r>
+          </a:p>
+          <a:p>
+            <a:r>
+              <a:rPr lang="en-US" dirty="0"/>
+              <a:t>Temperature </a:t>
+            </a:r>
+          </a:p>
           <a:p>
             <a:endParaRPr lang="en-IN" dirty="0"/>
           </a:p>
@@ -4599,7 +4643,7 @@
     </p:spTree>
     <p:extLst>
       <p:ext uri="{BB962C8B-B14F-4D97-AF65-F5344CB8AC3E}">
-        <p14:creationId xmlns:p14="http://schemas.microsoft.com/office/powerpoint/2010/main" val="2666789716"/>
+        <p14:creationId xmlns:p14="http://schemas.microsoft.com/office/powerpoint/2010/main" val="4204228726"/>
       </p:ext>
     </p:extLst>
   </p:cSld>
@@ -4650,7 +4694,7 @@
             <a:pPr algn="ctr"/>
             <a:r>
               <a:rPr lang="en-US" dirty="0"/>
-              <a:t>Parameter Efficient Fine Tuning</a:t>
+              <a:t>Temperature</a:t>
             </a:r>
             <a:endParaRPr lang="en-IN" dirty="0"/>
           </a:p>
@@ -4674,12 +4718,74 @@
         </p:nvSpPr>
         <p:spPr/>
         <p:txBody>
-          <a:bodyPr/>
-          <a:lstStyle/>
-          <a:p>
-            <a:r>
-              <a:rPr lang="en-US" dirty="0"/>
-              <a:t>PEFT – Parameter Efficient Fine Tuning</a:t>
+          <a:bodyPr>
+            <a:normAutofit lnSpcReduction="10000"/>
+          </a:bodyPr>
+          <a:lstStyle/>
+          <a:p>
+            <a:r>
+              <a:rPr lang="en-US" dirty="0"/>
+              <a:t>Shape of probability distribution function</a:t>
+            </a:r>
+          </a:p>
+          <a:p>
+            <a:r>
+              <a:rPr lang="en-US" dirty="0"/>
+              <a:t>Scale factor for probability distribution function </a:t>
+            </a:r>
+          </a:p>
+          <a:p>
+            <a:r>
+              <a:rPr lang="en-US" dirty="0"/>
+              <a:t>High temperature </a:t>
+            </a:r>
+          </a:p>
+          <a:p>
+            <a:pPr lvl="1"/>
+            <a:r>
+              <a:rPr lang="en-US" dirty="0"/>
+              <a:t>Temperature &gt; 1</a:t>
+            </a:r>
+          </a:p>
+          <a:p>
+            <a:pPr lvl="1"/>
+            <a:r>
+              <a:rPr lang="en-US" dirty="0"/>
+              <a:t>Broader or flatter probability distribution function </a:t>
+            </a:r>
+          </a:p>
+          <a:p>
+            <a:pPr lvl="1"/>
+            <a:r>
+              <a:rPr lang="en-US" dirty="0"/>
+              <a:t>Higher randomness</a:t>
+            </a:r>
+          </a:p>
+          <a:p>
+            <a:r>
+              <a:rPr lang="en-US" dirty="0"/>
+              <a:t>Low temperature </a:t>
+            </a:r>
+          </a:p>
+          <a:p>
+            <a:pPr lvl="1"/>
+            <a:r>
+              <a:rPr lang="en-US" dirty="0"/>
+              <a:t>Temperature &lt; 1</a:t>
+            </a:r>
+          </a:p>
+          <a:p>
+            <a:pPr lvl="1"/>
+            <a:r>
+              <a:rPr lang="en-US" dirty="0"/>
+              <a:t>Strongly peaked probability distribution function </a:t>
+            </a:r>
+          </a:p>
+          <a:p>
+            <a:pPr lvl="1"/>
+            <a:r>
+              <a:rPr lang="en-US" dirty="0"/>
+              <a:t>Lower randomness</a:t>
             </a:r>
           </a:p>
           <a:p>
@@ -4690,7 +4796,7 @@
     </p:spTree>
     <p:extLst>
       <p:ext uri="{BB962C8B-B14F-4D97-AF65-F5344CB8AC3E}">
-        <p14:creationId xmlns:p14="http://schemas.microsoft.com/office/powerpoint/2010/main" val="2230455582"/>
+        <p14:creationId xmlns:p14="http://schemas.microsoft.com/office/powerpoint/2010/main" val="3880538960"/>
       </p:ext>
     </p:extLst>
   </p:cSld>
@@ -4722,6 +4828,182 @@
           <p:cNvPr id="2" name="Title 1">
             <a:extLst>
               <a:ext uri="{FF2B5EF4-FFF2-40B4-BE49-F238E27FC236}">
+                <a16:creationId xmlns:a16="http://schemas.microsoft.com/office/drawing/2014/main" id="{49307CA3-D7F1-C65A-D158-B0049203C65E}"/>
+              </a:ext>
+            </a:extLst>
+          </p:cNvPr>
+          <p:cNvSpPr>
+            <a:spLocks noGrp="1"/>
+          </p:cNvSpPr>
+          <p:nvPr>
+            <p:ph type="title"/>
+          </p:nvPr>
+        </p:nvSpPr>
+        <p:spPr/>
+        <p:txBody>
+          <a:bodyPr/>
+          <a:lstStyle/>
+          <a:p>
+            <a:pPr algn="ctr"/>
+            <a:r>
+              <a:rPr lang="en-US" dirty="0"/>
+              <a:t>Instruction Fine Tuning</a:t>
+            </a:r>
+            <a:endParaRPr lang="en-IN" dirty="0"/>
+          </a:p>
+        </p:txBody>
+      </p:sp>
+      <p:sp>
+        <p:nvSpPr>
+          <p:cNvPr id="3" name="Content Placeholder 2">
+            <a:extLst>
+              <a:ext uri="{FF2B5EF4-FFF2-40B4-BE49-F238E27FC236}">
+                <a16:creationId xmlns:a16="http://schemas.microsoft.com/office/drawing/2014/main" id="{370418D3-FFCC-9690-B262-C1FBDD1D7650}"/>
+              </a:ext>
+            </a:extLst>
+          </p:cNvPr>
+          <p:cNvSpPr>
+            <a:spLocks noGrp="1"/>
+          </p:cNvSpPr>
+          <p:nvPr>
+            <p:ph idx="1"/>
+          </p:nvPr>
+        </p:nvSpPr>
+        <p:spPr/>
+        <p:txBody>
+          <a:bodyPr/>
+          <a:lstStyle/>
+          <a:p>
+            <a:endParaRPr lang="en-IN" dirty="0"/>
+          </a:p>
+        </p:txBody>
+      </p:sp>
+    </p:spTree>
+    <p:extLst>
+      <p:ext uri="{BB962C8B-B14F-4D97-AF65-F5344CB8AC3E}">
+        <p14:creationId xmlns:p14="http://schemas.microsoft.com/office/powerpoint/2010/main" val="2666789716"/>
+      </p:ext>
+    </p:extLst>
+  </p:cSld>
+  <p:clrMapOvr>
+    <a:masterClrMapping/>
+  </p:clrMapOvr>
+</p:sld>
+</file>
+
+<file path=ppt/slides/slide24.xml><?xml version="1.0" encoding="utf-8"?>
+<p:sld xmlns:a="http://schemas.openxmlformats.org/drawingml/2006/main" xmlns:r="http://schemas.openxmlformats.org/officeDocument/2006/relationships" xmlns:p="http://schemas.openxmlformats.org/presentationml/2006/main">
+  <p:cSld>
+    <p:spTree>
+      <p:nvGrpSpPr>
+        <p:cNvPr id="1" name=""/>
+        <p:cNvGrpSpPr/>
+        <p:nvPr/>
+      </p:nvGrpSpPr>
+      <p:grpSpPr>
+        <a:xfrm>
+          <a:off x="0" y="0"/>
+          <a:ext cx="0" cy="0"/>
+          <a:chOff x="0" y="0"/>
+          <a:chExt cx="0" cy="0"/>
+        </a:xfrm>
+      </p:grpSpPr>
+      <p:sp>
+        <p:nvSpPr>
+          <p:cNvPr id="2" name="Title 1">
+            <a:extLst>
+              <a:ext uri="{FF2B5EF4-FFF2-40B4-BE49-F238E27FC236}">
+                <a16:creationId xmlns:a16="http://schemas.microsoft.com/office/drawing/2014/main" id="{49307CA3-D7F1-C65A-D158-B0049203C65E}"/>
+              </a:ext>
+            </a:extLst>
+          </p:cNvPr>
+          <p:cNvSpPr>
+            <a:spLocks noGrp="1"/>
+          </p:cNvSpPr>
+          <p:nvPr>
+            <p:ph type="title"/>
+          </p:nvPr>
+        </p:nvSpPr>
+        <p:spPr/>
+        <p:txBody>
+          <a:bodyPr/>
+          <a:lstStyle/>
+          <a:p>
+            <a:pPr algn="ctr"/>
+            <a:r>
+              <a:rPr lang="en-US" dirty="0"/>
+              <a:t>Parameter Efficient Fine Tuning</a:t>
+            </a:r>
+            <a:endParaRPr lang="en-IN" dirty="0"/>
+          </a:p>
+        </p:txBody>
+      </p:sp>
+      <p:sp>
+        <p:nvSpPr>
+          <p:cNvPr id="3" name="Content Placeholder 2">
+            <a:extLst>
+              <a:ext uri="{FF2B5EF4-FFF2-40B4-BE49-F238E27FC236}">
+                <a16:creationId xmlns:a16="http://schemas.microsoft.com/office/drawing/2014/main" id="{370418D3-FFCC-9690-B262-C1FBDD1D7650}"/>
+              </a:ext>
+            </a:extLst>
+          </p:cNvPr>
+          <p:cNvSpPr>
+            <a:spLocks noGrp="1"/>
+          </p:cNvSpPr>
+          <p:nvPr>
+            <p:ph idx="1"/>
+          </p:nvPr>
+        </p:nvSpPr>
+        <p:spPr/>
+        <p:txBody>
+          <a:bodyPr/>
+          <a:lstStyle/>
+          <a:p>
+            <a:r>
+              <a:rPr lang="en-US" dirty="0"/>
+              <a:t>PEFT – Parameter Efficient Fine Tuning</a:t>
+            </a:r>
+          </a:p>
+          <a:p>
+            <a:endParaRPr lang="en-IN" dirty="0"/>
+          </a:p>
+        </p:txBody>
+      </p:sp>
+    </p:spTree>
+    <p:extLst>
+      <p:ext uri="{BB962C8B-B14F-4D97-AF65-F5344CB8AC3E}">
+        <p14:creationId xmlns:p14="http://schemas.microsoft.com/office/powerpoint/2010/main" val="2230455582"/>
+      </p:ext>
+    </p:extLst>
+  </p:cSld>
+  <p:clrMapOvr>
+    <a:masterClrMapping/>
+  </p:clrMapOvr>
+</p:sld>
+</file>
+
+<file path=ppt/slides/slide25.xml><?xml version="1.0" encoding="utf-8"?>
+<p:sld xmlns:a="http://schemas.openxmlformats.org/drawingml/2006/main" xmlns:r="http://schemas.openxmlformats.org/officeDocument/2006/relationships" xmlns:p="http://schemas.openxmlformats.org/presentationml/2006/main">
+  <p:cSld>
+    <p:spTree>
+      <p:nvGrpSpPr>
+        <p:cNvPr id="1" name=""/>
+        <p:cNvGrpSpPr/>
+        <p:nvPr/>
+      </p:nvGrpSpPr>
+      <p:grpSpPr>
+        <a:xfrm>
+          <a:off x="0" y="0"/>
+          <a:ext cx="0" cy="0"/>
+          <a:chOff x="0" y="0"/>
+          <a:chExt cx="0" cy="0"/>
+        </a:xfrm>
+      </p:grpSpPr>
+      <p:sp>
+        <p:nvSpPr>
+          <p:cNvPr id="2" name="Title 1">
+            <a:extLst>
+              <a:ext uri="{FF2B5EF4-FFF2-40B4-BE49-F238E27FC236}">
                 <a16:creationId xmlns:a16="http://schemas.microsoft.com/office/drawing/2014/main" id="{B440959B-5257-9D91-3B61-5C46F1F96D6B}"/>
               </a:ext>
             </a:extLst>
@@ -4785,7 +5067,7 @@
 </p:sld>
 </file>
 
-<file path=ppt/slides/slide24.xml><?xml version="1.0" encoding="utf-8"?>
+<file path=ppt/slides/slide26.xml><?xml version="1.0" encoding="utf-8"?>
 <p:sld xmlns:a="http://schemas.openxmlformats.org/drawingml/2006/main" xmlns:r="http://schemas.openxmlformats.org/officeDocument/2006/relationships" xmlns:p="http://schemas.openxmlformats.org/presentationml/2006/main">
   <p:cSld>
     <p:spTree>

--- a/Presentations/LargeLanguageModels.pptx
+++ b/Presentations/LargeLanguageModels.pptx
@@ -19,18 +19,22 @@
     <p:sldId id="297" r:id="rId13"/>
     <p:sldId id="298" r:id="rId14"/>
     <p:sldId id="299" r:id="rId15"/>
-    <p:sldId id="278" r:id="rId16"/>
-    <p:sldId id="279" r:id="rId17"/>
-    <p:sldId id="284" r:id="rId18"/>
-    <p:sldId id="285" r:id="rId19"/>
-    <p:sldId id="286" r:id="rId20"/>
-    <p:sldId id="280" r:id="rId21"/>
-    <p:sldId id="288" r:id="rId22"/>
-    <p:sldId id="289" r:id="rId23"/>
-    <p:sldId id="287" r:id="rId24"/>
-    <p:sldId id="281" r:id="rId25"/>
-    <p:sldId id="277" r:id="rId26"/>
-    <p:sldId id="263" r:id="rId27"/>
+    <p:sldId id="300" r:id="rId16"/>
+    <p:sldId id="301" r:id="rId17"/>
+    <p:sldId id="302" r:id="rId18"/>
+    <p:sldId id="303" r:id="rId19"/>
+    <p:sldId id="278" r:id="rId20"/>
+    <p:sldId id="279" r:id="rId21"/>
+    <p:sldId id="284" r:id="rId22"/>
+    <p:sldId id="285" r:id="rId23"/>
+    <p:sldId id="286" r:id="rId24"/>
+    <p:sldId id="280" r:id="rId25"/>
+    <p:sldId id="288" r:id="rId26"/>
+    <p:sldId id="289" r:id="rId27"/>
+    <p:sldId id="287" r:id="rId28"/>
+    <p:sldId id="281" r:id="rId29"/>
+    <p:sldId id="277" r:id="rId30"/>
+    <p:sldId id="263" r:id="rId31"/>
   </p:sldIdLst>
   <p:sldSz cx="9144000" cy="6858000" type="screen4x3"/>
   <p:notesSz cx="6858000" cy="9144000"/>
@@ -3764,7 +3768,7 @@
             <a:pPr algn="ctr"/>
             <a:r>
               <a:rPr lang="en-US" dirty="0"/>
-              <a:t>Prompt Engineering</a:t>
+              <a:t>Mult-GPU Training</a:t>
             </a:r>
             <a:endParaRPr lang="en-IN" dirty="0"/>
           </a:p>
@@ -3788,47 +3792,89 @@
         </p:nvSpPr>
         <p:spPr/>
         <p:txBody>
-          <a:bodyPr/>
-          <a:lstStyle/>
-          <a:p>
-            <a:r>
-              <a:rPr lang="en-US" dirty="0"/>
-              <a:t>Prompt</a:t>
-            </a:r>
-          </a:p>
-          <a:p>
-            <a:r>
-              <a:rPr lang="en-US" dirty="0"/>
-              <a:t>Context window</a:t>
-            </a:r>
-          </a:p>
-          <a:p>
-            <a:r>
-              <a:rPr lang="en-US" dirty="0"/>
-              <a:t>Large Language Model</a:t>
-            </a:r>
-          </a:p>
-          <a:p>
-            <a:r>
-              <a:rPr lang="en-US" dirty="0"/>
-              <a:t>Inference</a:t>
-            </a:r>
-          </a:p>
-          <a:p>
-            <a:r>
-              <a:rPr lang="en-US" dirty="0"/>
-              <a:t>Completion</a:t>
-            </a:r>
-          </a:p>
-          <a:p>
-            <a:endParaRPr lang="en-IN" dirty="0"/>
+          <a:bodyPr>
+            <a:normAutofit lnSpcReduction="10000"/>
+          </a:bodyPr>
+          <a:lstStyle/>
+          <a:p>
+            <a:r>
+              <a:rPr lang="en-IN" dirty="0"/>
+              <a:t>Single GPU</a:t>
+            </a:r>
+          </a:p>
+          <a:p>
+            <a:pPr lvl="1"/>
+            <a:r>
+              <a:rPr lang="en-IN" dirty="0"/>
+              <a:t>Small memory</a:t>
+            </a:r>
+          </a:p>
+          <a:p>
+            <a:pPr lvl="1"/>
+            <a:r>
+              <a:rPr lang="en-IN" dirty="0"/>
+              <a:t>8 GB to 80 GB </a:t>
+            </a:r>
+          </a:p>
+          <a:p>
+            <a:r>
+              <a:rPr lang="en-IN" dirty="0"/>
+              <a:t>NVIDIA A100 GPU</a:t>
+            </a:r>
+          </a:p>
+          <a:p>
+            <a:pPr lvl="1"/>
+            <a:r>
+              <a:rPr lang="en-IN" dirty="0"/>
+              <a:t>80 GB memory </a:t>
+            </a:r>
+          </a:p>
+          <a:p>
+            <a:r>
+              <a:rPr lang="en-IN" dirty="0"/>
+              <a:t>Meta–Llama–3</a:t>
+            </a:r>
+          </a:p>
+          <a:p>
+            <a:pPr lvl="1"/>
+            <a:r>
+              <a:rPr lang="en-IN" dirty="0"/>
+              <a:t>70B parameters</a:t>
+            </a:r>
+          </a:p>
+          <a:p>
+            <a:pPr lvl="1"/>
+            <a:r>
+              <a:rPr lang="en-IN" dirty="0"/>
+              <a:t>FP32 – 4 bytes per parameters</a:t>
+            </a:r>
+          </a:p>
+          <a:p>
+            <a:pPr lvl="1"/>
+            <a:r>
+              <a:rPr lang="en-IN" dirty="0"/>
+              <a:t>280 GB memory</a:t>
+            </a:r>
+          </a:p>
+          <a:p>
+            <a:r>
+              <a:rPr lang="en-IN" dirty="0"/>
+              <a:t>4 NVIDAI A100 GPUs</a:t>
+            </a:r>
+          </a:p>
+          <a:p>
+            <a:pPr lvl="1"/>
+            <a:r>
+              <a:rPr lang="en-IN" dirty="0"/>
+              <a:t>320 GB memory</a:t>
+            </a:r>
           </a:p>
         </p:txBody>
       </p:sp>
     </p:spTree>
     <p:extLst>
       <p:ext uri="{BB962C8B-B14F-4D97-AF65-F5344CB8AC3E}">
-        <p14:creationId xmlns:p14="http://schemas.microsoft.com/office/powerpoint/2010/main" val="1158719382"/>
+        <p14:creationId xmlns:p14="http://schemas.microsoft.com/office/powerpoint/2010/main" val="1568263484"/>
       </p:ext>
     </p:extLst>
   </p:cSld>
@@ -3879,7 +3925,7 @@
             <a:pPr algn="ctr"/>
             <a:r>
               <a:rPr lang="en-US" dirty="0"/>
-              <a:t>In Context Learning</a:t>
+              <a:t>Mult-GPU Training</a:t>
             </a:r>
             <a:endParaRPr lang="en-IN" dirty="0"/>
           </a:p>
@@ -3903,37 +3949,23 @@
         </p:nvSpPr>
         <p:spPr/>
         <p:txBody>
-          <a:bodyPr/>
-          <a:lstStyle/>
-          <a:p>
-            <a:r>
-              <a:rPr lang="en-US" dirty="0"/>
-              <a:t>Context window</a:t>
-            </a:r>
-          </a:p>
-          <a:p>
-            <a:r>
-              <a:rPr lang="en-US" dirty="0"/>
-              <a:t>Task example/s within the Context window</a:t>
-            </a:r>
-          </a:p>
-          <a:p>
-            <a:r>
-              <a:rPr lang="en-US" dirty="0"/>
-              <a:t>Zero shot inference</a:t>
-            </a:r>
-          </a:p>
-          <a:p>
-            <a:r>
-              <a:rPr lang="en-US" dirty="0"/>
-              <a:t>One shot inference</a:t>
-            </a:r>
-          </a:p>
-          <a:p>
-            <a:r>
-              <a:rPr lang="en-US" dirty="0"/>
-              <a:t>Few shot inference</a:t>
-            </a:r>
+          <a:bodyPr>
+            <a:normAutofit/>
+          </a:bodyPr>
+          <a:lstStyle/>
+          <a:p>
+            <a:r>
+              <a:rPr lang="en-IN" dirty="0"/>
+              <a:t>Distributed Data Parallel Training</a:t>
+            </a:r>
+          </a:p>
+          <a:p>
+            <a:r>
+              <a:rPr lang="en-IN" dirty="0"/>
+              <a:t> Model Parallel Training</a:t>
+            </a:r>
+          </a:p>
+          <a:p>
             <a:endParaRPr lang="en-IN" dirty="0"/>
           </a:p>
         </p:txBody>
@@ -3941,7 +3973,7 @@
     </p:spTree>
     <p:extLst>
       <p:ext uri="{BB962C8B-B14F-4D97-AF65-F5344CB8AC3E}">
-        <p14:creationId xmlns:p14="http://schemas.microsoft.com/office/powerpoint/2010/main" val="4274027739"/>
+        <p14:creationId xmlns:p14="http://schemas.microsoft.com/office/powerpoint/2010/main" val="93087303"/>
       </p:ext>
     </p:extLst>
   </p:cSld>
@@ -3991,10 +4023,9 @@
           <a:p>
             <a:pPr algn="ctr"/>
             <a:r>
-              <a:rPr lang="en-US" dirty="0"/>
-              <a:t>Zero Shot Inference</a:t>
-            </a:r>
-            <a:endParaRPr lang="en-IN" dirty="0"/>
+              <a:rPr lang="en-IN" dirty="0"/>
+              <a:t>Distributed Data Parallel Training</a:t>
+            </a:r>
           </a:p>
         </p:txBody>
       </p:sp>
@@ -4016,13 +4047,67 @@
         </p:nvSpPr>
         <p:spPr/>
         <p:txBody>
-          <a:bodyPr/>
-          <a:lstStyle/>
-          <a:p>
-            <a:r>
-              <a:rPr lang="en-US" dirty="0"/>
-              <a:t>No example in the Context Window</a:t>
-            </a:r>
+          <a:bodyPr>
+            <a:normAutofit/>
+          </a:bodyPr>
+          <a:lstStyle/>
+          <a:p>
+            <a:r>
+              <a:rPr lang="en-IN" dirty="0"/>
+              <a:t>DDP</a:t>
+            </a:r>
+          </a:p>
+          <a:p>
+            <a:r>
+              <a:rPr lang="en-IN" dirty="0"/>
+              <a:t>Large dataset</a:t>
+            </a:r>
+          </a:p>
+          <a:p>
+            <a:r>
+              <a:rPr lang="en-IN" dirty="0"/>
+              <a:t>Copy model on each GPU</a:t>
+            </a:r>
+          </a:p>
+          <a:p>
+            <a:r>
+              <a:rPr lang="en-IN" dirty="0"/>
+              <a:t>Send batches of dataset to each GPU in parallel</a:t>
+            </a:r>
+          </a:p>
+          <a:p>
+            <a:r>
+              <a:rPr lang="en-IN" dirty="0"/>
+              <a:t>Each GPU</a:t>
+            </a:r>
+          </a:p>
+          <a:p>
+            <a:pPr lvl="1"/>
+            <a:r>
+              <a:rPr lang="en-IN" dirty="0"/>
+              <a:t>Perform forward and backword pass</a:t>
+            </a:r>
+          </a:p>
+          <a:p>
+            <a:pPr lvl="1"/>
+            <a:r>
+              <a:rPr lang="en-IN" dirty="0"/>
+              <a:t>Compute gradients</a:t>
+            </a:r>
+          </a:p>
+          <a:p>
+            <a:r>
+              <a:rPr lang="en-IN" dirty="0"/>
+              <a:t>Synchronise gradients</a:t>
+            </a:r>
+          </a:p>
+          <a:p>
+            <a:r>
+              <a:rPr lang="en-IN" dirty="0"/>
+              <a:t>Update model</a:t>
+            </a:r>
+          </a:p>
+          <a:p>
             <a:endParaRPr lang="en-IN" dirty="0"/>
           </a:p>
         </p:txBody>
@@ -4030,7 +4115,7 @@
     </p:spTree>
     <p:extLst>
       <p:ext uri="{BB962C8B-B14F-4D97-AF65-F5344CB8AC3E}">
-        <p14:creationId xmlns:p14="http://schemas.microsoft.com/office/powerpoint/2010/main" val="2478694612"/>
+        <p14:creationId xmlns:p14="http://schemas.microsoft.com/office/powerpoint/2010/main" val="3913067606"/>
       </p:ext>
     </p:extLst>
   </p:cSld>
@@ -4080,10 +4165,9 @@
           <a:p>
             <a:pPr algn="ctr"/>
             <a:r>
-              <a:rPr lang="en-US" dirty="0"/>
-              <a:t>One Shot Inference</a:t>
-            </a:r>
-            <a:endParaRPr lang="en-IN" dirty="0"/>
+              <a:rPr lang="en-IN" dirty="0"/>
+              <a:t>Model Parallel Training</a:t>
+            </a:r>
           </a:p>
         </p:txBody>
       </p:sp>
@@ -4105,13 +4189,11 @@
         </p:nvSpPr>
         <p:spPr/>
         <p:txBody>
-          <a:bodyPr/>
-          <a:lstStyle/>
-          <a:p>
-            <a:r>
-              <a:rPr lang="en-US" dirty="0"/>
-              <a:t>Single example in the Context Window</a:t>
-            </a:r>
+          <a:bodyPr>
+            <a:normAutofit/>
+          </a:bodyPr>
+          <a:lstStyle/>
+          <a:p>
             <a:endParaRPr lang="en-IN" dirty="0"/>
           </a:p>
           <a:p>
@@ -4122,7 +4204,7 @@
     </p:spTree>
     <p:extLst>
       <p:ext uri="{BB962C8B-B14F-4D97-AF65-F5344CB8AC3E}">
-        <p14:creationId xmlns:p14="http://schemas.microsoft.com/office/powerpoint/2010/main" val="936706833"/>
+        <p14:creationId xmlns:p14="http://schemas.microsoft.com/office/powerpoint/2010/main" val="3288235262"/>
       </p:ext>
     </p:extLst>
   </p:cSld>
@@ -4173,7 +4255,7 @@
             <a:pPr algn="ctr"/>
             <a:r>
               <a:rPr lang="en-US" dirty="0"/>
-              <a:t>Few Shot Inference</a:t>
+              <a:t>Prompt Engineering</a:t>
             </a:r>
             <a:endParaRPr lang="en-IN" dirty="0"/>
           </a:p>
@@ -4202,15 +4284,32 @@
           <a:p>
             <a:r>
               <a:rPr lang="en-US" dirty="0"/>
-              <a:t>More than one examples in the Context Window</a:t>
-            </a:r>
-          </a:p>
-          <a:p>
-            <a:r>
-              <a:rPr lang="en-US" dirty="0"/>
-              <a:t>Less than five examples </a:t>
-            </a:r>
-            <a:endParaRPr lang="en-IN" dirty="0"/>
+              <a:t>Prompt</a:t>
+            </a:r>
+          </a:p>
+          <a:p>
+            <a:r>
+              <a:rPr lang="en-US" dirty="0"/>
+              <a:t>Context window</a:t>
+            </a:r>
+          </a:p>
+          <a:p>
+            <a:r>
+              <a:rPr lang="en-US" dirty="0"/>
+              <a:t>Large Language Model</a:t>
+            </a:r>
+          </a:p>
+          <a:p>
+            <a:r>
+              <a:rPr lang="en-US" dirty="0"/>
+              <a:t>Inference</a:t>
+            </a:r>
+          </a:p>
+          <a:p>
+            <a:r>
+              <a:rPr lang="en-US" dirty="0"/>
+              <a:t>Completion</a:t>
+            </a:r>
           </a:p>
           <a:p>
             <a:endParaRPr lang="en-IN" dirty="0"/>
@@ -4220,7 +4319,7 @@
     </p:spTree>
     <p:extLst>
       <p:ext uri="{BB962C8B-B14F-4D97-AF65-F5344CB8AC3E}">
-        <p14:creationId xmlns:p14="http://schemas.microsoft.com/office/powerpoint/2010/main" val="232167889"/>
+        <p14:creationId xmlns:p14="http://schemas.microsoft.com/office/powerpoint/2010/main" val="1158719382"/>
       </p:ext>
     </p:extLst>
   </p:cSld>
@@ -4408,7 +4507,7 @@
             <a:pPr algn="ctr"/>
             <a:r>
               <a:rPr lang="en-US" dirty="0"/>
-              <a:t>Greedy v/s Random Sampling</a:t>
+              <a:t>In Context Learning</a:t>
             </a:r>
             <a:endParaRPr lang="en-IN" dirty="0"/>
           </a:p>
@@ -4437,73 +4536,32 @@
           <a:p>
             <a:r>
               <a:rPr lang="en-US" dirty="0"/>
-              <a:t> Greedy Sampling</a:t>
-            </a:r>
-          </a:p>
-          <a:p>
-            <a:pPr lvl="1"/>
-            <a:r>
-              <a:rPr lang="en-US" dirty="0"/>
-              <a:t>Select word with the highest probability</a:t>
-            </a:r>
-          </a:p>
-          <a:p>
-            <a:pPr lvl="1"/>
-            <a:r>
-              <a:rPr lang="en-US" dirty="0"/>
-              <a:t>Good for short generation</a:t>
-            </a:r>
-          </a:p>
-          <a:p>
-            <a:pPr lvl="1"/>
-            <a:r>
-              <a:rPr lang="en-US" dirty="0"/>
-              <a:t>Repeat words</a:t>
-            </a:r>
-          </a:p>
-          <a:p>
-            <a:pPr lvl="1"/>
-            <a:r>
-              <a:rPr lang="en-US" dirty="0"/>
-              <a:t>Repeat sequence of words</a:t>
-            </a:r>
-          </a:p>
-          <a:p>
-            <a:r>
-              <a:rPr lang="en-US" dirty="0"/>
-              <a:t>Random Sampling</a:t>
-            </a:r>
-          </a:p>
-          <a:p>
-            <a:pPr lvl="1"/>
-            <a:r>
-              <a:rPr lang="en-US" dirty="0"/>
-              <a:t>More natural</a:t>
-            </a:r>
-          </a:p>
-          <a:p>
-            <a:pPr lvl="1"/>
-            <a:r>
-              <a:rPr lang="en-US" dirty="0"/>
-              <a:t>More creative</a:t>
-            </a:r>
-          </a:p>
-          <a:p>
-            <a:pPr lvl="1"/>
-            <a:r>
-              <a:rPr lang="en-US" dirty="0"/>
-              <a:t>Avoid repeated words or sequence of words</a:t>
-            </a:r>
-          </a:p>
-          <a:p>
-            <a:pPr lvl="1"/>
-            <a:endParaRPr lang="en-US" dirty="0"/>
-          </a:p>
-          <a:p>
-            <a:pPr lvl="1"/>
-            <a:endParaRPr lang="en-US" dirty="0"/>
-          </a:p>
-          <a:p>
+              <a:t>Context window</a:t>
+            </a:r>
+          </a:p>
+          <a:p>
+            <a:r>
+              <a:rPr lang="en-US" dirty="0"/>
+              <a:t>Task example/s within the Context window</a:t>
+            </a:r>
+          </a:p>
+          <a:p>
+            <a:r>
+              <a:rPr lang="en-US" dirty="0"/>
+              <a:t>Zero shot inference</a:t>
+            </a:r>
+          </a:p>
+          <a:p>
+            <a:r>
+              <a:rPr lang="en-US" dirty="0"/>
+              <a:t>One shot inference</a:t>
+            </a:r>
+          </a:p>
+          <a:p>
+            <a:r>
+              <a:rPr lang="en-US" dirty="0"/>
+              <a:t>Few shot inference</a:t>
+            </a:r>
             <a:endParaRPr lang="en-IN" dirty="0"/>
           </a:p>
         </p:txBody>
@@ -4511,7 +4569,7 @@
     </p:spTree>
     <p:extLst>
       <p:ext uri="{BB962C8B-B14F-4D97-AF65-F5344CB8AC3E}">
-        <p14:creationId xmlns:p14="http://schemas.microsoft.com/office/powerpoint/2010/main" val="4245410906"/>
+        <p14:creationId xmlns:p14="http://schemas.microsoft.com/office/powerpoint/2010/main" val="4274027739"/>
       </p:ext>
     </p:extLst>
   </p:cSld>
@@ -4562,7 +4620,7 @@
             <a:pPr algn="ctr"/>
             <a:r>
               <a:rPr lang="en-US" dirty="0"/>
-              <a:t>Inference Parameters</a:t>
+              <a:t>Zero Shot Inference</a:t>
             </a:r>
             <a:endParaRPr lang="en-IN" dirty="0"/>
           </a:p>
@@ -4586,56 +4644,13 @@
         </p:nvSpPr>
         <p:spPr/>
         <p:txBody>
-          <a:bodyPr>
-            <a:normAutofit/>
-          </a:bodyPr>
-          <a:lstStyle/>
-          <a:p>
-            <a:r>
-              <a:rPr lang="en-US" dirty="0"/>
-              <a:t>Maximum new tokens</a:t>
-            </a:r>
-          </a:p>
-          <a:p>
-            <a:pPr lvl="1"/>
-            <a:r>
-              <a:rPr lang="en-US" dirty="0"/>
-              <a:t>Maximum tokens generated by model</a:t>
-            </a:r>
-          </a:p>
-          <a:p>
-            <a:r>
-              <a:rPr lang="en-US" dirty="0"/>
-              <a:t>Sample top K</a:t>
-            </a:r>
-          </a:p>
-          <a:p>
-            <a:pPr lvl="1"/>
-            <a:r>
-              <a:rPr lang="en-US" dirty="0"/>
-              <a:t>Top K samples</a:t>
-            </a:r>
-          </a:p>
-          <a:p>
-            <a:r>
-              <a:rPr lang="en-US" dirty="0"/>
-              <a:t>Sample top P</a:t>
-            </a:r>
-          </a:p>
-          <a:p>
-            <a:pPr lvl="1"/>
-            <a:r>
-              <a:rPr lang="en-US" dirty="0"/>
-              <a:t>Top samples within cumulative probability P</a:t>
-            </a:r>
-          </a:p>
-          <a:p>
-            <a:r>
-              <a:rPr lang="en-US" dirty="0"/>
-              <a:t>Temperature </a:t>
-            </a:r>
-          </a:p>
-          <a:p>
+          <a:bodyPr/>
+          <a:lstStyle/>
+          <a:p>
+            <a:r>
+              <a:rPr lang="en-US" dirty="0"/>
+              <a:t>No example in the Context Window</a:t>
+            </a:r>
             <a:endParaRPr lang="en-IN" dirty="0"/>
           </a:p>
         </p:txBody>
@@ -4643,7 +4658,7 @@
     </p:spTree>
     <p:extLst>
       <p:ext uri="{BB962C8B-B14F-4D97-AF65-F5344CB8AC3E}">
-        <p14:creationId xmlns:p14="http://schemas.microsoft.com/office/powerpoint/2010/main" val="4204228726"/>
+        <p14:creationId xmlns:p14="http://schemas.microsoft.com/office/powerpoint/2010/main" val="2478694612"/>
       </p:ext>
     </p:extLst>
   </p:cSld>
@@ -4694,7 +4709,7 @@
             <a:pPr algn="ctr"/>
             <a:r>
               <a:rPr lang="en-US" dirty="0"/>
-              <a:t>Temperature</a:t>
+              <a:t>One Shot Inference</a:t>
             </a:r>
             <a:endParaRPr lang="en-IN" dirty="0"/>
           </a:p>
@@ -4718,75 +4733,14 @@
         </p:nvSpPr>
         <p:spPr/>
         <p:txBody>
-          <a:bodyPr>
-            <a:normAutofit lnSpcReduction="10000"/>
-          </a:bodyPr>
-          <a:lstStyle/>
-          <a:p>
-            <a:r>
-              <a:rPr lang="en-US" dirty="0"/>
-              <a:t>Shape of probability distribution function</a:t>
-            </a:r>
-          </a:p>
-          <a:p>
-            <a:r>
-              <a:rPr lang="en-US" dirty="0"/>
-              <a:t>Scale factor for probability distribution function </a:t>
-            </a:r>
-          </a:p>
-          <a:p>
-            <a:r>
-              <a:rPr lang="en-US" dirty="0"/>
-              <a:t>High temperature </a:t>
-            </a:r>
-          </a:p>
-          <a:p>
-            <a:pPr lvl="1"/>
-            <a:r>
-              <a:rPr lang="en-US" dirty="0"/>
-              <a:t>Temperature &gt; 1</a:t>
-            </a:r>
-          </a:p>
-          <a:p>
-            <a:pPr lvl="1"/>
-            <a:r>
-              <a:rPr lang="en-US" dirty="0"/>
-              <a:t>Broader or flatter probability distribution function </a:t>
-            </a:r>
-          </a:p>
-          <a:p>
-            <a:pPr lvl="1"/>
-            <a:r>
-              <a:rPr lang="en-US" dirty="0"/>
-              <a:t>Higher randomness</a:t>
-            </a:r>
-          </a:p>
-          <a:p>
-            <a:r>
-              <a:rPr lang="en-US" dirty="0"/>
-              <a:t>Low temperature </a:t>
-            </a:r>
-          </a:p>
-          <a:p>
-            <a:pPr lvl="1"/>
-            <a:r>
-              <a:rPr lang="en-US" dirty="0"/>
-              <a:t>Temperature &lt; 1</a:t>
-            </a:r>
-          </a:p>
-          <a:p>
-            <a:pPr lvl="1"/>
-            <a:r>
-              <a:rPr lang="en-US" dirty="0"/>
-              <a:t>Strongly peaked probability distribution function </a:t>
-            </a:r>
-          </a:p>
-          <a:p>
-            <a:pPr lvl="1"/>
-            <a:r>
-              <a:rPr lang="en-US" dirty="0"/>
-              <a:t>Lower randomness</a:t>
-            </a:r>
+          <a:bodyPr/>
+          <a:lstStyle/>
+          <a:p>
+            <a:r>
+              <a:rPr lang="en-US" dirty="0"/>
+              <a:t>Single example in the Context Window</a:t>
+            </a:r>
+            <a:endParaRPr lang="en-IN" dirty="0"/>
           </a:p>
           <a:p>
             <a:endParaRPr lang="en-IN" dirty="0"/>
@@ -4796,7 +4750,7 @@
     </p:spTree>
     <p:extLst>
       <p:ext uri="{BB962C8B-B14F-4D97-AF65-F5344CB8AC3E}">
-        <p14:creationId xmlns:p14="http://schemas.microsoft.com/office/powerpoint/2010/main" val="3880538960"/>
+        <p14:creationId xmlns:p14="http://schemas.microsoft.com/office/powerpoint/2010/main" val="936706833"/>
       </p:ext>
     </p:extLst>
   </p:cSld>
@@ -4847,7 +4801,7 @@
             <a:pPr algn="ctr"/>
             <a:r>
               <a:rPr lang="en-US" dirty="0"/>
-              <a:t>Instruction Fine Tuning</a:t>
+              <a:t>Few Shot Inference</a:t>
             </a:r>
             <a:endParaRPr lang="en-IN" dirty="0"/>
           </a:p>
@@ -4874,6 +4828,19 @@
           <a:bodyPr/>
           <a:lstStyle/>
           <a:p>
+            <a:r>
+              <a:rPr lang="en-US" dirty="0"/>
+              <a:t>More than one examples in the Context Window</a:t>
+            </a:r>
+          </a:p>
+          <a:p>
+            <a:r>
+              <a:rPr lang="en-US" dirty="0"/>
+              <a:t>Less than five examples </a:t>
+            </a:r>
+            <a:endParaRPr lang="en-IN" dirty="0"/>
+          </a:p>
+          <a:p>
             <a:endParaRPr lang="en-IN" dirty="0"/>
           </a:p>
         </p:txBody>
@@ -4881,7 +4848,7 @@
     </p:spTree>
     <p:extLst>
       <p:ext uri="{BB962C8B-B14F-4D97-AF65-F5344CB8AC3E}">
-        <p14:creationId xmlns:p14="http://schemas.microsoft.com/office/powerpoint/2010/main" val="2666789716"/>
+        <p14:creationId xmlns:p14="http://schemas.microsoft.com/office/powerpoint/2010/main" val="232167889"/>
       </p:ext>
     </p:extLst>
   </p:cSld>
@@ -4932,7 +4899,7 @@
             <a:pPr algn="ctr"/>
             <a:r>
               <a:rPr lang="en-US" dirty="0"/>
-              <a:t>Parameter Efficient Fine Tuning</a:t>
+              <a:t>Greedy v/s Random Sampling</a:t>
             </a:r>
             <a:endParaRPr lang="en-IN" dirty="0"/>
           </a:p>
@@ -4961,8 +4928,71 @@
           <a:p>
             <a:r>
               <a:rPr lang="en-US" dirty="0"/>
-              <a:t>PEFT – Parameter Efficient Fine Tuning</a:t>
-            </a:r>
+              <a:t> Greedy Sampling</a:t>
+            </a:r>
+          </a:p>
+          <a:p>
+            <a:pPr lvl="1"/>
+            <a:r>
+              <a:rPr lang="en-US" dirty="0"/>
+              <a:t>Select word with the highest probability</a:t>
+            </a:r>
+          </a:p>
+          <a:p>
+            <a:pPr lvl="1"/>
+            <a:r>
+              <a:rPr lang="en-US" dirty="0"/>
+              <a:t>Good for short generation</a:t>
+            </a:r>
+          </a:p>
+          <a:p>
+            <a:pPr lvl="1"/>
+            <a:r>
+              <a:rPr lang="en-US" dirty="0"/>
+              <a:t>Repeat words</a:t>
+            </a:r>
+          </a:p>
+          <a:p>
+            <a:pPr lvl="1"/>
+            <a:r>
+              <a:rPr lang="en-US" dirty="0"/>
+              <a:t>Repeat sequence of words</a:t>
+            </a:r>
+          </a:p>
+          <a:p>
+            <a:r>
+              <a:rPr lang="en-US" dirty="0"/>
+              <a:t>Random Sampling</a:t>
+            </a:r>
+          </a:p>
+          <a:p>
+            <a:pPr lvl="1"/>
+            <a:r>
+              <a:rPr lang="en-US" dirty="0"/>
+              <a:t>More natural</a:t>
+            </a:r>
+          </a:p>
+          <a:p>
+            <a:pPr lvl="1"/>
+            <a:r>
+              <a:rPr lang="en-US" dirty="0"/>
+              <a:t>More creative</a:t>
+            </a:r>
+          </a:p>
+          <a:p>
+            <a:pPr lvl="1"/>
+            <a:r>
+              <a:rPr lang="en-US" dirty="0"/>
+              <a:t>Avoid repeated words or sequence of words</a:t>
+            </a:r>
+          </a:p>
+          <a:p>
+            <a:pPr lvl="1"/>
+            <a:endParaRPr lang="en-US" dirty="0"/>
+          </a:p>
+          <a:p>
+            <a:pPr lvl="1"/>
+            <a:endParaRPr lang="en-US" dirty="0"/>
           </a:p>
           <a:p>
             <a:endParaRPr lang="en-IN" dirty="0"/>
@@ -4972,7 +5002,7 @@
     </p:spTree>
     <p:extLst>
       <p:ext uri="{BB962C8B-B14F-4D97-AF65-F5344CB8AC3E}">
-        <p14:creationId xmlns:p14="http://schemas.microsoft.com/office/powerpoint/2010/main" val="2230455582"/>
+        <p14:creationId xmlns:p14="http://schemas.microsoft.com/office/powerpoint/2010/main" val="4245410906"/>
       </p:ext>
     </p:extLst>
   </p:cSld>
@@ -5004,7 +5034,7 @@
           <p:cNvPr id="2" name="Title 1">
             <a:extLst>
               <a:ext uri="{FF2B5EF4-FFF2-40B4-BE49-F238E27FC236}">
-                <a16:creationId xmlns:a16="http://schemas.microsoft.com/office/drawing/2014/main" id="{B440959B-5257-9D91-3B61-5C46F1F96D6B}"/>
+                <a16:creationId xmlns:a16="http://schemas.microsoft.com/office/drawing/2014/main" id="{49307CA3-D7F1-C65A-D158-B0049203C65E}"/>
               </a:ext>
             </a:extLst>
           </p:cNvPr>
@@ -5023,7 +5053,7 @@
             <a:pPr algn="ctr"/>
             <a:r>
               <a:rPr lang="en-US" dirty="0"/>
-              <a:t>Conclusions</a:t>
+              <a:t>Inference Parameters</a:t>
             </a:r>
             <a:endParaRPr lang="en-IN" dirty="0"/>
           </a:p>
@@ -5034,7 +5064,7 @@
           <p:cNvPr id="3" name="Content Placeholder 2">
             <a:extLst>
               <a:ext uri="{FF2B5EF4-FFF2-40B4-BE49-F238E27FC236}">
-                <a16:creationId xmlns:a16="http://schemas.microsoft.com/office/drawing/2014/main" id="{83AE5D9F-CE13-09AA-2234-6FF43C2EBB41}"/>
+                <a16:creationId xmlns:a16="http://schemas.microsoft.com/office/drawing/2014/main" id="{370418D3-FFCC-9690-B262-C1FBDD1D7650}"/>
               </a:ext>
             </a:extLst>
           </p:cNvPr>
@@ -5047,17 +5077,64 @@
         </p:nvSpPr>
         <p:spPr/>
         <p:txBody>
-          <a:bodyPr/>
-          <a:lstStyle/>
-          <a:p>
-            <a:endParaRPr lang="en-IN"/>
+          <a:bodyPr>
+            <a:normAutofit/>
+          </a:bodyPr>
+          <a:lstStyle/>
+          <a:p>
+            <a:r>
+              <a:rPr lang="en-US" dirty="0"/>
+              <a:t>Maximum new tokens</a:t>
+            </a:r>
+          </a:p>
+          <a:p>
+            <a:pPr lvl="1"/>
+            <a:r>
+              <a:rPr lang="en-US" dirty="0"/>
+              <a:t>Maximum tokens generated by model</a:t>
+            </a:r>
+          </a:p>
+          <a:p>
+            <a:r>
+              <a:rPr lang="en-US" dirty="0"/>
+              <a:t>Sample top K</a:t>
+            </a:r>
+          </a:p>
+          <a:p>
+            <a:pPr lvl="1"/>
+            <a:r>
+              <a:rPr lang="en-US" dirty="0"/>
+              <a:t>Top K samples</a:t>
+            </a:r>
+          </a:p>
+          <a:p>
+            <a:r>
+              <a:rPr lang="en-US" dirty="0"/>
+              <a:t>Sample top P</a:t>
+            </a:r>
+          </a:p>
+          <a:p>
+            <a:pPr lvl="1"/>
+            <a:r>
+              <a:rPr lang="en-US" dirty="0"/>
+              <a:t>Top samples within cumulative probability P</a:t>
+            </a:r>
+          </a:p>
+          <a:p>
+            <a:r>
+              <a:rPr lang="en-US" dirty="0"/>
+              <a:t>Temperature </a:t>
+            </a:r>
+          </a:p>
+          <a:p>
+            <a:endParaRPr lang="en-IN" dirty="0"/>
           </a:p>
         </p:txBody>
       </p:sp>
     </p:spTree>
     <p:extLst>
       <p:ext uri="{BB962C8B-B14F-4D97-AF65-F5344CB8AC3E}">
-        <p14:creationId xmlns:p14="http://schemas.microsoft.com/office/powerpoint/2010/main" val="3691160634"/>
+        <p14:creationId xmlns:p14="http://schemas.microsoft.com/office/powerpoint/2010/main" val="4204228726"/>
       </p:ext>
     </p:extLst>
   </p:cSld>
@@ -5072,13 +5149,7 @@
   <p:cSld>
     <p:spTree>
       <p:nvGrpSpPr>
-        <p:cNvPr id="1" name="">
-          <a:extLst>
-            <a:ext uri="{FF2B5EF4-FFF2-40B4-BE49-F238E27FC236}">
-              <a16:creationId xmlns:a16="http://schemas.microsoft.com/office/drawing/2014/main" id="{1C8AEA77-34B6-2B92-3032-E7DC917A66A5}"/>
-            </a:ext>
-          </a:extLst>
-        </p:cNvPr>
+        <p:cNvPr id="1" name=""/>
         <p:cNvGrpSpPr/>
         <p:nvPr/>
       </p:nvGrpSpPr>
@@ -5095,7 +5166,7 @@
           <p:cNvPr id="2" name="Title 1">
             <a:extLst>
               <a:ext uri="{FF2B5EF4-FFF2-40B4-BE49-F238E27FC236}">
-                <a16:creationId xmlns:a16="http://schemas.microsoft.com/office/drawing/2014/main" id="{CD98F5DA-863D-D365-0F24-39A0C31B06D7}"/>
+                <a16:creationId xmlns:a16="http://schemas.microsoft.com/office/drawing/2014/main" id="{49307CA3-D7F1-C65A-D158-B0049203C65E}"/>
               </a:ext>
             </a:extLst>
           </p:cNvPr>
@@ -5103,27 +5174,29 @@
             <a:spLocks noGrp="1"/>
           </p:cNvSpPr>
           <p:nvPr>
-            <p:ph type="ctrTitle"/>
-          </p:nvPr>
-        </p:nvSpPr>
-        <p:spPr/>
-        <p:txBody>
-          <a:bodyPr/>
-          <a:lstStyle/>
-          <a:p>
-            <a:r>
-              <a:rPr lang="en-IN" dirty="0"/>
-              <a:t>Questions?</a:t>
-            </a:r>
-          </a:p>
-        </p:txBody>
-      </p:sp>
-      <p:sp>
-        <p:nvSpPr>
-          <p:cNvPr id="3" name="Subtitle 2">
+            <p:ph type="title"/>
+          </p:nvPr>
+        </p:nvSpPr>
+        <p:spPr/>
+        <p:txBody>
+          <a:bodyPr/>
+          <a:lstStyle/>
+          <a:p>
+            <a:pPr algn="ctr"/>
+            <a:r>
+              <a:rPr lang="en-US" dirty="0"/>
+              <a:t>Temperature</a:t>
+            </a:r>
+            <a:endParaRPr lang="en-IN" dirty="0"/>
+          </a:p>
+        </p:txBody>
+      </p:sp>
+      <p:sp>
+        <p:nvSpPr>
+          <p:cNvPr id="3" name="Content Placeholder 2">
             <a:extLst>
               <a:ext uri="{FF2B5EF4-FFF2-40B4-BE49-F238E27FC236}">
-                <a16:creationId xmlns:a16="http://schemas.microsoft.com/office/drawing/2014/main" id="{24AD7672-D577-74F5-F08E-C14B57789DE5}"/>
+                <a16:creationId xmlns:a16="http://schemas.microsoft.com/office/drawing/2014/main" id="{370418D3-FFCC-9690-B262-C1FBDD1D7650}"/>
               </a:ext>
             </a:extLst>
           </p:cNvPr>
@@ -5131,17 +5204,79 @@
             <a:spLocks noGrp="1"/>
           </p:cNvSpPr>
           <p:nvPr>
-            <p:ph type="subTitle" idx="1"/>
-          </p:nvPr>
-        </p:nvSpPr>
-        <p:spPr/>
-        <p:txBody>
-          <a:bodyPr/>
-          <a:lstStyle/>
-          <a:p>
-            <a:r>
-              <a:rPr lang="en-US" dirty="0"/>
-              <a:t>Thank you</a:t>
+            <p:ph idx="1"/>
+          </p:nvPr>
+        </p:nvSpPr>
+        <p:spPr/>
+        <p:txBody>
+          <a:bodyPr>
+            <a:normAutofit lnSpcReduction="10000"/>
+          </a:bodyPr>
+          <a:lstStyle/>
+          <a:p>
+            <a:r>
+              <a:rPr lang="en-US" dirty="0"/>
+              <a:t>Shape of probability distribution function</a:t>
+            </a:r>
+          </a:p>
+          <a:p>
+            <a:r>
+              <a:rPr lang="en-US" dirty="0"/>
+              <a:t>Scale factor for probability distribution function </a:t>
+            </a:r>
+          </a:p>
+          <a:p>
+            <a:r>
+              <a:rPr lang="en-US" dirty="0"/>
+              <a:t>High temperature </a:t>
+            </a:r>
+          </a:p>
+          <a:p>
+            <a:pPr lvl="1"/>
+            <a:r>
+              <a:rPr lang="en-US" dirty="0"/>
+              <a:t>Temperature &gt; 1</a:t>
+            </a:r>
+          </a:p>
+          <a:p>
+            <a:pPr lvl="1"/>
+            <a:r>
+              <a:rPr lang="en-US" dirty="0"/>
+              <a:t>Broader or flatter probability distribution function </a:t>
+            </a:r>
+          </a:p>
+          <a:p>
+            <a:pPr lvl="1"/>
+            <a:r>
+              <a:rPr lang="en-US" dirty="0"/>
+              <a:t>Higher randomness</a:t>
+            </a:r>
+          </a:p>
+          <a:p>
+            <a:r>
+              <a:rPr lang="en-US" dirty="0"/>
+              <a:t>Low temperature </a:t>
+            </a:r>
+          </a:p>
+          <a:p>
+            <a:pPr lvl="1"/>
+            <a:r>
+              <a:rPr lang="en-US" dirty="0"/>
+              <a:t>Temperature &lt; 1</a:t>
+            </a:r>
+          </a:p>
+          <a:p>
+            <a:pPr lvl="1"/>
+            <a:r>
+              <a:rPr lang="en-US" dirty="0"/>
+              <a:t>Strongly peaked probability distribution function </a:t>
+            </a:r>
+          </a:p>
+          <a:p>
+            <a:pPr lvl="1"/>
+            <a:r>
+              <a:rPr lang="en-US" dirty="0"/>
+              <a:t>Lower randomness</a:t>
             </a:r>
           </a:p>
           <a:p>
@@ -5152,7 +5287,268 @@
     </p:spTree>
     <p:extLst>
       <p:ext uri="{BB962C8B-B14F-4D97-AF65-F5344CB8AC3E}">
-        <p14:creationId xmlns:p14="http://schemas.microsoft.com/office/powerpoint/2010/main" val="2420884258"/>
+        <p14:creationId xmlns:p14="http://schemas.microsoft.com/office/powerpoint/2010/main" val="3880538960"/>
+      </p:ext>
+    </p:extLst>
+  </p:cSld>
+  <p:clrMapOvr>
+    <a:masterClrMapping/>
+  </p:clrMapOvr>
+</p:sld>
+</file>
+
+<file path=ppt/slides/slide27.xml><?xml version="1.0" encoding="utf-8"?>
+<p:sld xmlns:a="http://schemas.openxmlformats.org/drawingml/2006/main" xmlns:r="http://schemas.openxmlformats.org/officeDocument/2006/relationships" xmlns:p="http://schemas.openxmlformats.org/presentationml/2006/main">
+  <p:cSld>
+    <p:spTree>
+      <p:nvGrpSpPr>
+        <p:cNvPr id="1" name=""/>
+        <p:cNvGrpSpPr/>
+        <p:nvPr/>
+      </p:nvGrpSpPr>
+      <p:grpSpPr>
+        <a:xfrm>
+          <a:off x="0" y="0"/>
+          <a:ext cx="0" cy="0"/>
+          <a:chOff x="0" y="0"/>
+          <a:chExt cx="0" cy="0"/>
+        </a:xfrm>
+      </p:grpSpPr>
+      <p:sp>
+        <p:nvSpPr>
+          <p:cNvPr id="2" name="Title 1">
+            <a:extLst>
+              <a:ext uri="{FF2B5EF4-FFF2-40B4-BE49-F238E27FC236}">
+                <a16:creationId xmlns:a16="http://schemas.microsoft.com/office/drawing/2014/main" id="{49307CA3-D7F1-C65A-D158-B0049203C65E}"/>
+              </a:ext>
+            </a:extLst>
+          </p:cNvPr>
+          <p:cNvSpPr>
+            <a:spLocks noGrp="1"/>
+          </p:cNvSpPr>
+          <p:nvPr>
+            <p:ph type="title"/>
+          </p:nvPr>
+        </p:nvSpPr>
+        <p:spPr/>
+        <p:txBody>
+          <a:bodyPr/>
+          <a:lstStyle/>
+          <a:p>
+            <a:pPr algn="ctr"/>
+            <a:r>
+              <a:rPr lang="en-US" dirty="0"/>
+              <a:t>Instruction Fine Tuning</a:t>
+            </a:r>
+            <a:endParaRPr lang="en-IN" dirty="0"/>
+          </a:p>
+        </p:txBody>
+      </p:sp>
+      <p:sp>
+        <p:nvSpPr>
+          <p:cNvPr id="3" name="Content Placeholder 2">
+            <a:extLst>
+              <a:ext uri="{FF2B5EF4-FFF2-40B4-BE49-F238E27FC236}">
+                <a16:creationId xmlns:a16="http://schemas.microsoft.com/office/drawing/2014/main" id="{370418D3-FFCC-9690-B262-C1FBDD1D7650}"/>
+              </a:ext>
+            </a:extLst>
+          </p:cNvPr>
+          <p:cNvSpPr>
+            <a:spLocks noGrp="1"/>
+          </p:cNvSpPr>
+          <p:nvPr>
+            <p:ph idx="1"/>
+          </p:nvPr>
+        </p:nvSpPr>
+        <p:spPr/>
+        <p:txBody>
+          <a:bodyPr/>
+          <a:lstStyle/>
+          <a:p>
+            <a:endParaRPr lang="en-IN" dirty="0"/>
+          </a:p>
+        </p:txBody>
+      </p:sp>
+    </p:spTree>
+    <p:extLst>
+      <p:ext uri="{BB962C8B-B14F-4D97-AF65-F5344CB8AC3E}">
+        <p14:creationId xmlns:p14="http://schemas.microsoft.com/office/powerpoint/2010/main" val="2666789716"/>
+      </p:ext>
+    </p:extLst>
+  </p:cSld>
+  <p:clrMapOvr>
+    <a:masterClrMapping/>
+  </p:clrMapOvr>
+</p:sld>
+</file>
+
+<file path=ppt/slides/slide28.xml><?xml version="1.0" encoding="utf-8"?>
+<p:sld xmlns:a="http://schemas.openxmlformats.org/drawingml/2006/main" xmlns:r="http://schemas.openxmlformats.org/officeDocument/2006/relationships" xmlns:p="http://schemas.openxmlformats.org/presentationml/2006/main">
+  <p:cSld>
+    <p:spTree>
+      <p:nvGrpSpPr>
+        <p:cNvPr id="1" name=""/>
+        <p:cNvGrpSpPr/>
+        <p:nvPr/>
+      </p:nvGrpSpPr>
+      <p:grpSpPr>
+        <a:xfrm>
+          <a:off x="0" y="0"/>
+          <a:ext cx="0" cy="0"/>
+          <a:chOff x="0" y="0"/>
+          <a:chExt cx="0" cy="0"/>
+        </a:xfrm>
+      </p:grpSpPr>
+      <p:sp>
+        <p:nvSpPr>
+          <p:cNvPr id="2" name="Title 1">
+            <a:extLst>
+              <a:ext uri="{FF2B5EF4-FFF2-40B4-BE49-F238E27FC236}">
+                <a16:creationId xmlns:a16="http://schemas.microsoft.com/office/drawing/2014/main" id="{49307CA3-D7F1-C65A-D158-B0049203C65E}"/>
+              </a:ext>
+            </a:extLst>
+          </p:cNvPr>
+          <p:cNvSpPr>
+            <a:spLocks noGrp="1"/>
+          </p:cNvSpPr>
+          <p:nvPr>
+            <p:ph type="title"/>
+          </p:nvPr>
+        </p:nvSpPr>
+        <p:spPr/>
+        <p:txBody>
+          <a:bodyPr/>
+          <a:lstStyle/>
+          <a:p>
+            <a:pPr algn="ctr"/>
+            <a:r>
+              <a:rPr lang="en-US" dirty="0"/>
+              <a:t>Parameter Efficient Fine Tuning</a:t>
+            </a:r>
+            <a:endParaRPr lang="en-IN" dirty="0"/>
+          </a:p>
+        </p:txBody>
+      </p:sp>
+      <p:sp>
+        <p:nvSpPr>
+          <p:cNvPr id="3" name="Content Placeholder 2">
+            <a:extLst>
+              <a:ext uri="{FF2B5EF4-FFF2-40B4-BE49-F238E27FC236}">
+                <a16:creationId xmlns:a16="http://schemas.microsoft.com/office/drawing/2014/main" id="{370418D3-FFCC-9690-B262-C1FBDD1D7650}"/>
+              </a:ext>
+            </a:extLst>
+          </p:cNvPr>
+          <p:cNvSpPr>
+            <a:spLocks noGrp="1"/>
+          </p:cNvSpPr>
+          <p:nvPr>
+            <p:ph idx="1"/>
+          </p:nvPr>
+        </p:nvSpPr>
+        <p:spPr/>
+        <p:txBody>
+          <a:bodyPr/>
+          <a:lstStyle/>
+          <a:p>
+            <a:r>
+              <a:rPr lang="en-US" dirty="0"/>
+              <a:t>PEFT – Parameter Efficient Fine Tuning</a:t>
+            </a:r>
+          </a:p>
+          <a:p>
+            <a:endParaRPr lang="en-IN" dirty="0"/>
+          </a:p>
+        </p:txBody>
+      </p:sp>
+    </p:spTree>
+    <p:extLst>
+      <p:ext uri="{BB962C8B-B14F-4D97-AF65-F5344CB8AC3E}">
+        <p14:creationId xmlns:p14="http://schemas.microsoft.com/office/powerpoint/2010/main" val="2230455582"/>
+      </p:ext>
+    </p:extLst>
+  </p:cSld>
+  <p:clrMapOvr>
+    <a:masterClrMapping/>
+  </p:clrMapOvr>
+</p:sld>
+</file>
+
+<file path=ppt/slides/slide29.xml><?xml version="1.0" encoding="utf-8"?>
+<p:sld xmlns:a="http://schemas.openxmlformats.org/drawingml/2006/main" xmlns:r="http://schemas.openxmlformats.org/officeDocument/2006/relationships" xmlns:p="http://schemas.openxmlformats.org/presentationml/2006/main">
+  <p:cSld>
+    <p:spTree>
+      <p:nvGrpSpPr>
+        <p:cNvPr id="1" name=""/>
+        <p:cNvGrpSpPr/>
+        <p:nvPr/>
+      </p:nvGrpSpPr>
+      <p:grpSpPr>
+        <a:xfrm>
+          <a:off x="0" y="0"/>
+          <a:ext cx="0" cy="0"/>
+          <a:chOff x="0" y="0"/>
+          <a:chExt cx="0" cy="0"/>
+        </a:xfrm>
+      </p:grpSpPr>
+      <p:sp>
+        <p:nvSpPr>
+          <p:cNvPr id="2" name="Title 1">
+            <a:extLst>
+              <a:ext uri="{FF2B5EF4-FFF2-40B4-BE49-F238E27FC236}">
+                <a16:creationId xmlns:a16="http://schemas.microsoft.com/office/drawing/2014/main" id="{B440959B-5257-9D91-3B61-5C46F1F96D6B}"/>
+              </a:ext>
+            </a:extLst>
+          </p:cNvPr>
+          <p:cNvSpPr>
+            <a:spLocks noGrp="1"/>
+          </p:cNvSpPr>
+          <p:nvPr>
+            <p:ph type="title"/>
+          </p:nvPr>
+        </p:nvSpPr>
+        <p:spPr/>
+        <p:txBody>
+          <a:bodyPr/>
+          <a:lstStyle/>
+          <a:p>
+            <a:pPr algn="ctr"/>
+            <a:r>
+              <a:rPr lang="en-US" dirty="0"/>
+              <a:t>Conclusions</a:t>
+            </a:r>
+            <a:endParaRPr lang="en-IN" dirty="0"/>
+          </a:p>
+        </p:txBody>
+      </p:sp>
+      <p:sp>
+        <p:nvSpPr>
+          <p:cNvPr id="3" name="Content Placeholder 2">
+            <a:extLst>
+              <a:ext uri="{FF2B5EF4-FFF2-40B4-BE49-F238E27FC236}">
+                <a16:creationId xmlns:a16="http://schemas.microsoft.com/office/drawing/2014/main" id="{83AE5D9F-CE13-09AA-2234-6FF43C2EBB41}"/>
+              </a:ext>
+            </a:extLst>
+          </p:cNvPr>
+          <p:cNvSpPr>
+            <a:spLocks noGrp="1"/>
+          </p:cNvSpPr>
+          <p:nvPr>
+            <p:ph idx="1"/>
+          </p:nvPr>
+        </p:nvSpPr>
+        <p:spPr/>
+        <p:txBody>
+          <a:bodyPr/>
+          <a:lstStyle/>
+          <a:p>
+            <a:endParaRPr lang="en-IN"/>
+          </a:p>
+        </p:txBody>
+      </p:sp>
+    </p:spTree>
+    <p:extLst>
+      <p:ext uri="{BB962C8B-B14F-4D97-AF65-F5344CB8AC3E}">
+        <p14:creationId xmlns:p14="http://schemas.microsoft.com/office/powerpoint/2010/main" val="3691160634"/>
       </p:ext>
     </p:extLst>
   </p:cSld>
@@ -5268,6 +5664,101 @@
     <p:extLst>
       <p:ext uri="{BB962C8B-B14F-4D97-AF65-F5344CB8AC3E}">
         <p14:creationId xmlns:p14="http://schemas.microsoft.com/office/powerpoint/2010/main" val="3012294191"/>
+      </p:ext>
+    </p:extLst>
+  </p:cSld>
+  <p:clrMapOvr>
+    <a:masterClrMapping/>
+  </p:clrMapOvr>
+</p:sld>
+</file>
+
+<file path=ppt/slides/slide30.xml><?xml version="1.0" encoding="utf-8"?>
+<p:sld xmlns:a="http://schemas.openxmlformats.org/drawingml/2006/main" xmlns:r="http://schemas.openxmlformats.org/officeDocument/2006/relationships" xmlns:p="http://schemas.openxmlformats.org/presentationml/2006/main">
+  <p:cSld>
+    <p:spTree>
+      <p:nvGrpSpPr>
+        <p:cNvPr id="1" name="">
+          <a:extLst>
+            <a:ext uri="{FF2B5EF4-FFF2-40B4-BE49-F238E27FC236}">
+              <a16:creationId xmlns:a16="http://schemas.microsoft.com/office/drawing/2014/main" id="{1C8AEA77-34B6-2B92-3032-E7DC917A66A5}"/>
+            </a:ext>
+          </a:extLst>
+        </p:cNvPr>
+        <p:cNvGrpSpPr/>
+        <p:nvPr/>
+      </p:nvGrpSpPr>
+      <p:grpSpPr>
+        <a:xfrm>
+          <a:off x="0" y="0"/>
+          <a:ext cx="0" cy="0"/>
+          <a:chOff x="0" y="0"/>
+          <a:chExt cx="0" cy="0"/>
+        </a:xfrm>
+      </p:grpSpPr>
+      <p:sp>
+        <p:nvSpPr>
+          <p:cNvPr id="2" name="Title 1">
+            <a:extLst>
+              <a:ext uri="{FF2B5EF4-FFF2-40B4-BE49-F238E27FC236}">
+                <a16:creationId xmlns:a16="http://schemas.microsoft.com/office/drawing/2014/main" id="{CD98F5DA-863D-D365-0F24-39A0C31B06D7}"/>
+              </a:ext>
+            </a:extLst>
+          </p:cNvPr>
+          <p:cNvSpPr>
+            <a:spLocks noGrp="1"/>
+          </p:cNvSpPr>
+          <p:nvPr>
+            <p:ph type="ctrTitle"/>
+          </p:nvPr>
+        </p:nvSpPr>
+        <p:spPr/>
+        <p:txBody>
+          <a:bodyPr/>
+          <a:lstStyle/>
+          <a:p>
+            <a:r>
+              <a:rPr lang="en-IN" dirty="0"/>
+              <a:t>Questions?</a:t>
+            </a:r>
+          </a:p>
+        </p:txBody>
+      </p:sp>
+      <p:sp>
+        <p:nvSpPr>
+          <p:cNvPr id="3" name="Subtitle 2">
+            <a:extLst>
+              <a:ext uri="{FF2B5EF4-FFF2-40B4-BE49-F238E27FC236}">
+                <a16:creationId xmlns:a16="http://schemas.microsoft.com/office/drawing/2014/main" id="{24AD7672-D577-74F5-F08E-C14B57789DE5}"/>
+              </a:ext>
+            </a:extLst>
+          </p:cNvPr>
+          <p:cNvSpPr>
+            <a:spLocks noGrp="1"/>
+          </p:cNvSpPr>
+          <p:nvPr>
+            <p:ph type="subTitle" idx="1"/>
+          </p:nvPr>
+        </p:nvSpPr>
+        <p:spPr/>
+        <p:txBody>
+          <a:bodyPr/>
+          <a:lstStyle/>
+          <a:p>
+            <a:r>
+              <a:rPr lang="en-US" dirty="0"/>
+              <a:t>Thank you</a:t>
+            </a:r>
+          </a:p>
+          <a:p>
+            <a:endParaRPr lang="en-IN" dirty="0"/>
+          </a:p>
+        </p:txBody>
+      </p:sp>
+    </p:spTree>
+    <p:extLst>
+      <p:ext uri="{BB962C8B-B14F-4D97-AF65-F5344CB8AC3E}">
+        <p14:creationId xmlns:p14="http://schemas.microsoft.com/office/powerpoint/2010/main" val="2420884258"/>
       </p:ext>
     </p:extLst>
   </p:cSld>

--- a/Presentations/LargeLanguageModels.pptx
+++ b/Presentations/LargeLanguageModels.pptx
@@ -272,7 +272,7 @@
           <a:p>
             <a:fld id="{851C0E05-CD83-4F50-8310-1B8E117BF8A7}" type="datetimeFigureOut">
               <a:rPr lang="en-IN" smtClean="0"/>
-              <a:t>04-09-2024</a:t>
+              <a:t>05-09-2024</a:t>
             </a:fld>
             <a:endParaRPr lang="en-IN"/>
           </a:p>
@@ -442,7 +442,7 @@
           <a:p>
             <a:fld id="{851C0E05-CD83-4F50-8310-1B8E117BF8A7}" type="datetimeFigureOut">
               <a:rPr lang="en-IN" smtClean="0"/>
-              <a:t>04-09-2024</a:t>
+              <a:t>05-09-2024</a:t>
             </a:fld>
             <a:endParaRPr lang="en-IN"/>
           </a:p>
@@ -622,7 +622,7 @@
           <a:p>
             <a:fld id="{851C0E05-CD83-4F50-8310-1B8E117BF8A7}" type="datetimeFigureOut">
               <a:rPr lang="en-IN" smtClean="0"/>
-              <a:t>04-09-2024</a:t>
+              <a:t>05-09-2024</a:t>
             </a:fld>
             <a:endParaRPr lang="en-IN"/>
           </a:p>
@@ -792,7 +792,7 @@
           <a:p>
             <a:fld id="{851C0E05-CD83-4F50-8310-1B8E117BF8A7}" type="datetimeFigureOut">
               <a:rPr lang="en-IN" smtClean="0"/>
-              <a:t>04-09-2024</a:t>
+              <a:t>05-09-2024</a:t>
             </a:fld>
             <a:endParaRPr lang="en-IN"/>
           </a:p>
@@ -1036,7 +1036,7 @@
           <a:p>
             <a:fld id="{851C0E05-CD83-4F50-8310-1B8E117BF8A7}" type="datetimeFigureOut">
               <a:rPr lang="en-IN" smtClean="0"/>
-              <a:t>04-09-2024</a:t>
+              <a:t>05-09-2024</a:t>
             </a:fld>
             <a:endParaRPr lang="en-IN"/>
           </a:p>
@@ -1268,7 +1268,7 @@
           <a:p>
             <a:fld id="{851C0E05-CD83-4F50-8310-1B8E117BF8A7}" type="datetimeFigureOut">
               <a:rPr lang="en-IN" smtClean="0"/>
-              <a:t>04-09-2024</a:t>
+              <a:t>05-09-2024</a:t>
             </a:fld>
             <a:endParaRPr lang="en-IN"/>
           </a:p>
@@ -1635,7 +1635,7 @@
           <a:p>
             <a:fld id="{851C0E05-CD83-4F50-8310-1B8E117BF8A7}" type="datetimeFigureOut">
               <a:rPr lang="en-IN" smtClean="0"/>
-              <a:t>04-09-2024</a:t>
+              <a:t>05-09-2024</a:t>
             </a:fld>
             <a:endParaRPr lang="en-IN"/>
           </a:p>
@@ -1753,7 +1753,7 @@
           <a:p>
             <a:fld id="{851C0E05-CD83-4F50-8310-1B8E117BF8A7}" type="datetimeFigureOut">
               <a:rPr lang="en-IN" smtClean="0"/>
-              <a:t>04-09-2024</a:t>
+              <a:t>05-09-2024</a:t>
             </a:fld>
             <a:endParaRPr lang="en-IN"/>
           </a:p>
@@ -1848,7 +1848,7 @@
           <a:p>
             <a:fld id="{851C0E05-CD83-4F50-8310-1B8E117BF8A7}" type="datetimeFigureOut">
               <a:rPr lang="en-IN" smtClean="0"/>
-              <a:t>04-09-2024</a:t>
+              <a:t>05-09-2024</a:t>
             </a:fld>
             <a:endParaRPr lang="en-IN"/>
           </a:p>
@@ -2125,7 +2125,7 @@
           <a:p>
             <a:fld id="{851C0E05-CD83-4F50-8310-1B8E117BF8A7}" type="datetimeFigureOut">
               <a:rPr lang="en-IN" smtClean="0"/>
-              <a:t>04-09-2024</a:t>
+              <a:t>05-09-2024</a:t>
             </a:fld>
             <a:endParaRPr lang="en-IN"/>
           </a:p>
@@ -2382,7 +2382,7 @@
           <a:p>
             <a:fld id="{851C0E05-CD83-4F50-8310-1B8E117BF8A7}" type="datetimeFigureOut">
               <a:rPr lang="en-IN" smtClean="0"/>
-              <a:t>04-09-2024</a:t>
+              <a:t>05-09-2024</a:t>
             </a:fld>
             <a:endParaRPr lang="en-IN"/>
           </a:p>
@@ -2595,7 +2595,7 @@
           <a:p>
             <a:fld id="{851C0E05-CD83-4F50-8310-1B8E117BF8A7}" type="datetimeFigureOut">
               <a:rPr lang="en-IN" smtClean="0"/>
-              <a:t>04-09-2024</a:t>
+              <a:t>05-09-2024</a:t>
             </a:fld>
             <a:endParaRPr lang="en-IN"/>
           </a:p>
@@ -3961,8 +3961,12 @@
           </a:p>
           <a:p>
             <a:r>
+              <a:rPr lang="en-IN"/>
+              <a:t>Model </a:t>
+            </a:r>
+            <a:r>
               <a:rPr lang="en-IN" dirty="0"/>
-              <a:t> Model Parallel Training</a:t>
+              <a:t>Parallel Training</a:t>
             </a:r>
           </a:p>
           <a:p>
